--- a/docs/ComponentDocs.pptx
+++ b/docs/ComponentDocs.pptx
@@ -6,6 +6,9 @@
   </p:sldMasterIdLst>
   <p:sldIdLst>
     <p:sldId id="256" r:id="rId2"/>
+    <p:sldId id="257" r:id="rId3"/>
+    <p:sldId id="258" r:id="rId4"/>
+    <p:sldId id="259" r:id="rId5"/>
   </p:sldIdLst>
   <p:sldSz cx="12192000" cy="6858000"/>
   <p:notesSz cx="6858000" cy="9144000"/>
@@ -3374,7 +3377,10 @@
           <a:bodyPr/>
           <a:lstStyle/>
           <a:p>
-            <a:endParaRPr lang="en-US"/>
+            <a:r>
+              <a:rPr lang="en-US" dirty="0"/>
+              <a:t>7/18/22</a:t>
+            </a:r>
           </a:p>
         </p:txBody>
       </p:sp>
@@ -3382,6 +3388,5262 @@
     <p:extLst>
       <p:ext uri="{BB962C8B-B14F-4D97-AF65-F5344CB8AC3E}">
         <p14:creationId xmlns:p14="http://schemas.microsoft.com/office/powerpoint/2010/main" val="801520754"/>
+      </p:ext>
+    </p:extLst>
+  </p:cSld>
+  <p:clrMapOvr>
+    <a:masterClrMapping/>
+  </p:clrMapOvr>
+</p:sld>
+</file>
+
+<file path=ppt/slides/slide2.xml><?xml version="1.0" encoding="utf-8"?>
+<p:sld xmlns:a="http://schemas.openxmlformats.org/drawingml/2006/main" xmlns:r="http://schemas.openxmlformats.org/officeDocument/2006/relationships" xmlns:p="http://schemas.openxmlformats.org/presentationml/2006/main">
+  <p:cSld>
+    <p:spTree>
+      <p:nvGrpSpPr>
+        <p:cNvPr id="1" name=""/>
+        <p:cNvGrpSpPr/>
+        <p:nvPr/>
+      </p:nvGrpSpPr>
+      <p:grpSpPr>
+        <a:xfrm>
+          <a:off x="0" y="0"/>
+          <a:ext cx="0" cy="0"/>
+          <a:chOff x="0" y="0"/>
+          <a:chExt cx="0" cy="0"/>
+        </a:xfrm>
+      </p:grpSpPr>
+      <p:sp>
+        <p:nvSpPr>
+          <p:cNvPr id="2" name="Title 1">
+            <a:extLst>
+              <a:ext uri="{FF2B5EF4-FFF2-40B4-BE49-F238E27FC236}">
+                <a16:creationId xmlns:a16="http://schemas.microsoft.com/office/drawing/2014/main" id="{3F4149B7-E5A6-2D29-0CFC-FC804E411704}"/>
+              </a:ext>
+            </a:extLst>
+          </p:cNvPr>
+          <p:cNvSpPr>
+            <a:spLocks noGrp="1"/>
+          </p:cNvSpPr>
+          <p:nvPr>
+            <p:ph type="title"/>
+          </p:nvPr>
+        </p:nvSpPr>
+        <p:spPr/>
+        <p:txBody>
+          <a:bodyPr/>
+          <a:lstStyle/>
+          <a:p>
+            <a:r>
+              <a:rPr lang="en-US" dirty="0" err="1"/>
+              <a:t>Bondpad</a:t>
+            </a:r>
+            <a:endParaRPr lang="en-US" dirty="0"/>
+          </a:p>
+        </p:txBody>
+      </p:sp>
+      <p:pic>
+        <p:nvPicPr>
+          <p:cNvPr id="5" name="Content Placeholder 4" descr="Shape&#10;&#10;Description automatically generated">
+            <a:extLst>
+              <a:ext uri="{FF2B5EF4-FFF2-40B4-BE49-F238E27FC236}">
+                <a16:creationId xmlns:a16="http://schemas.microsoft.com/office/drawing/2014/main" id="{6E8245AE-B8BC-117B-8073-DB7028454A07}"/>
+              </a:ext>
+            </a:extLst>
+          </p:cNvPr>
+          <p:cNvPicPr>
+            <a:picLocks noGrp="1" noChangeAspect="1"/>
+          </p:cNvPicPr>
+          <p:nvPr>
+            <p:ph idx="1"/>
+          </p:nvPr>
+        </p:nvPicPr>
+        <p:blipFill>
+          <a:blip r:embed="rId2">
+            <a:extLst>
+              <a:ext uri="{28A0092B-C50C-407E-A947-70E740481C1C}">
+                <a14:useLocalDpi xmlns:a14="http://schemas.microsoft.com/office/drawing/2010/main" val="0"/>
+              </a:ext>
+            </a:extLst>
+          </a:blip>
+          <a:stretch>
+            <a:fillRect/>
+          </a:stretch>
+        </p:blipFill>
+        <p:spPr>
+          <a:xfrm>
+            <a:off x="276138" y="1690688"/>
+            <a:ext cx="4775425" cy="4651389"/>
+          </a:xfrm>
+        </p:spPr>
+      </p:pic>
+      <p:pic>
+        <p:nvPicPr>
+          <p:cNvPr id="8" name="Picture 7" descr="Shape&#10;&#10;Description automatically generated">
+            <a:extLst>
+              <a:ext uri="{FF2B5EF4-FFF2-40B4-BE49-F238E27FC236}">
+                <a16:creationId xmlns:a16="http://schemas.microsoft.com/office/drawing/2014/main" id="{E85C8BEB-A920-95A2-F2E1-8551FC734577}"/>
+              </a:ext>
+            </a:extLst>
+          </p:cNvPr>
+          <p:cNvPicPr>
+            <a:picLocks noChangeAspect="1"/>
+          </p:cNvPicPr>
+          <p:nvPr/>
+        </p:nvPicPr>
+        <p:blipFill>
+          <a:blip r:embed="rId3">
+            <a:extLst>
+              <a:ext uri="{28A0092B-C50C-407E-A947-70E740481C1C}">
+                <a14:useLocalDpi xmlns:a14="http://schemas.microsoft.com/office/drawing/2010/main" val="0"/>
+              </a:ext>
+            </a:extLst>
+          </a:blip>
+          <a:stretch>
+            <a:fillRect/>
+          </a:stretch>
+        </p:blipFill>
+        <p:spPr>
+          <a:xfrm>
+            <a:off x="5208164" y="1690688"/>
+            <a:ext cx="4747523" cy="4651389"/>
+          </a:xfrm>
+          <a:prstGeom prst="rect">
+            <a:avLst/>
+          </a:prstGeom>
+          <a:ln w="76200">
+            <a:solidFill>
+              <a:schemeClr val="accent2"/>
+            </a:solidFill>
+          </a:ln>
+        </p:spPr>
+      </p:pic>
+      <p:cxnSp>
+        <p:nvCxnSpPr>
+          <p:cNvPr id="13" name="Straight Arrow Connector 12">
+            <a:extLst>
+              <a:ext uri="{FF2B5EF4-FFF2-40B4-BE49-F238E27FC236}">
+                <a16:creationId xmlns:a16="http://schemas.microsoft.com/office/drawing/2014/main" id="{CE4E3380-D0AA-3EDC-50F8-6C653B6F6113}"/>
+              </a:ext>
+            </a:extLst>
+          </p:cNvPr>
+          <p:cNvCxnSpPr>
+            <a:cxnSpLocks/>
+          </p:cNvCxnSpPr>
+          <p:nvPr/>
+        </p:nvCxnSpPr>
+        <p:spPr>
+          <a:xfrm flipV="1">
+            <a:off x="6968925" y="3128964"/>
+            <a:ext cx="280988" cy="0"/>
+          </a:xfrm>
+          <a:prstGeom prst="straightConnector1">
+            <a:avLst/>
+          </a:prstGeom>
+          <a:ln w="19050">
+            <a:solidFill>
+              <a:srgbClr val="FF09A7"/>
+            </a:solidFill>
+            <a:headEnd type="triangle"/>
+            <a:tailEnd type="triangle"/>
+          </a:ln>
+        </p:spPr>
+        <p:style>
+          <a:lnRef idx="1">
+            <a:schemeClr val="accent1"/>
+          </a:lnRef>
+          <a:fillRef idx="0">
+            <a:schemeClr val="accent1"/>
+          </a:fillRef>
+          <a:effectRef idx="0">
+            <a:schemeClr val="accent1"/>
+          </a:effectRef>
+          <a:fontRef idx="minor">
+            <a:schemeClr val="tx1"/>
+          </a:fontRef>
+        </p:style>
+      </p:cxnSp>
+      <p:cxnSp>
+        <p:nvCxnSpPr>
+          <p:cNvPr id="22" name="Straight Arrow Connector 21">
+            <a:extLst>
+              <a:ext uri="{FF2B5EF4-FFF2-40B4-BE49-F238E27FC236}">
+                <a16:creationId xmlns:a16="http://schemas.microsoft.com/office/drawing/2014/main" id="{2124FCBA-8015-33B1-6B29-E18B6498AEA4}"/>
+              </a:ext>
+            </a:extLst>
+          </p:cNvPr>
+          <p:cNvCxnSpPr>
+            <a:cxnSpLocks/>
+          </p:cNvCxnSpPr>
+          <p:nvPr/>
+        </p:nvCxnSpPr>
+        <p:spPr>
+          <a:xfrm>
+            <a:off x="7249913" y="3128964"/>
+            <a:ext cx="676274" cy="0"/>
+          </a:xfrm>
+          <a:prstGeom prst="straightConnector1">
+            <a:avLst/>
+          </a:prstGeom>
+          <a:ln w="19050">
+            <a:solidFill>
+              <a:srgbClr val="FF09A7"/>
+            </a:solidFill>
+            <a:headEnd type="triangle"/>
+            <a:tailEnd type="triangle"/>
+          </a:ln>
+        </p:spPr>
+        <p:style>
+          <a:lnRef idx="1">
+            <a:schemeClr val="accent1"/>
+          </a:lnRef>
+          <a:fillRef idx="0">
+            <a:schemeClr val="accent1"/>
+          </a:fillRef>
+          <a:effectRef idx="0">
+            <a:schemeClr val="accent1"/>
+          </a:effectRef>
+          <a:fontRef idx="minor">
+            <a:schemeClr val="tx1"/>
+          </a:fontRef>
+        </p:style>
+      </p:cxnSp>
+      <p:sp>
+        <p:nvSpPr>
+          <p:cNvPr id="25" name="TextBox 24">
+            <a:extLst>
+              <a:ext uri="{FF2B5EF4-FFF2-40B4-BE49-F238E27FC236}">
+                <a16:creationId xmlns:a16="http://schemas.microsoft.com/office/drawing/2014/main" id="{45F57418-4C32-97C7-9A90-9C922264C59F}"/>
+              </a:ext>
+            </a:extLst>
+          </p:cNvPr>
+          <p:cNvSpPr txBox="1"/>
+          <p:nvPr/>
+        </p:nvSpPr>
+        <p:spPr>
+          <a:xfrm>
+            <a:off x="6121156" y="2634014"/>
+            <a:ext cx="515982" cy="276999"/>
+          </a:xfrm>
+          <a:prstGeom prst="rect">
+            <a:avLst/>
+          </a:prstGeom>
+          <a:noFill/>
+        </p:spPr>
+        <p:txBody>
+          <a:bodyPr wrap="square" rtlCol="0">
+            <a:spAutoFit/>
+          </a:bodyPr>
+          <a:lstStyle/>
+          <a:p>
+            <a:r>
+              <a:rPr lang="en-US" sz="1200" dirty="0">
+                <a:solidFill>
+                  <a:srgbClr val="FF99FF"/>
+                </a:solidFill>
+              </a:rPr>
+              <a:t>gapw</a:t>
+            </a:r>
+          </a:p>
+        </p:txBody>
+      </p:sp>
+      <p:cxnSp>
+        <p:nvCxnSpPr>
+          <p:cNvPr id="27" name="Connector: Elbow 26">
+            <a:extLst>
+              <a:ext uri="{FF2B5EF4-FFF2-40B4-BE49-F238E27FC236}">
+                <a16:creationId xmlns:a16="http://schemas.microsoft.com/office/drawing/2014/main" id="{19F02900-1F0B-B1A9-BF4A-B4BD051ACFF8}"/>
+              </a:ext>
+            </a:extLst>
+          </p:cNvPr>
+          <p:cNvCxnSpPr>
+            <a:cxnSpLocks/>
+            <a:stCxn id="25" idx="3"/>
+          </p:cNvCxnSpPr>
+          <p:nvPr/>
+        </p:nvCxnSpPr>
+        <p:spPr>
+          <a:xfrm>
+            <a:off x="6637138" y="2772514"/>
+            <a:ext cx="472281" cy="356449"/>
+          </a:xfrm>
+          <a:prstGeom prst="bentConnector3">
+            <a:avLst>
+              <a:gd name="adj1" fmla="val 101093"/>
+            </a:avLst>
+          </a:prstGeom>
+          <a:ln w="9525">
+            <a:solidFill>
+              <a:srgbClr val="FF09A7"/>
+            </a:solidFill>
+          </a:ln>
+        </p:spPr>
+        <p:style>
+          <a:lnRef idx="1">
+            <a:schemeClr val="accent1"/>
+          </a:lnRef>
+          <a:fillRef idx="0">
+            <a:schemeClr val="accent1"/>
+          </a:fillRef>
+          <a:effectRef idx="0">
+            <a:schemeClr val="accent1"/>
+          </a:effectRef>
+          <a:fontRef idx="minor">
+            <a:schemeClr val="tx1"/>
+          </a:fontRef>
+        </p:style>
+      </p:cxnSp>
+      <p:sp>
+        <p:nvSpPr>
+          <p:cNvPr id="33" name="TextBox 32">
+            <a:extLst>
+              <a:ext uri="{FF2B5EF4-FFF2-40B4-BE49-F238E27FC236}">
+                <a16:creationId xmlns:a16="http://schemas.microsoft.com/office/drawing/2014/main" id="{2F820F8E-1764-0586-24A6-EB53B6AE7EE8}"/>
+              </a:ext>
+            </a:extLst>
+          </p:cNvPr>
+          <p:cNvSpPr txBox="1"/>
+          <p:nvPr/>
+        </p:nvSpPr>
+        <p:spPr>
+          <a:xfrm>
+            <a:off x="7333520" y="2873726"/>
+            <a:ext cx="642719" cy="276999"/>
+          </a:xfrm>
+          <a:prstGeom prst="rect">
+            <a:avLst/>
+          </a:prstGeom>
+          <a:noFill/>
+        </p:spPr>
+        <p:txBody>
+          <a:bodyPr wrap="square" rtlCol="0">
+            <a:spAutoFit/>
+          </a:bodyPr>
+          <a:lstStyle/>
+          <a:p>
+            <a:r>
+              <a:rPr lang="en-US" sz="1200" dirty="0">
+                <a:solidFill>
+                  <a:srgbClr val="FF99FF"/>
+                </a:solidFill>
+              </a:rPr>
+              <a:t>pinw</a:t>
+            </a:r>
+          </a:p>
+        </p:txBody>
+      </p:sp>
+      <p:cxnSp>
+        <p:nvCxnSpPr>
+          <p:cNvPr id="42" name="Straight Arrow Connector 41">
+            <a:extLst>
+              <a:ext uri="{FF2B5EF4-FFF2-40B4-BE49-F238E27FC236}">
+                <a16:creationId xmlns:a16="http://schemas.microsoft.com/office/drawing/2014/main" id="{E5EF2287-857A-AB79-4E64-16A4747C3D9B}"/>
+              </a:ext>
+            </a:extLst>
+          </p:cNvPr>
+          <p:cNvCxnSpPr>
+            <a:cxnSpLocks/>
+          </p:cNvCxnSpPr>
+          <p:nvPr/>
+        </p:nvCxnSpPr>
+        <p:spPr>
+          <a:xfrm>
+            <a:off x="1724890" y="4016382"/>
+            <a:ext cx="1858328" cy="0"/>
+          </a:xfrm>
+          <a:prstGeom prst="straightConnector1">
+            <a:avLst/>
+          </a:prstGeom>
+          <a:ln w="19050">
+            <a:solidFill>
+              <a:srgbClr val="FF09A7"/>
+            </a:solidFill>
+            <a:headEnd type="triangle"/>
+            <a:tailEnd type="triangle"/>
+          </a:ln>
+        </p:spPr>
+        <p:style>
+          <a:lnRef idx="1">
+            <a:schemeClr val="accent1"/>
+          </a:lnRef>
+          <a:fillRef idx="0">
+            <a:schemeClr val="accent1"/>
+          </a:fillRef>
+          <a:effectRef idx="0">
+            <a:schemeClr val="accent1"/>
+          </a:effectRef>
+          <a:fontRef idx="minor">
+            <a:schemeClr val="tx1"/>
+          </a:fontRef>
+        </p:style>
+      </p:cxnSp>
+      <p:cxnSp>
+        <p:nvCxnSpPr>
+          <p:cNvPr id="44" name="Straight Arrow Connector 43">
+            <a:extLst>
+              <a:ext uri="{FF2B5EF4-FFF2-40B4-BE49-F238E27FC236}">
+                <a16:creationId xmlns:a16="http://schemas.microsoft.com/office/drawing/2014/main" id="{788329CB-C071-8D6D-0241-B18E59041C9F}"/>
+              </a:ext>
+            </a:extLst>
+          </p:cNvPr>
+          <p:cNvCxnSpPr>
+            <a:cxnSpLocks/>
+          </p:cNvCxnSpPr>
+          <p:nvPr/>
+        </p:nvCxnSpPr>
+        <p:spPr>
+          <a:xfrm>
+            <a:off x="977178" y="4016382"/>
+            <a:ext cx="747712" cy="0"/>
+          </a:xfrm>
+          <a:prstGeom prst="straightConnector1">
+            <a:avLst/>
+          </a:prstGeom>
+          <a:ln w="19050">
+            <a:solidFill>
+              <a:srgbClr val="FF09A7"/>
+            </a:solidFill>
+            <a:headEnd type="triangle"/>
+            <a:tailEnd type="triangle"/>
+          </a:ln>
+        </p:spPr>
+        <p:style>
+          <a:lnRef idx="1">
+            <a:schemeClr val="accent1"/>
+          </a:lnRef>
+          <a:fillRef idx="0">
+            <a:schemeClr val="accent1"/>
+          </a:fillRef>
+          <a:effectRef idx="0">
+            <a:schemeClr val="accent1"/>
+          </a:effectRef>
+          <a:fontRef idx="minor">
+            <a:schemeClr val="tx1"/>
+          </a:fontRef>
+        </p:style>
+      </p:cxnSp>
+      <p:cxnSp>
+        <p:nvCxnSpPr>
+          <p:cNvPr id="47" name="Straight Arrow Connector 46">
+            <a:extLst>
+              <a:ext uri="{FF2B5EF4-FFF2-40B4-BE49-F238E27FC236}">
+                <a16:creationId xmlns:a16="http://schemas.microsoft.com/office/drawing/2014/main" id="{5DD90BB0-64AD-6697-E4E0-33C0354F3017}"/>
+              </a:ext>
+            </a:extLst>
+          </p:cNvPr>
+          <p:cNvCxnSpPr>
+            <a:cxnSpLocks/>
+          </p:cNvCxnSpPr>
+          <p:nvPr/>
+        </p:nvCxnSpPr>
+        <p:spPr>
+          <a:xfrm flipH="1">
+            <a:off x="4028988" y="2065338"/>
+            <a:ext cx="0" cy="1401763"/>
+          </a:xfrm>
+          <a:prstGeom prst="straightConnector1">
+            <a:avLst/>
+          </a:prstGeom>
+          <a:ln w="19050">
+            <a:solidFill>
+              <a:srgbClr val="FF09A7"/>
+            </a:solidFill>
+            <a:headEnd type="triangle"/>
+            <a:tailEnd type="triangle"/>
+          </a:ln>
+        </p:spPr>
+        <p:style>
+          <a:lnRef idx="1">
+            <a:schemeClr val="accent1"/>
+          </a:lnRef>
+          <a:fillRef idx="0">
+            <a:schemeClr val="accent1"/>
+          </a:fillRef>
+          <a:effectRef idx="0">
+            <a:schemeClr val="accent1"/>
+          </a:effectRef>
+          <a:fontRef idx="minor">
+            <a:schemeClr val="tx1"/>
+          </a:fontRef>
+        </p:style>
+      </p:cxnSp>
+      <p:cxnSp>
+        <p:nvCxnSpPr>
+          <p:cNvPr id="56" name="Straight Connector 55">
+            <a:extLst>
+              <a:ext uri="{FF2B5EF4-FFF2-40B4-BE49-F238E27FC236}">
+                <a16:creationId xmlns:a16="http://schemas.microsoft.com/office/drawing/2014/main" id="{BCDF1695-9315-3109-0746-E311B4D7F4A2}"/>
+              </a:ext>
+            </a:extLst>
+          </p:cNvPr>
+          <p:cNvCxnSpPr>
+            <a:cxnSpLocks/>
+          </p:cNvCxnSpPr>
+          <p:nvPr/>
+        </p:nvCxnSpPr>
+        <p:spPr>
+          <a:xfrm flipH="1">
+            <a:off x="2735969" y="2065338"/>
+            <a:ext cx="1299369" cy="0"/>
+          </a:xfrm>
+          <a:prstGeom prst="line">
+            <a:avLst/>
+          </a:prstGeom>
+          <a:ln w="9525">
+            <a:solidFill>
+              <a:srgbClr val="FF09A7"/>
+            </a:solidFill>
+          </a:ln>
+        </p:spPr>
+        <p:style>
+          <a:lnRef idx="1">
+            <a:schemeClr val="accent1"/>
+          </a:lnRef>
+          <a:fillRef idx="0">
+            <a:schemeClr val="accent1"/>
+          </a:fillRef>
+          <a:effectRef idx="0">
+            <a:schemeClr val="accent1"/>
+          </a:effectRef>
+          <a:fontRef idx="minor">
+            <a:schemeClr val="tx1"/>
+          </a:fontRef>
+        </p:style>
+      </p:cxnSp>
+      <p:cxnSp>
+        <p:nvCxnSpPr>
+          <p:cNvPr id="61" name="Straight Connector 60">
+            <a:extLst>
+              <a:ext uri="{FF2B5EF4-FFF2-40B4-BE49-F238E27FC236}">
+                <a16:creationId xmlns:a16="http://schemas.microsoft.com/office/drawing/2014/main" id="{6508E960-5BA8-1B73-AAC0-DAC6239E9712}"/>
+              </a:ext>
+            </a:extLst>
+          </p:cNvPr>
+          <p:cNvCxnSpPr>
+            <a:cxnSpLocks/>
+          </p:cNvCxnSpPr>
+          <p:nvPr/>
+        </p:nvCxnSpPr>
+        <p:spPr>
+          <a:xfrm flipH="1">
+            <a:off x="3575757" y="3462021"/>
+            <a:ext cx="457041" cy="0"/>
+          </a:xfrm>
+          <a:prstGeom prst="line">
+            <a:avLst/>
+          </a:prstGeom>
+          <a:ln w="9525">
+            <a:solidFill>
+              <a:srgbClr val="FF09A7"/>
+            </a:solidFill>
+          </a:ln>
+        </p:spPr>
+        <p:style>
+          <a:lnRef idx="1">
+            <a:schemeClr val="accent1"/>
+          </a:lnRef>
+          <a:fillRef idx="0">
+            <a:schemeClr val="accent1"/>
+          </a:fillRef>
+          <a:effectRef idx="0">
+            <a:schemeClr val="accent1"/>
+          </a:effectRef>
+          <a:fontRef idx="minor">
+            <a:schemeClr val="tx1"/>
+          </a:fontRef>
+        </p:style>
+      </p:cxnSp>
+      <p:sp>
+        <p:nvSpPr>
+          <p:cNvPr id="67" name="TextBox 66">
+            <a:extLst>
+              <a:ext uri="{FF2B5EF4-FFF2-40B4-BE49-F238E27FC236}">
+                <a16:creationId xmlns:a16="http://schemas.microsoft.com/office/drawing/2014/main" id="{99A1E3FD-126E-0F88-0EF7-3471309BE3ED}"/>
+              </a:ext>
+            </a:extLst>
+          </p:cNvPr>
+          <p:cNvSpPr txBox="1"/>
+          <p:nvPr/>
+        </p:nvSpPr>
+        <p:spPr>
+          <a:xfrm rot="5400000">
+            <a:off x="3542663" y="2717976"/>
+            <a:ext cx="1262348" cy="276999"/>
+          </a:xfrm>
+          <a:prstGeom prst="rect">
+            <a:avLst/>
+          </a:prstGeom>
+          <a:noFill/>
+        </p:spPr>
+        <p:txBody>
+          <a:bodyPr wrap="square" rtlCol="0">
+            <a:spAutoFit/>
+          </a:bodyPr>
+          <a:lstStyle/>
+          <a:p>
+            <a:r>
+              <a:rPr lang="en-US" sz="1200" dirty="0">
+                <a:solidFill>
+                  <a:srgbClr val="FF99FF"/>
+                </a:solidFill>
+              </a:rPr>
+              <a:t>taper_length</a:t>
+            </a:r>
+          </a:p>
+        </p:txBody>
+      </p:sp>
+      <p:cxnSp>
+        <p:nvCxnSpPr>
+          <p:cNvPr id="68" name="Straight Arrow Connector 67">
+            <a:extLst>
+              <a:ext uri="{FF2B5EF4-FFF2-40B4-BE49-F238E27FC236}">
+                <a16:creationId xmlns:a16="http://schemas.microsoft.com/office/drawing/2014/main" id="{8DE9F4CC-505C-BBF6-0C01-89B7BF181EF2}"/>
+              </a:ext>
+            </a:extLst>
+          </p:cNvPr>
+          <p:cNvCxnSpPr>
+            <a:cxnSpLocks/>
+          </p:cNvCxnSpPr>
+          <p:nvPr/>
+        </p:nvCxnSpPr>
+        <p:spPr>
+          <a:xfrm>
+            <a:off x="4028988" y="3460751"/>
+            <a:ext cx="0" cy="1625599"/>
+          </a:xfrm>
+          <a:prstGeom prst="straightConnector1">
+            <a:avLst/>
+          </a:prstGeom>
+          <a:ln w="19050">
+            <a:solidFill>
+              <a:srgbClr val="FF09A7"/>
+            </a:solidFill>
+            <a:headEnd type="triangle"/>
+            <a:tailEnd type="triangle"/>
+          </a:ln>
+        </p:spPr>
+        <p:style>
+          <a:lnRef idx="1">
+            <a:schemeClr val="accent1"/>
+          </a:lnRef>
+          <a:fillRef idx="0">
+            <a:schemeClr val="accent1"/>
+          </a:fillRef>
+          <a:effectRef idx="0">
+            <a:schemeClr val="accent1"/>
+          </a:effectRef>
+          <a:fontRef idx="minor">
+            <a:schemeClr val="tx1"/>
+          </a:fontRef>
+        </p:style>
+      </p:cxnSp>
+      <p:cxnSp>
+        <p:nvCxnSpPr>
+          <p:cNvPr id="69" name="Straight Connector 68">
+            <a:extLst>
+              <a:ext uri="{FF2B5EF4-FFF2-40B4-BE49-F238E27FC236}">
+                <a16:creationId xmlns:a16="http://schemas.microsoft.com/office/drawing/2014/main" id="{0978F673-A90A-04BE-00E3-2F94F5A3603E}"/>
+              </a:ext>
+            </a:extLst>
+          </p:cNvPr>
+          <p:cNvCxnSpPr>
+            <a:cxnSpLocks/>
+          </p:cNvCxnSpPr>
+          <p:nvPr/>
+        </p:nvCxnSpPr>
+        <p:spPr>
+          <a:xfrm flipH="1">
+            <a:off x="3575757" y="5086351"/>
+            <a:ext cx="459581" cy="0"/>
+          </a:xfrm>
+          <a:prstGeom prst="line">
+            <a:avLst/>
+          </a:prstGeom>
+          <a:ln w="9525">
+            <a:solidFill>
+              <a:srgbClr val="FF09A7"/>
+            </a:solidFill>
+          </a:ln>
+        </p:spPr>
+        <p:style>
+          <a:lnRef idx="1">
+            <a:schemeClr val="accent1"/>
+          </a:lnRef>
+          <a:fillRef idx="0">
+            <a:schemeClr val="accent1"/>
+          </a:fillRef>
+          <a:effectRef idx="0">
+            <a:schemeClr val="accent1"/>
+          </a:effectRef>
+          <a:fontRef idx="minor">
+            <a:schemeClr val="tx1"/>
+          </a:fontRef>
+        </p:style>
+      </p:cxnSp>
+      <p:sp>
+        <p:nvSpPr>
+          <p:cNvPr id="82" name="TextBox 81">
+            <a:extLst>
+              <a:ext uri="{FF2B5EF4-FFF2-40B4-BE49-F238E27FC236}">
+                <a16:creationId xmlns:a16="http://schemas.microsoft.com/office/drawing/2014/main" id="{3DD6555E-592C-0F2E-011D-6B8100006AF9}"/>
+              </a:ext>
+            </a:extLst>
+          </p:cNvPr>
+          <p:cNvSpPr txBox="1"/>
+          <p:nvPr/>
+        </p:nvSpPr>
+        <p:spPr>
+          <a:xfrm rot="5400000">
+            <a:off x="3397557" y="4171572"/>
+            <a:ext cx="1552559" cy="276999"/>
+          </a:xfrm>
+          <a:prstGeom prst="rect">
+            <a:avLst/>
+          </a:prstGeom>
+          <a:noFill/>
+        </p:spPr>
+        <p:txBody>
+          <a:bodyPr wrap="square" rtlCol="0">
+            <a:spAutoFit/>
+          </a:bodyPr>
+          <a:lstStyle/>
+          <a:p>
+            <a:r>
+              <a:rPr lang="en-US" sz="1200" dirty="0">
+                <a:solidFill>
+                  <a:srgbClr val="FF99FF"/>
+                </a:solidFill>
+              </a:rPr>
+              <a:t>bond_pad_length</a:t>
+            </a:r>
+          </a:p>
+        </p:txBody>
+      </p:sp>
+      <p:sp>
+        <p:nvSpPr>
+          <p:cNvPr id="85" name="TextBox 84">
+            <a:extLst>
+              <a:ext uri="{FF2B5EF4-FFF2-40B4-BE49-F238E27FC236}">
+                <a16:creationId xmlns:a16="http://schemas.microsoft.com/office/drawing/2014/main" id="{C1E03126-97CE-6F71-BD06-10B6252CC15C}"/>
+              </a:ext>
+            </a:extLst>
+          </p:cNvPr>
+          <p:cNvSpPr txBox="1"/>
+          <p:nvPr/>
+        </p:nvSpPr>
+        <p:spPr>
+          <a:xfrm>
+            <a:off x="2105049" y="3739383"/>
+            <a:ext cx="1262348" cy="276999"/>
+          </a:xfrm>
+          <a:prstGeom prst="rect">
+            <a:avLst/>
+          </a:prstGeom>
+          <a:noFill/>
+        </p:spPr>
+        <p:txBody>
+          <a:bodyPr wrap="square" rtlCol="0">
+            <a:spAutoFit/>
+          </a:bodyPr>
+          <a:lstStyle/>
+          <a:p>
+            <a:r>
+              <a:rPr lang="en-US" sz="1200" dirty="0" err="1">
+                <a:solidFill>
+                  <a:srgbClr val="FF99FF"/>
+                </a:solidFill>
+              </a:rPr>
+              <a:t>launcher_pinw</a:t>
+            </a:r>
+            <a:endParaRPr lang="en-US" sz="1200" dirty="0">
+              <a:solidFill>
+                <a:srgbClr val="FF99FF"/>
+              </a:solidFill>
+            </a:endParaRPr>
+          </a:p>
+        </p:txBody>
+      </p:sp>
+      <p:sp>
+        <p:nvSpPr>
+          <p:cNvPr id="86" name="TextBox 85">
+            <a:extLst>
+              <a:ext uri="{FF2B5EF4-FFF2-40B4-BE49-F238E27FC236}">
+                <a16:creationId xmlns:a16="http://schemas.microsoft.com/office/drawing/2014/main" id="{DA0F432B-DC30-B653-29FB-70318B0496BB}"/>
+              </a:ext>
+            </a:extLst>
+          </p:cNvPr>
+          <p:cNvSpPr txBox="1"/>
+          <p:nvPr/>
+        </p:nvSpPr>
+        <p:spPr>
+          <a:xfrm>
+            <a:off x="462542" y="2589140"/>
+            <a:ext cx="1262348" cy="276999"/>
+          </a:xfrm>
+          <a:prstGeom prst="rect">
+            <a:avLst/>
+          </a:prstGeom>
+          <a:noFill/>
+        </p:spPr>
+        <p:txBody>
+          <a:bodyPr wrap="square" rtlCol="0">
+            <a:spAutoFit/>
+          </a:bodyPr>
+          <a:lstStyle/>
+          <a:p>
+            <a:r>
+              <a:rPr lang="en-US" sz="1200" dirty="0" err="1">
+                <a:solidFill>
+                  <a:srgbClr val="FF99FF"/>
+                </a:solidFill>
+              </a:rPr>
+              <a:t>launcher_gapw</a:t>
+            </a:r>
+            <a:endParaRPr lang="en-US" sz="1200" dirty="0">
+              <a:solidFill>
+                <a:srgbClr val="FF99FF"/>
+              </a:solidFill>
+            </a:endParaRPr>
+          </a:p>
+        </p:txBody>
+      </p:sp>
+      <p:cxnSp>
+        <p:nvCxnSpPr>
+          <p:cNvPr id="87" name="Straight Connector 86">
+            <a:extLst>
+              <a:ext uri="{FF2B5EF4-FFF2-40B4-BE49-F238E27FC236}">
+                <a16:creationId xmlns:a16="http://schemas.microsoft.com/office/drawing/2014/main" id="{F5C262C8-AEB2-EFC4-8E23-0AD52504CD0A}"/>
+              </a:ext>
+            </a:extLst>
+          </p:cNvPr>
+          <p:cNvCxnSpPr>
+            <a:cxnSpLocks/>
+          </p:cNvCxnSpPr>
+          <p:nvPr/>
+        </p:nvCxnSpPr>
+        <p:spPr>
+          <a:xfrm flipH="1" flipV="1">
+            <a:off x="1344731" y="2856475"/>
+            <a:ext cx="6303" cy="1159906"/>
+          </a:xfrm>
+          <a:prstGeom prst="line">
+            <a:avLst/>
+          </a:prstGeom>
+          <a:ln w="9525">
+            <a:solidFill>
+              <a:srgbClr val="FF09A7"/>
+            </a:solidFill>
+          </a:ln>
+        </p:spPr>
+        <p:style>
+          <a:lnRef idx="1">
+            <a:schemeClr val="accent1"/>
+          </a:lnRef>
+          <a:fillRef idx="0">
+            <a:schemeClr val="accent1"/>
+          </a:fillRef>
+          <a:effectRef idx="0">
+            <a:schemeClr val="accent1"/>
+          </a:effectRef>
+          <a:fontRef idx="minor">
+            <a:schemeClr val="tx1"/>
+          </a:fontRef>
+        </p:style>
+      </p:cxnSp>
+      <p:cxnSp>
+        <p:nvCxnSpPr>
+          <p:cNvPr id="90" name="Straight Arrow Connector 89">
+            <a:extLst>
+              <a:ext uri="{FF2B5EF4-FFF2-40B4-BE49-F238E27FC236}">
+                <a16:creationId xmlns:a16="http://schemas.microsoft.com/office/drawing/2014/main" id="{FBCD42A7-82B8-3468-F8EF-A26D723018C7}"/>
+              </a:ext>
+            </a:extLst>
+          </p:cNvPr>
+          <p:cNvCxnSpPr>
+            <a:cxnSpLocks/>
+          </p:cNvCxnSpPr>
+          <p:nvPr/>
+        </p:nvCxnSpPr>
+        <p:spPr>
+          <a:xfrm>
+            <a:off x="4028988" y="5086350"/>
+            <a:ext cx="0" cy="742950"/>
+          </a:xfrm>
+          <a:prstGeom prst="straightConnector1">
+            <a:avLst/>
+          </a:prstGeom>
+          <a:ln w="19050">
+            <a:solidFill>
+              <a:srgbClr val="FF09A7"/>
+            </a:solidFill>
+            <a:headEnd type="triangle"/>
+            <a:tailEnd type="triangle"/>
+          </a:ln>
+        </p:spPr>
+        <p:style>
+          <a:lnRef idx="1">
+            <a:schemeClr val="accent1"/>
+          </a:lnRef>
+          <a:fillRef idx="0">
+            <a:schemeClr val="accent1"/>
+          </a:fillRef>
+          <a:effectRef idx="0">
+            <a:schemeClr val="accent1"/>
+          </a:effectRef>
+          <a:fontRef idx="minor">
+            <a:schemeClr val="tx1"/>
+          </a:fontRef>
+        </p:style>
+      </p:cxnSp>
+      <p:sp>
+        <p:nvSpPr>
+          <p:cNvPr id="94" name="TextBox 93">
+            <a:extLst>
+              <a:ext uri="{FF2B5EF4-FFF2-40B4-BE49-F238E27FC236}">
+                <a16:creationId xmlns:a16="http://schemas.microsoft.com/office/drawing/2014/main" id="{F93F612A-097D-B81F-9412-EE3A6E343AD5}"/>
+              </a:ext>
+            </a:extLst>
+          </p:cNvPr>
+          <p:cNvSpPr txBox="1"/>
+          <p:nvPr/>
+        </p:nvSpPr>
+        <p:spPr>
+          <a:xfrm rot="5400000">
+            <a:off x="3844440" y="5427298"/>
+            <a:ext cx="1552559" cy="276999"/>
+          </a:xfrm>
+          <a:prstGeom prst="rect">
+            <a:avLst/>
+          </a:prstGeom>
+          <a:noFill/>
+        </p:spPr>
+        <p:txBody>
+          <a:bodyPr wrap="square" rtlCol="0">
+            <a:spAutoFit/>
+          </a:bodyPr>
+          <a:lstStyle/>
+          <a:p>
+            <a:r>
+              <a:rPr lang="en-US" sz="1200" dirty="0" err="1">
+                <a:solidFill>
+                  <a:srgbClr val="FF99FF"/>
+                </a:solidFill>
+              </a:rPr>
+              <a:t>launcher_padding</a:t>
+            </a:r>
+            <a:endParaRPr lang="en-US" sz="1200" dirty="0">
+              <a:solidFill>
+                <a:srgbClr val="FF99FF"/>
+              </a:solidFill>
+            </a:endParaRPr>
+          </a:p>
+        </p:txBody>
+      </p:sp>
+      <p:cxnSp>
+        <p:nvCxnSpPr>
+          <p:cNvPr id="95" name="Straight Connector 94">
+            <a:extLst>
+              <a:ext uri="{FF2B5EF4-FFF2-40B4-BE49-F238E27FC236}">
+                <a16:creationId xmlns:a16="http://schemas.microsoft.com/office/drawing/2014/main" id="{112B01C6-C62A-A37A-51F9-FF2739E4BCEF}"/>
+              </a:ext>
+            </a:extLst>
+          </p:cNvPr>
+          <p:cNvCxnSpPr>
+            <a:cxnSpLocks/>
+          </p:cNvCxnSpPr>
+          <p:nvPr/>
+        </p:nvCxnSpPr>
+        <p:spPr>
+          <a:xfrm flipH="1">
+            <a:off x="4041688" y="5457825"/>
+            <a:ext cx="459581" cy="0"/>
+          </a:xfrm>
+          <a:prstGeom prst="line">
+            <a:avLst/>
+          </a:prstGeom>
+          <a:ln w="9525">
+            <a:solidFill>
+              <a:srgbClr val="FF09A7"/>
+            </a:solidFill>
+          </a:ln>
+        </p:spPr>
+        <p:style>
+          <a:lnRef idx="1">
+            <a:schemeClr val="accent1"/>
+          </a:lnRef>
+          <a:fillRef idx="0">
+            <a:schemeClr val="accent1"/>
+          </a:fillRef>
+          <a:effectRef idx="0">
+            <a:schemeClr val="accent1"/>
+          </a:effectRef>
+          <a:fontRef idx="minor">
+            <a:schemeClr val="tx1"/>
+          </a:fontRef>
+        </p:style>
+      </p:cxnSp>
+      <p:sp>
+        <p:nvSpPr>
+          <p:cNvPr id="100" name="TextBox 99">
+            <a:extLst>
+              <a:ext uri="{FF2B5EF4-FFF2-40B4-BE49-F238E27FC236}">
+                <a16:creationId xmlns:a16="http://schemas.microsoft.com/office/drawing/2014/main" id="{02318EDF-E488-6712-B72E-6B5BB5031468}"/>
+              </a:ext>
+            </a:extLst>
+          </p:cNvPr>
+          <p:cNvSpPr txBox="1"/>
+          <p:nvPr/>
+        </p:nvSpPr>
+        <p:spPr>
+          <a:xfrm>
+            <a:off x="10268125" y="1608353"/>
+            <a:ext cx="1647737" cy="3785652"/>
+          </a:xfrm>
+          <a:prstGeom prst="rect">
+            <a:avLst/>
+          </a:prstGeom>
+          <a:noFill/>
+        </p:spPr>
+        <p:txBody>
+          <a:bodyPr wrap="square" rtlCol="0">
+            <a:spAutoFit/>
+          </a:bodyPr>
+          <a:lstStyle/>
+          <a:p>
+            <a:r>
+              <a:rPr lang="en-US" sz="1200" dirty="0"/>
+              <a:t>Notes:</a:t>
+            </a:r>
+          </a:p>
+          <a:p>
+            <a:pPr marL="171450" indent="-171450">
+              <a:buFontTx/>
+              <a:buChar char="-"/>
+            </a:pPr>
+            <a:r>
+              <a:rPr lang="en-US" sz="1200" dirty="0"/>
+              <a:t>If </a:t>
+            </a:r>
+            <a:r>
+              <a:rPr lang="en-US" sz="1200" dirty="0" err="1"/>
+              <a:t>startjunc</a:t>
+            </a:r>
+            <a:r>
+              <a:rPr lang="en-US" sz="1200" dirty="0"/>
+              <a:t> is passed, then the </a:t>
+            </a:r>
+            <a:r>
+              <a:rPr lang="en-US" sz="1200" dirty="0" err="1"/>
+              <a:t>Bondpad</a:t>
+            </a:r>
+            <a:r>
+              <a:rPr lang="en-US" sz="1200" dirty="0"/>
+              <a:t> will be drawn so that </a:t>
+            </a:r>
+            <a:r>
+              <a:rPr lang="en-US" sz="1200" dirty="0" err="1"/>
+              <a:t>startjunc</a:t>
+            </a:r>
+            <a:r>
+              <a:rPr lang="en-US" sz="1200" dirty="0"/>
+              <a:t> = </a:t>
+            </a:r>
+            <a:r>
+              <a:rPr lang="en-US" sz="1200" dirty="0" err="1"/>
+              <a:t>Bondpad.cxns</a:t>
+            </a:r>
+            <a:r>
+              <a:rPr lang="en-US" sz="1200" dirty="0"/>
+              <a:t>[‘out’]</a:t>
+            </a:r>
+          </a:p>
+          <a:p>
+            <a:pPr marL="171450" indent="-171450">
+              <a:buFontTx/>
+              <a:buChar char="-"/>
+            </a:pPr>
+            <a:r>
+              <a:rPr lang="en-US" sz="1200" dirty="0"/>
+              <a:t>If </a:t>
+            </a:r>
+            <a:r>
+              <a:rPr lang="en-US" sz="1200" dirty="0" err="1"/>
+              <a:t>startjunc</a:t>
+            </a:r>
+            <a:r>
+              <a:rPr lang="en-US" sz="1200" dirty="0"/>
+              <a:t> is not passed (and </a:t>
+            </a:r>
+            <a:r>
+              <a:rPr lang="en-US" sz="1200" dirty="0" err="1"/>
+              <a:t>Chip.last</a:t>
+            </a:r>
+            <a:r>
+              <a:rPr lang="en-US" sz="1200" dirty="0"/>
+              <a:t> is used instead), </a:t>
+            </a:r>
+            <a:r>
+              <a:rPr lang="en-US" sz="1200" dirty="0" err="1"/>
+              <a:t>Bondpad.cxns</a:t>
+            </a:r>
+            <a:r>
+              <a:rPr lang="en-US" sz="1200" dirty="0"/>
+              <a:t>[‘out’] = </a:t>
+            </a:r>
+            <a:r>
+              <a:rPr lang="en-US" sz="1200" dirty="0" err="1"/>
+              <a:t>Chip.last.reverse</a:t>
+            </a:r>
+            <a:r>
+              <a:rPr lang="en-US" sz="1200" dirty="0"/>
+              <a:t>()</a:t>
+            </a:r>
+          </a:p>
+          <a:p>
+            <a:pPr marL="171450" indent="-171450">
+              <a:buFontTx/>
+              <a:buChar char="-"/>
+            </a:pPr>
+            <a:r>
+              <a:rPr lang="en-US" sz="1200" dirty="0"/>
+              <a:t>In other words, the </a:t>
+            </a:r>
+            <a:r>
+              <a:rPr lang="en-US" sz="1200" dirty="0" err="1"/>
+              <a:t>Bondpad</a:t>
+            </a:r>
+            <a:r>
+              <a:rPr lang="en-US" sz="1200" dirty="0"/>
+              <a:t> either starts or ends a transmission line, depending on whether or not </a:t>
+            </a:r>
+            <a:r>
+              <a:rPr lang="en-US" sz="1200" dirty="0" err="1"/>
+              <a:t>startjunc</a:t>
+            </a:r>
+            <a:r>
+              <a:rPr lang="en-US" sz="1200" dirty="0"/>
+              <a:t> is passed</a:t>
+            </a:r>
+          </a:p>
+        </p:txBody>
+      </p:sp>
+      <p:sp>
+        <p:nvSpPr>
+          <p:cNvPr id="104" name="TextBox 103">
+            <a:extLst>
+              <a:ext uri="{FF2B5EF4-FFF2-40B4-BE49-F238E27FC236}">
+                <a16:creationId xmlns:a16="http://schemas.microsoft.com/office/drawing/2014/main" id="{8F591005-9FB4-29B5-74BA-28BA748CE37C}"/>
+              </a:ext>
+            </a:extLst>
+          </p:cNvPr>
+          <p:cNvSpPr txBox="1"/>
+          <p:nvPr/>
+        </p:nvSpPr>
+        <p:spPr>
+          <a:xfrm>
+            <a:off x="931714" y="1891463"/>
+            <a:ext cx="1585868" cy="276999"/>
+          </a:xfrm>
+          <a:prstGeom prst="rect">
+            <a:avLst/>
+          </a:prstGeom>
+          <a:noFill/>
+        </p:spPr>
+        <p:txBody>
+          <a:bodyPr wrap="square" rtlCol="0">
+            <a:spAutoFit/>
+          </a:bodyPr>
+          <a:lstStyle/>
+          <a:p>
+            <a:r>
+              <a:rPr lang="en-US" sz="1200" dirty="0" err="1">
+                <a:solidFill>
+                  <a:srgbClr val="CCFFFF"/>
+                </a:solidFill>
+              </a:rPr>
+              <a:t>startjunc</a:t>
+            </a:r>
+            <a:r>
+              <a:rPr lang="en-US" sz="1200" dirty="0">
+                <a:solidFill>
+                  <a:srgbClr val="CCFFFF"/>
+                </a:solidFill>
+              </a:rPr>
+              <a:t> / </a:t>
+            </a:r>
+            <a:r>
+              <a:rPr lang="en-US" sz="1200" dirty="0" err="1">
+                <a:solidFill>
+                  <a:srgbClr val="CCFFFF"/>
+                </a:solidFill>
+              </a:rPr>
+              <a:t>cxns</a:t>
+            </a:r>
+            <a:r>
+              <a:rPr lang="en-US" sz="1200" dirty="0">
+                <a:solidFill>
+                  <a:srgbClr val="CCFFFF"/>
+                </a:solidFill>
+              </a:rPr>
+              <a:t>[‘out’]</a:t>
+            </a:r>
+          </a:p>
+        </p:txBody>
+      </p:sp>
+      <p:sp>
+        <p:nvSpPr>
+          <p:cNvPr id="9" name="Rectangle 8">
+            <a:extLst>
+              <a:ext uri="{FF2B5EF4-FFF2-40B4-BE49-F238E27FC236}">
+                <a16:creationId xmlns:a16="http://schemas.microsoft.com/office/drawing/2014/main" id="{89D80030-1AFC-7175-C5C3-00FB341B9557}"/>
+              </a:ext>
+            </a:extLst>
+          </p:cNvPr>
+          <p:cNvSpPr/>
+          <p:nvPr/>
+        </p:nvSpPr>
+        <p:spPr>
+          <a:xfrm>
+            <a:off x="2432801" y="1891464"/>
+            <a:ext cx="432637" cy="432637"/>
+          </a:xfrm>
+          <a:prstGeom prst="rect">
+            <a:avLst/>
+          </a:prstGeom>
+          <a:noFill/>
+          <a:ln w="19050">
+            <a:solidFill>
+              <a:schemeClr val="accent2"/>
+            </a:solidFill>
+          </a:ln>
+        </p:spPr>
+        <p:style>
+          <a:lnRef idx="2">
+            <a:schemeClr val="accent1">
+              <a:shade val="50000"/>
+            </a:schemeClr>
+          </a:lnRef>
+          <a:fillRef idx="1">
+            <a:schemeClr val="accent1"/>
+          </a:fillRef>
+          <a:effectRef idx="0">
+            <a:schemeClr val="accent1"/>
+          </a:effectRef>
+          <a:fontRef idx="minor">
+            <a:schemeClr val="lt1"/>
+          </a:fontRef>
+        </p:style>
+        <p:txBody>
+          <a:bodyPr rtlCol="0" anchor="ctr"/>
+          <a:lstStyle/>
+          <a:p>
+            <a:pPr algn="ctr"/>
+            <a:endParaRPr lang="en-US"/>
+          </a:p>
+        </p:txBody>
+      </p:sp>
+      <p:grpSp>
+        <p:nvGrpSpPr>
+          <p:cNvPr id="103" name="Group 102">
+            <a:extLst>
+              <a:ext uri="{FF2B5EF4-FFF2-40B4-BE49-F238E27FC236}">
+                <a16:creationId xmlns:a16="http://schemas.microsoft.com/office/drawing/2014/main" id="{6ED7CE52-EB88-7304-6690-57F87D85418B}"/>
+              </a:ext>
+            </a:extLst>
+          </p:cNvPr>
+          <p:cNvGrpSpPr/>
+          <p:nvPr/>
+        </p:nvGrpSpPr>
+        <p:grpSpPr>
+          <a:xfrm>
+            <a:off x="2589159" y="1896504"/>
+            <a:ext cx="119919" cy="223398"/>
+            <a:chOff x="-501565" y="761326"/>
+            <a:chExt cx="621484" cy="1157769"/>
+          </a:xfrm>
+          <a:solidFill>
+            <a:srgbClr val="00FFFF"/>
+          </a:solidFill>
+        </p:grpSpPr>
+        <p:sp>
+          <p:nvSpPr>
+            <p:cNvPr id="101" name="Arrow: Up 100">
+              <a:extLst>
+                <a:ext uri="{FF2B5EF4-FFF2-40B4-BE49-F238E27FC236}">
+                  <a16:creationId xmlns:a16="http://schemas.microsoft.com/office/drawing/2014/main" id="{0985A763-C402-4D8C-A65D-648C422E3E0E}"/>
+                </a:ext>
+              </a:extLst>
+            </p:cNvPr>
+            <p:cNvSpPr/>
+            <p:nvPr/>
+          </p:nvSpPr>
+          <p:spPr>
+            <a:xfrm>
+              <a:off x="-433139" y="761326"/>
+              <a:ext cx="484632" cy="978408"/>
+            </a:xfrm>
+            <a:prstGeom prst="upArrow">
+              <a:avLst>
+                <a:gd name="adj1" fmla="val 29228"/>
+                <a:gd name="adj2" fmla="val 51731"/>
+              </a:avLst>
+            </a:prstGeom>
+            <a:grpFill/>
+            <a:ln>
+              <a:noFill/>
+            </a:ln>
+          </p:spPr>
+          <p:style>
+            <a:lnRef idx="2">
+              <a:schemeClr val="accent1">
+                <a:shade val="50000"/>
+              </a:schemeClr>
+            </a:lnRef>
+            <a:fillRef idx="1">
+              <a:schemeClr val="accent1"/>
+            </a:fillRef>
+            <a:effectRef idx="0">
+              <a:schemeClr val="accent1"/>
+            </a:effectRef>
+            <a:fontRef idx="minor">
+              <a:schemeClr val="lt1"/>
+            </a:fontRef>
+          </p:style>
+          <p:txBody>
+            <a:bodyPr rtlCol="0" anchor="ctr"/>
+            <a:lstStyle/>
+            <a:p>
+              <a:pPr algn="ctr"/>
+              <a:endParaRPr lang="en-US"/>
+            </a:p>
+          </p:txBody>
+        </p:sp>
+        <p:sp>
+          <p:nvSpPr>
+            <p:cNvPr id="102" name="Oval 101">
+              <a:extLst>
+                <a:ext uri="{FF2B5EF4-FFF2-40B4-BE49-F238E27FC236}">
+                  <a16:creationId xmlns:a16="http://schemas.microsoft.com/office/drawing/2014/main" id="{271D6405-7067-5FF4-7FBB-4F5EEC247D69}"/>
+                </a:ext>
+              </a:extLst>
+            </p:cNvPr>
+            <p:cNvSpPr/>
+            <p:nvPr/>
+          </p:nvSpPr>
+          <p:spPr>
+            <a:xfrm>
+              <a:off x="-501565" y="1297611"/>
+              <a:ext cx="621484" cy="621484"/>
+            </a:xfrm>
+            <a:prstGeom prst="ellipse">
+              <a:avLst/>
+            </a:prstGeom>
+            <a:grpFill/>
+            <a:ln>
+              <a:noFill/>
+            </a:ln>
+          </p:spPr>
+          <p:style>
+            <a:lnRef idx="2">
+              <a:schemeClr val="accent1">
+                <a:shade val="50000"/>
+              </a:schemeClr>
+            </a:lnRef>
+            <a:fillRef idx="1">
+              <a:schemeClr val="accent1"/>
+            </a:fillRef>
+            <a:effectRef idx="0">
+              <a:schemeClr val="accent1"/>
+            </a:effectRef>
+            <a:fontRef idx="minor">
+              <a:schemeClr val="lt1"/>
+            </a:fontRef>
+          </p:style>
+          <p:txBody>
+            <a:bodyPr rtlCol="0" anchor="ctr"/>
+            <a:lstStyle/>
+            <a:p>
+              <a:pPr algn="ctr"/>
+              <a:endParaRPr lang="en-US"/>
+            </a:p>
+          </p:txBody>
+        </p:sp>
+      </p:grpSp>
+    </p:spTree>
+    <p:extLst>
+      <p:ext uri="{BB962C8B-B14F-4D97-AF65-F5344CB8AC3E}">
+        <p14:creationId xmlns:p14="http://schemas.microsoft.com/office/powerpoint/2010/main" val="2463772814"/>
+      </p:ext>
+    </p:extLst>
+  </p:cSld>
+  <p:clrMapOvr>
+    <a:masterClrMapping/>
+  </p:clrMapOvr>
+</p:sld>
+</file>
+
+<file path=ppt/slides/slide3.xml><?xml version="1.0" encoding="utf-8"?>
+<p:sld xmlns:a="http://schemas.openxmlformats.org/drawingml/2006/main" xmlns:r="http://schemas.openxmlformats.org/officeDocument/2006/relationships" xmlns:p="http://schemas.openxmlformats.org/presentationml/2006/main">
+  <p:cSld>
+    <p:spTree>
+      <p:nvGrpSpPr>
+        <p:cNvPr id="1" name=""/>
+        <p:cNvGrpSpPr/>
+        <p:nvPr/>
+      </p:nvGrpSpPr>
+      <p:grpSpPr>
+        <a:xfrm>
+          <a:off x="0" y="0"/>
+          <a:ext cx="0" cy="0"/>
+          <a:chOff x="0" y="0"/>
+          <a:chExt cx="0" cy="0"/>
+        </a:xfrm>
+      </p:grpSpPr>
+      <p:sp>
+        <p:nvSpPr>
+          <p:cNvPr id="2" name="Title 1">
+            <a:extLst>
+              <a:ext uri="{FF2B5EF4-FFF2-40B4-BE49-F238E27FC236}">
+                <a16:creationId xmlns:a16="http://schemas.microsoft.com/office/drawing/2014/main" id="{8241CD51-C5DE-4F82-D108-C3ED36C4BB83}"/>
+              </a:ext>
+            </a:extLst>
+          </p:cNvPr>
+          <p:cNvSpPr>
+            <a:spLocks noGrp="1"/>
+          </p:cNvSpPr>
+          <p:nvPr>
+            <p:ph type="title"/>
+          </p:nvPr>
+        </p:nvSpPr>
+        <p:spPr/>
+        <p:txBody>
+          <a:bodyPr/>
+          <a:lstStyle/>
+          <a:p>
+            <a:r>
+              <a:rPr lang="en-US" dirty="0" err="1"/>
+              <a:t>CouplingStraight</a:t>
+            </a:r>
+            <a:endParaRPr lang="en-US" dirty="0"/>
+          </a:p>
+        </p:txBody>
+      </p:sp>
+      <p:pic>
+        <p:nvPicPr>
+          <p:cNvPr id="14" name="Content Placeholder 13">
+            <a:extLst>
+              <a:ext uri="{FF2B5EF4-FFF2-40B4-BE49-F238E27FC236}">
+                <a16:creationId xmlns:a16="http://schemas.microsoft.com/office/drawing/2014/main" id="{EAD42044-E8F1-D8A0-EA7E-B6E42215A25A}"/>
+              </a:ext>
+            </a:extLst>
+          </p:cNvPr>
+          <p:cNvPicPr>
+            <a:picLocks noGrp="1" noChangeAspect="1"/>
+          </p:cNvPicPr>
+          <p:nvPr>
+            <p:ph sz="half" idx="1"/>
+          </p:nvPr>
+        </p:nvPicPr>
+        <p:blipFill>
+          <a:blip r:embed="rId2"/>
+          <a:stretch>
+            <a:fillRect/>
+          </a:stretch>
+        </p:blipFill>
+        <p:spPr>
+          <a:xfrm>
+            <a:off x="219450" y="1526895"/>
+            <a:ext cx="6426200" cy="4965979"/>
+          </a:xfrm>
+        </p:spPr>
+      </p:pic>
+      <p:cxnSp>
+        <p:nvCxnSpPr>
+          <p:cNvPr id="15" name="Straight Arrow Connector 14">
+            <a:extLst>
+              <a:ext uri="{FF2B5EF4-FFF2-40B4-BE49-F238E27FC236}">
+                <a16:creationId xmlns:a16="http://schemas.microsoft.com/office/drawing/2014/main" id="{8491D66E-ACD4-09B8-0617-4706F1EFF5E9}"/>
+              </a:ext>
+            </a:extLst>
+          </p:cNvPr>
+          <p:cNvCxnSpPr>
+            <a:cxnSpLocks/>
+          </p:cNvCxnSpPr>
+          <p:nvPr/>
+        </p:nvCxnSpPr>
+        <p:spPr>
+          <a:xfrm>
+            <a:off x="4983540" y="1841042"/>
+            <a:ext cx="0" cy="225191"/>
+          </a:xfrm>
+          <a:prstGeom prst="straightConnector1">
+            <a:avLst/>
+          </a:prstGeom>
+          <a:ln w="19050">
+            <a:solidFill>
+              <a:srgbClr val="FF09A7"/>
+            </a:solidFill>
+            <a:headEnd type="triangle"/>
+            <a:tailEnd type="triangle"/>
+          </a:ln>
+        </p:spPr>
+        <p:style>
+          <a:lnRef idx="1">
+            <a:schemeClr val="accent1"/>
+          </a:lnRef>
+          <a:fillRef idx="0">
+            <a:schemeClr val="accent1"/>
+          </a:fillRef>
+          <a:effectRef idx="0">
+            <a:schemeClr val="accent1"/>
+          </a:effectRef>
+          <a:fontRef idx="minor">
+            <a:schemeClr val="tx1"/>
+          </a:fontRef>
+        </p:style>
+      </p:cxnSp>
+      <p:cxnSp>
+        <p:nvCxnSpPr>
+          <p:cNvPr id="16" name="Straight Connector 15">
+            <a:extLst>
+              <a:ext uri="{FF2B5EF4-FFF2-40B4-BE49-F238E27FC236}">
+                <a16:creationId xmlns:a16="http://schemas.microsoft.com/office/drawing/2014/main" id="{CDBEFEC3-CFC5-7B3C-E90C-7CAFD5F0AE86}"/>
+              </a:ext>
+            </a:extLst>
+          </p:cNvPr>
+          <p:cNvCxnSpPr>
+            <a:cxnSpLocks/>
+          </p:cNvCxnSpPr>
+          <p:nvPr/>
+        </p:nvCxnSpPr>
+        <p:spPr>
+          <a:xfrm flipH="1">
+            <a:off x="3169821" y="1843927"/>
+            <a:ext cx="1813719" cy="0"/>
+          </a:xfrm>
+          <a:prstGeom prst="line">
+            <a:avLst/>
+          </a:prstGeom>
+          <a:ln w="9525">
+            <a:solidFill>
+              <a:srgbClr val="FF09A7"/>
+            </a:solidFill>
+          </a:ln>
+        </p:spPr>
+        <p:style>
+          <a:lnRef idx="1">
+            <a:schemeClr val="accent1"/>
+          </a:lnRef>
+          <a:fillRef idx="0">
+            <a:schemeClr val="accent1"/>
+          </a:fillRef>
+          <a:effectRef idx="0">
+            <a:schemeClr val="accent1"/>
+          </a:effectRef>
+          <a:fontRef idx="minor">
+            <a:schemeClr val="tx1"/>
+          </a:fontRef>
+        </p:style>
+      </p:cxnSp>
+      <p:cxnSp>
+        <p:nvCxnSpPr>
+          <p:cNvPr id="17" name="Straight Connector 16">
+            <a:extLst>
+              <a:ext uri="{FF2B5EF4-FFF2-40B4-BE49-F238E27FC236}">
+                <a16:creationId xmlns:a16="http://schemas.microsoft.com/office/drawing/2014/main" id="{4A1BC341-5DDB-A931-D9B9-675F8DCF6394}"/>
+              </a:ext>
+            </a:extLst>
+          </p:cNvPr>
+          <p:cNvCxnSpPr>
+            <a:cxnSpLocks/>
+          </p:cNvCxnSpPr>
+          <p:nvPr/>
+        </p:nvCxnSpPr>
+        <p:spPr>
+          <a:xfrm flipH="1">
+            <a:off x="3174584" y="2066233"/>
+            <a:ext cx="1812131" cy="0"/>
+          </a:xfrm>
+          <a:prstGeom prst="line">
+            <a:avLst/>
+          </a:prstGeom>
+          <a:ln w="9525">
+            <a:solidFill>
+              <a:srgbClr val="FF09A7"/>
+            </a:solidFill>
+          </a:ln>
+        </p:spPr>
+        <p:style>
+          <a:lnRef idx="1">
+            <a:schemeClr val="accent1"/>
+          </a:lnRef>
+          <a:fillRef idx="0">
+            <a:schemeClr val="accent1"/>
+          </a:fillRef>
+          <a:effectRef idx="0">
+            <a:schemeClr val="accent1"/>
+          </a:effectRef>
+          <a:fontRef idx="minor">
+            <a:schemeClr val="tx1"/>
+          </a:fontRef>
+        </p:style>
+      </p:cxnSp>
+      <p:sp>
+        <p:nvSpPr>
+          <p:cNvPr id="18" name="TextBox 17">
+            <a:extLst>
+              <a:ext uri="{FF2B5EF4-FFF2-40B4-BE49-F238E27FC236}">
+                <a16:creationId xmlns:a16="http://schemas.microsoft.com/office/drawing/2014/main" id="{CEE9639B-327E-3AFD-D101-3E69C51275CC}"/>
+              </a:ext>
+            </a:extLst>
+          </p:cNvPr>
+          <p:cNvSpPr txBox="1"/>
+          <p:nvPr/>
+        </p:nvSpPr>
+        <p:spPr>
+          <a:xfrm>
+            <a:off x="4975151" y="1806011"/>
+            <a:ext cx="1262348" cy="276999"/>
+          </a:xfrm>
+          <a:prstGeom prst="rect">
+            <a:avLst/>
+          </a:prstGeom>
+          <a:noFill/>
+        </p:spPr>
+        <p:txBody>
+          <a:bodyPr wrap="square" rtlCol="0">
+            <a:spAutoFit/>
+          </a:bodyPr>
+          <a:lstStyle/>
+          <a:p>
+            <a:r>
+              <a:rPr lang="en-US" sz="1200" dirty="0">
+                <a:solidFill>
+                  <a:srgbClr val="FF99FF"/>
+                </a:solidFill>
+              </a:rPr>
+              <a:t>buffer</a:t>
+            </a:r>
+          </a:p>
+        </p:txBody>
+      </p:sp>
+      <p:cxnSp>
+        <p:nvCxnSpPr>
+          <p:cNvPr id="19" name="Straight Arrow Connector 18">
+            <a:extLst>
+              <a:ext uri="{FF2B5EF4-FFF2-40B4-BE49-F238E27FC236}">
+                <a16:creationId xmlns:a16="http://schemas.microsoft.com/office/drawing/2014/main" id="{37E902BB-6228-F85D-0DDE-38DE958D13BA}"/>
+              </a:ext>
+            </a:extLst>
+          </p:cNvPr>
+          <p:cNvCxnSpPr>
+            <a:cxnSpLocks/>
+          </p:cNvCxnSpPr>
+          <p:nvPr/>
+        </p:nvCxnSpPr>
+        <p:spPr>
+          <a:xfrm>
+            <a:off x="2765809" y="3173428"/>
+            <a:ext cx="2231136" cy="0"/>
+          </a:xfrm>
+          <a:prstGeom prst="straightConnector1">
+            <a:avLst/>
+          </a:prstGeom>
+          <a:ln w="19050">
+            <a:solidFill>
+              <a:srgbClr val="FF09A7"/>
+            </a:solidFill>
+            <a:headEnd type="triangle"/>
+            <a:tailEnd type="triangle"/>
+          </a:ln>
+        </p:spPr>
+        <p:style>
+          <a:lnRef idx="1">
+            <a:schemeClr val="accent1"/>
+          </a:lnRef>
+          <a:fillRef idx="0">
+            <a:schemeClr val="accent1"/>
+          </a:fillRef>
+          <a:effectRef idx="0">
+            <a:schemeClr val="accent1"/>
+          </a:effectRef>
+          <a:fontRef idx="minor">
+            <a:schemeClr val="tx1"/>
+          </a:fontRef>
+        </p:style>
+      </p:cxnSp>
+      <p:sp>
+        <p:nvSpPr>
+          <p:cNvPr id="21" name="TextBox 20">
+            <a:extLst>
+              <a:ext uri="{FF2B5EF4-FFF2-40B4-BE49-F238E27FC236}">
+                <a16:creationId xmlns:a16="http://schemas.microsoft.com/office/drawing/2014/main" id="{24961599-29C0-2FF6-9B3A-D30C743155FD}"/>
+              </a:ext>
+            </a:extLst>
+          </p:cNvPr>
+          <p:cNvSpPr txBox="1"/>
+          <p:nvPr/>
+        </p:nvSpPr>
+        <p:spPr>
+          <a:xfrm>
+            <a:off x="4983540" y="2454043"/>
+            <a:ext cx="1552559" cy="276999"/>
+          </a:xfrm>
+          <a:prstGeom prst="rect">
+            <a:avLst/>
+          </a:prstGeom>
+          <a:noFill/>
+        </p:spPr>
+        <p:txBody>
+          <a:bodyPr wrap="square" rtlCol="0">
+            <a:spAutoFit/>
+          </a:bodyPr>
+          <a:lstStyle/>
+          <a:p>
+            <a:r>
+              <a:rPr lang="en-US" sz="1200" dirty="0" err="1">
+                <a:solidFill>
+                  <a:srgbClr val="FF99FF"/>
+                </a:solidFill>
+              </a:rPr>
+              <a:t>coupling_straight</a:t>
+            </a:r>
+            <a:endParaRPr lang="en-US" sz="1200" dirty="0">
+              <a:solidFill>
+                <a:srgbClr val="FF99FF"/>
+              </a:solidFill>
+            </a:endParaRPr>
+          </a:p>
+        </p:txBody>
+      </p:sp>
+      <p:cxnSp>
+        <p:nvCxnSpPr>
+          <p:cNvPr id="22" name="Straight Arrow Connector 21">
+            <a:extLst>
+              <a:ext uri="{FF2B5EF4-FFF2-40B4-BE49-F238E27FC236}">
+                <a16:creationId xmlns:a16="http://schemas.microsoft.com/office/drawing/2014/main" id="{09522EB9-16CE-16C6-BCD8-A3E9FA651830}"/>
+              </a:ext>
+            </a:extLst>
+          </p:cNvPr>
+          <p:cNvCxnSpPr>
+            <a:cxnSpLocks/>
+          </p:cNvCxnSpPr>
+          <p:nvPr/>
+        </p:nvCxnSpPr>
+        <p:spPr>
+          <a:xfrm>
+            <a:off x="4986715" y="2066233"/>
+            <a:ext cx="0" cy="1107195"/>
+          </a:xfrm>
+          <a:prstGeom prst="straightConnector1">
+            <a:avLst/>
+          </a:prstGeom>
+          <a:ln w="19050">
+            <a:solidFill>
+              <a:srgbClr val="FF09A7"/>
+            </a:solidFill>
+            <a:headEnd type="triangle"/>
+            <a:tailEnd type="triangle"/>
+          </a:ln>
+        </p:spPr>
+        <p:style>
+          <a:lnRef idx="1">
+            <a:schemeClr val="accent1"/>
+          </a:lnRef>
+          <a:fillRef idx="0">
+            <a:schemeClr val="accent1"/>
+          </a:fillRef>
+          <a:effectRef idx="0">
+            <a:schemeClr val="accent1"/>
+          </a:effectRef>
+          <a:fontRef idx="minor">
+            <a:schemeClr val="tx1"/>
+          </a:fontRef>
+        </p:style>
+      </p:cxnSp>
+      <p:sp>
+        <p:nvSpPr>
+          <p:cNvPr id="23" name="TextBox 22">
+            <a:extLst>
+              <a:ext uri="{FF2B5EF4-FFF2-40B4-BE49-F238E27FC236}">
+                <a16:creationId xmlns:a16="http://schemas.microsoft.com/office/drawing/2014/main" id="{2168AA6A-19E0-EE4B-E51C-334BDDF3E749}"/>
+              </a:ext>
+            </a:extLst>
+          </p:cNvPr>
+          <p:cNvSpPr txBox="1"/>
+          <p:nvPr/>
+        </p:nvSpPr>
+        <p:spPr>
+          <a:xfrm>
+            <a:off x="3757282" y="2928921"/>
+            <a:ext cx="581096" cy="276999"/>
+          </a:xfrm>
+          <a:prstGeom prst="rect">
+            <a:avLst/>
+          </a:prstGeom>
+          <a:noFill/>
+        </p:spPr>
+        <p:txBody>
+          <a:bodyPr wrap="square" rtlCol="0">
+            <a:spAutoFit/>
+          </a:bodyPr>
+          <a:lstStyle/>
+          <a:p>
+            <a:r>
+              <a:rPr lang="en-US" sz="1200" dirty="0">
+                <a:solidFill>
+                  <a:srgbClr val="FF99FF"/>
+                </a:solidFill>
+              </a:rPr>
+              <a:t>radius</a:t>
+            </a:r>
+          </a:p>
+        </p:txBody>
+      </p:sp>
+      <p:cxnSp>
+        <p:nvCxnSpPr>
+          <p:cNvPr id="35" name="Straight Arrow Connector 34">
+            <a:extLst>
+              <a:ext uri="{FF2B5EF4-FFF2-40B4-BE49-F238E27FC236}">
+                <a16:creationId xmlns:a16="http://schemas.microsoft.com/office/drawing/2014/main" id="{0BE23A4A-9F88-2427-0681-8BAAFC8A9BF8}"/>
+              </a:ext>
+            </a:extLst>
+          </p:cNvPr>
+          <p:cNvCxnSpPr>
+            <a:cxnSpLocks/>
+          </p:cNvCxnSpPr>
+          <p:nvPr/>
+        </p:nvCxnSpPr>
+        <p:spPr>
+          <a:xfrm>
+            <a:off x="768450" y="1841042"/>
+            <a:ext cx="0" cy="4432757"/>
+          </a:xfrm>
+          <a:prstGeom prst="straightConnector1">
+            <a:avLst/>
+          </a:prstGeom>
+          <a:ln w="19050">
+            <a:solidFill>
+              <a:srgbClr val="FF09A7"/>
+            </a:solidFill>
+            <a:headEnd type="triangle"/>
+            <a:tailEnd type="triangle"/>
+          </a:ln>
+        </p:spPr>
+        <p:style>
+          <a:lnRef idx="1">
+            <a:schemeClr val="accent1"/>
+          </a:lnRef>
+          <a:fillRef idx="0">
+            <a:schemeClr val="accent1"/>
+          </a:fillRef>
+          <a:effectRef idx="0">
+            <a:schemeClr val="accent1"/>
+          </a:effectRef>
+          <a:fontRef idx="minor">
+            <a:schemeClr val="tx1"/>
+          </a:fontRef>
+        </p:style>
+      </p:cxnSp>
+      <p:cxnSp>
+        <p:nvCxnSpPr>
+          <p:cNvPr id="36" name="Straight Connector 35">
+            <a:extLst>
+              <a:ext uri="{FF2B5EF4-FFF2-40B4-BE49-F238E27FC236}">
+                <a16:creationId xmlns:a16="http://schemas.microsoft.com/office/drawing/2014/main" id="{84142F64-9D30-24C3-3C8F-0BD7E6D72F23}"/>
+              </a:ext>
+            </a:extLst>
+          </p:cNvPr>
+          <p:cNvCxnSpPr>
+            <a:cxnSpLocks/>
+          </p:cNvCxnSpPr>
+          <p:nvPr/>
+        </p:nvCxnSpPr>
+        <p:spPr>
+          <a:xfrm flipH="1">
+            <a:off x="761539" y="1840977"/>
+            <a:ext cx="228358" cy="0"/>
+          </a:xfrm>
+          <a:prstGeom prst="line">
+            <a:avLst/>
+          </a:prstGeom>
+          <a:ln w="9525">
+            <a:solidFill>
+              <a:srgbClr val="FF09A7"/>
+            </a:solidFill>
+          </a:ln>
+        </p:spPr>
+        <p:style>
+          <a:lnRef idx="1">
+            <a:schemeClr val="accent1"/>
+          </a:lnRef>
+          <a:fillRef idx="0">
+            <a:schemeClr val="accent1"/>
+          </a:fillRef>
+          <a:effectRef idx="0">
+            <a:schemeClr val="accent1"/>
+          </a:effectRef>
+          <a:fontRef idx="minor">
+            <a:schemeClr val="tx1"/>
+          </a:fontRef>
+        </p:style>
+      </p:cxnSp>
+      <p:cxnSp>
+        <p:nvCxnSpPr>
+          <p:cNvPr id="40" name="Straight Connector 39">
+            <a:extLst>
+              <a:ext uri="{FF2B5EF4-FFF2-40B4-BE49-F238E27FC236}">
+                <a16:creationId xmlns:a16="http://schemas.microsoft.com/office/drawing/2014/main" id="{920FF70C-5DA5-D4BE-1917-B81F6062E97A}"/>
+              </a:ext>
+            </a:extLst>
+          </p:cNvPr>
+          <p:cNvCxnSpPr>
+            <a:cxnSpLocks/>
+          </p:cNvCxnSpPr>
+          <p:nvPr/>
+        </p:nvCxnSpPr>
+        <p:spPr>
+          <a:xfrm flipH="1">
+            <a:off x="768450" y="6273799"/>
+            <a:ext cx="218833" cy="0"/>
+          </a:xfrm>
+          <a:prstGeom prst="line">
+            <a:avLst/>
+          </a:prstGeom>
+          <a:ln w="9525">
+            <a:solidFill>
+              <a:srgbClr val="FF09A7"/>
+            </a:solidFill>
+          </a:ln>
+        </p:spPr>
+        <p:style>
+          <a:lnRef idx="1">
+            <a:schemeClr val="accent1"/>
+          </a:lnRef>
+          <a:fillRef idx="0">
+            <a:schemeClr val="accent1"/>
+          </a:fillRef>
+          <a:effectRef idx="0">
+            <a:schemeClr val="accent1"/>
+          </a:effectRef>
+          <a:fontRef idx="minor">
+            <a:schemeClr val="tx1"/>
+          </a:fontRef>
+        </p:style>
+      </p:cxnSp>
+      <p:sp>
+        <p:nvSpPr>
+          <p:cNvPr id="45" name="TextBox 44">
+            <a:extLst>
+              <a:ext uri="{FF2B5EF4-FFF2-40B4-BE49-F238E27FC236}">
+                <a16:creationId xmlns:a16="http://schemas.microsoft.com/office/drawing/2014/main" id="{CC970088-0CBD-99F8-E51A-9C915E996792}"/>
+              </a:ext>
+            </a:extLst>
+          </p:cNvPr>
+          <p:cNvSpPr txBox="1"/>
+          <p:nvPr/>
+        </p:nvSpPr>
+        <p:spPr>
+          <a:xfrm>
+            <a:off x="187354" y="3843743"/>
+            <a:ext cx="581096" cy="276999"/>
+          </a:xfrm>
+          <a:prstGeom prst="rect">
+            <a:avLst/>
+          </a:prstGeom>
+          <a:noFill/>
+        </p:spPr>
+        <p:txBody>
+          <a:bodyPr wrap="square" rtlCol="0">
+            <a:spAutoFit/>
+          </a:bodyPr>
+          <a:lstStyle/>
+          <a:p>
+            <a:r>
+              <a:rPr lang="en-US" sz="1200" dirty="0">
+                <a:solidFill>
+                  <a:srgbClr val="FF99FF"/>
+                </a:solidFill>
+              </a:rPr>
+              <a:t>length</a:t>
+            </a:r>
+          </a:p>
+        </p:txBody>
+      </p:sp>
+      <p:cxnSp>
+        <p:nvCxnSpPr>
+          <p:cNvPr id="46" name="Straight Arrow Connector 45">
+            <a:extLst>
+              <a:ext uri="{FF2B5EF4-FFF2-40B4-BE49-F238E27FC236}">
+                <a16:creationId xmlns:a16="http://schemas.microsoft.com/office/drawing/2014/main" id="{E9FA4460-8A99-04DD-3AB8-BCA5C45906C4}"/>
+              </a:ext>
+            </a:extLst>
+          </p:cNvPr>
+          <p:cNvCxnSpPr>
+            <a:cxnSpLocks/>
+          </p:cNvCxnSpPr>
+          <p:nvPr/>
+        </p:nvCxnSpPr>
+        <p:spPr>
+          <a:xfrm>
+            <a:off x="1176494" y="3284639"/>
+            <a:ext cx="444617" cy="0"/>
+          </a:xfrm>
+          <a:prstGeom prst="straightConnector1">
+            <a:avLst/>
+          </a:prstGeom>
+          <a:ln w="19050">
+            <a:solidFill>
+              <a:srgbClr val="FF09A7"/>
+            </a:solidFill>
+            <a:headEnd type="triangle"/>
+            <a:tailEnd type="triangle"/>
+          </a:ln>
+        </p:spPr>
+        <p:style>
+          <a:lnRef idx="1">
+            <a:schemeClr val="accent1"/>
+          </a:lnRef>
+          <a:fillRef idx="0">
+            <a:schemeClr val="accent1"/>
+          </a:fillRef>
+          <a:effectRef idx="0">
+            <a:schemeClr val="accent1"/>
+          </a:effectRef>
+          <a:fontRef idx="minor">
+            <a:schemeClr val="tx1"/>
+          </a:fontRef>
+        </p:style>
+      </p:cxnSp>
+      <p:sp>
+        <p:nvSpPr>
+          <p:cNvPr id="50" name="TextBox 49">
+            <a:extLst>
+              <a:ext uri="{FF2B5EF4-FFF2-40B4-BE49-F238E27FC236}">
+                <a16:creationId xmlns:a16="http://schemas.microsoft.com/office/drawing/2014/main" id="{CD9A4C0C-686A-99D5-A6CB-DE816275CE74}"/>
+              </a:ext>
+            </a:extLst>
+          </p:cNvPr>
+          <p:cNvSpPr txBox="1"/>
+          <p:nvPr/>
+        </p:nvSpPr>
+        <p:spPr>
+          <a:xfrm>
+            <a:off x="1162629" y="3009684"/>
+            <a:ext cx="520115" cy="276999"/>
+          </a:xfrm>
+          <a:prstGeom prst="rect">
+            <a:avLst/>
+          </a:prstGeom>
+          <a:noFill/>
+        </p:spPr>
+        <p:txBody>
+          <a:bodyPr wrap="square" rtlCol="0">
+            <a:spAutoFit/>
+          </a:bodyPr>
+          <a:lstStyle/>
+          <a:p>
+            <a:r>
+              <a:rPr lang="en-US" sz="1200" dirty="0">
+                <a:solidFill>
+                  <a:srgbClr val="FF99FF"/>
+                </a:solidFill>
+              </a:rPr>
+              <a:t>pinw</a:t>
+            </a:r>
+          </a:p>
+        </p:txBody>
+      </p:sp>
+      <p:cxnSp>
+        <p:nvCxnSpPr>
+          <p:cNvPr id="51" name="Straight Arrow Connector 50">
+            <a:extLst>
+              <a:ext uri="{FF2B5EF4-FFF2-40B4-BE49-F238E27FC236}">
+                <a16:creationId xmlns:a16="http://schemas.microsoft.com/office/drawing/2014/main" id="{CF15B04A-CB65-9D0C-B944-D19C1A17D18D}"/>
+              </a:ext>
+            </a:extLst>
+          </p:cNvPr>
+          <p:cNvCxnSpPr>
+            <a:cxnSpLocks/>
+          </p:cNvCxnSpPr>
+          <p:nvPr/>
+        </p:nvCxnSpPr>
+        <p:spPr>
+          <a:xfrm>
+            <a:off x="1621111" y="2389289"/>
+            <a:ext cx="922390" cy="0"/>
+          </a:xfrm>
+          <a:prstGeom prst="straightConnector1">
+            <a:avLst/>
+          </a:prstGeom>
+          <a:ln w="19050">
+            <a:solidFill>
+              <a:srgbClr val="FF09A7"/>
+            </a:solidFill>
+            <a:headEnd type="triangle"/>
+            <a:tailEnd type="triangle"/>
+          </a:ln>
+        </p:spPr>
+        <p:style>
+          <a:lnRef idx="1">
+            <a:schemeClr val="accent1"/>
+          </a:lnRef>
+          <a:fillRef idx="0">
+            <a:schemeClr val="accent1"/>
+          </a:fillRef>
+          <a:effectRef idx="0">
+            <a:schemeClr val="accent1"/>
+          </a:effectRef>
+          <a:fontRef idx="minor">
+            <a:schemeClr val="tx1"/>
+          </a:fontRef>
+        </p:style>
+      </p:cxnSp>
+      <p:sp>
+        <p:nvSpPr>
+          <p:cNvPr id="53" name="TextBox 52">
+            <a:extLst>
+              <a:ext uri="{FF2B5EF4-FFF2-40B4-BE49-F238E27FC236}">
+                <a16:creationId xmlns:a16="http://schemas.microsoft.com/office/drawing/2014/main" id="{955758E2-913F-A401-31C2-8EC67400623A}"/>
+              </a:ext>
+            </a:extLst>
+          </p:cNvPr>
+          <p:cNvSpPr txBox="1"/>
+          <p:nvPr/>
+        </p:nvSpPr>
+        <p:spPr>
+          <a:xfrm>
+            <a:off x="1855132" y="2879651"/>
+            <a:ext cx="520115" cy="276999"/>
+          </a:xfrm>
+          <a:prstGeom prst="rect">
+            <a:avLst/>
+          </a:prstGeom>
+          <a:noFill/>
+        </p:spPr>
+        <p:txBody>
+          <a:bodyPr wrap="square" rtlCol="0">
+            <a:spAutoFit/>
+          </a:bodyPr>
+          <a:lstStyle/>
+          <a:p>
+            <a:r>
+              <a:rPr lang="en-US" sz="1200" dirty="0">
+                <a:solidFill>
+                  <a:srgbClr val="FF99FF"/>
+                </a:solidFill>
+              </a:rPr>
+              <a:t>gapw</a:t>
+            </a:r>
+          </a:p>
+        </p:txBody>
+      </p:sp>
+      <p:cxnSp>
+        <p:nvCxnSpPr>
+          <p:cNvPr id="55" name="Straight Connector 54">
+            <a:extLst>
+              <a:ext uri="{FF2B5EF4-FFF2-40B4-BE49-F238E27FC236}">
+                <a16:creationId xmlns:a16="http://schemas.microsoft.com/office/drawing/2014/main" id="{A50FCF0C-DA21-80D7-AF2B-6C0CFC0CCBF6}"/>
+              </a:ext>
+            </a:extLst>
+          </p:cNvPr>
+          <p:cNvCxnSpPr>
+            <a:cxnSpLocks/>
+          </p:cNvCxnSpPr>
+          <p:nvPr/>
+        </p:nvCxnSpPr>
+        <p:spPr>
+          <a:xfrm>
+            <a:off x="1715771" y="3037309"/>
+            <a:ext cx="0" cy="249711"/>
+          </a:xfrm>
+          <a:prstGeom prst="line">
+            <a:avLst/>
+          </a:prstGeom>
+          <a:ln w="9525">
+            <a:solidFill>
+              <a:srgbClr val="FF09A7"/>
+            </a:solidFill>
+          </a:ln>
+        </p:spPr>
+        <p:style>
+          <a:lnRef idx="1">
+            <a:schemeClr val="accent1"/>
+          </a:lnRef>
+          <a:fillRef idx="0">
+            <a:schemeClr val="accent1"/>
+          </a:fillRef>
+          <a:effectRef idx="0">
+            <a:schemeClr val="accent1"/>
+          </a:effectRef>
+          <a:fontRef idx="minor">
+            <a:schemeClr val="tx1"/>
+          </a:fontRef>
+        </p:style>
+      </p:cxnSp>
+      <p:cxnSp>
+        <p:nvCxnSpPr>
+          <p:cNvPr id="58" name="Straight Connector 57">
+            <a:extLst>
+              <a:ext uri="{FF2B5EF4-FFF2-40B4-BE49-F238E27FC236}">
+                <a16:creationId xmlns:a16="http://schemas.microsoft.com/office/drawing/2014/main" id="{DEEC0141-EFFA-CCAC-944D-7FEDE490D201}"/>
+              </a:ext>
+            </a:extLst>
+          </p:cNvPr>
+          <p:cNvCxnSpPr>
+            <a:cxnSpLocks/>
+          </p:cNvCxnSpPr>
+          <p:nvPr/>
+        </p:nvCxnSpPr>
+        <p:spPr>
+          <a:xfrm flipH="1">
+            <a:off x="1711008" y="3039691"/>
+            <a:ext cx="192947" cy="0"/>
+          </a:xfrm>
+          <a:prstGeom prst="line">
+            <a:avLst/>
+          </a:prstGeom>
+          <a:ln w="9525">
+            <a:solidFill>
+              <a:srgbClr val="FF09A7"/>
+            </a:solidFill>
+          </a:ln>
+        </p:spPr>
+        <p:style>
+          <a:lnRef idx="1">
+            <a:schemeClr val="accent1"/>
+          </a:lnRef>
+          <a:fillRef idx="0">
+            <a:schemeClr val="accent1"/>
+          </a:fillRef>
+          <a:effectRef idx="0">
+            <a:schemeClr val="accent1"/>
+          </a:effectRef>
+          <a:fontRef idx="minor">
+            <a:schemeClr val="tx1"/>
+          </a:fontRef>
+        </p:style>
+      </p:cxnSp>
+      <p:cxnSp>
+        <p:nvCxnSpPr>
+          <p:cNvPr id="60" name="Straight Arrow Connector 59">
+            <a:extLst>
+              <a:ext uri="{FF2B5EF4-FFF2-40B4-BE49-F238E27FC236}">
+                <a16:creationId xmlns:a16="http://schemas.microsoft.com/office/drawing/2014/main" id="{2E2871BB-319A-A54B-1071-E5053B7AEC8C}"/>
+              </a:ext>
+            </a:extLst>
+          </p:cNvPr>
+          <p:cNvCxnSpPr>
+            <a:cxnSpLocks/>
+          </p:cNvCxnSpPr>
+          <p:nvPr/>
+        </p:nvCxnSpPr>
+        <p:spPr>
+          <a:xfrm>
+            <a:off x="2543501" y="2979945"/>
+            <a:ext cx="444617" cy="0"/>
+          </a:xfrm>
+          <a:prstGeom prst="straightConnector1">
+            <a:avLst/>
+          </a:prstGeom>
+          <a:ln w="19050">
+            <a:solidFill>
+              <a:srgbClr val="FF09A7"/>
+            </a:solidFill>
+            <a:headEnd type="triangle"/>
+            <a:tailEnd type="triangle"/>
+          </a:ln>
+        </p:spPr>
+        <p:style>
+          <a:lnRef idx="1">
+            <a:schemeClr val="accent1"/>
+          </a:lnRef>
+          <a:fillRef idx="0">
+            <a:schemeClr val="accent1"/>
+          </a:fillRef>
+          <a:effectRef idx="0">
+            <a:schemeClr val="accent1"/>
+          </a:effectRef>
+          <a:fontRef idx="minor">
+            <a:schemeClr val="tx1"/>
+          </a:fontRef>
+        </p:style>
+      </p:cxnSp>
+      <p:sp>
+        <p:nvSpPr>
+          <p:cNvPr id="61" name="TextBox 60">
+            <a:extLst>
+              <a:ext uri="{FF2B5EF4-FFF2-40B4-BE49-F238E27FC236}">
+                <a16:creationId xmlns:a16="http://schemas.microsoft.com/office/drawing/2014/main" id="{FF343633-DED1-C17C-E5D3-EF783988466A}"/>
+              </a:ext>
+            </a:extLst>
+          </p:cNvPr>
+          <p:cNvSpPr txBox="1"/>
+          <p:nvPr/>
+        </p:nvSpPr>
+        <p:spPr>
+          <a:xfrm>
+            <a:off x="2529636" y="2704990"/>
+            <a:ext cx="520115" cy="276999"/>
+          </a:xfrm>
+          <a:prstGeom prst="rect">
+            <a:avLst/>
+          </a:prstGeom>
+          <a:noFill/>
+        </p:spPr>
+        <p:txBody>
+          <a:bodyPr wrap="square" rtlCol="0">
+            <a:spAutoFit/>
+          </a:bodyPr>
+          <a:lstStyle/>
+          <a:p>
+            <a:r>
+              <a:rPr lang="en-US" sz="1200" dirty="0">
+                <a:solidFill>
+                  <a:srgbClr val="FF99FF"/>
+                </a:solidFill>
+              </a:rPr>
+              <a:t>pinw</a:t>
+            </a:r>
+          </a:p>
+        </p:txBody>
+      </p:sp>
+      <p:cxnSp>
+        <p:nvCxnSpPr>
+          <p:cNvPr id="62" name="Straight Arrow Connector 61">
+            <a:extLst>
+              <a:ext uri="{FF2B5EF4-FFF2-40B4-BE49-F238E27FC236}">
+                <a16:creationId xmlns:a16="http://schemas.microsoft.com/office/drawing/2014/main" id="{C92BF7A3-F8A8-3EB3-0A12-A4E24588B8F9}"/>
+              </a:ext>
+            </a:extLst>
+          </p:cNvPr>
+          <p:cNvCxnSpPr>
+            <a:cxnSpLocks/>
+          </p:cNvCxnSpPr>
+          <p:nvPr/>
+        </p:nvCxnSpPr>
+        <p:spPr>
+          <a:xfrm>
+            <a:off x="2988118" y="2979945"/>
+            <a:ext cx="184557" cy="0"/>
+          </a:xfrm>
+          <a:prstGeom prst="straightConnector1">
+            <a:avLst/>
+          </a:prstGeom>
+          <a:ln w="19050">
+            <a:solidFill>
+              <a:srgbClr val="FF09A7"/>
+            </a:solidFill>
+            <a:headEnd type="triangle"/>
+            <a:tailEnd type="triangle"/>
+          </a:ln>
+        </p:spPr>
+        <p:style>
+          <a:lnRef idx="1">
+            <a:schemeClr val="accent1"/>
+          </a:lnRef>
+          <a:fillRef idx="0">
+            <a:schemeClr val="accent1"/>
+          </a:fillRef>
+          <a:effectRef idx="0">
+            <a:schemeClr val="accent1"/>
+          </a:effectRef>
+          <a:fontRef idx="minor">
+            <a:schemeClr val="tx1"/>
+          </a:fontRef>
+        </p:style>
+      </p:cxnSp>
+      <p:sp>
+        <p:nvSpPr>
+          <p:cNvPr id="63" name="TextBox 62">
+            <a:extLst>
+              <a:ext uri="{FF2B5EF4-FFF2-40B4-BE49-F238E27FC236}">
+                <a16:creationId xmlns:a16="http://schemas.microsoft.com/office/drawing/2014/main" id="{9B672E13-AD80-B761-1918-AC7AC6C669DB}"/>
+              </a:ext>
+            </a:extLst>
+          </p:cNvPr>
+          <p:cNvSpPr txBox="1"/>
+          <p:nvPr/>
+        </p:nvSpPr>
+        <p:spPr>
+          <a:xfrm>
+            <a:off x="3222139" y="2574957"/>
+            <a:ext cx="520115" cy="276999"/>
+          </a:xfrm>
+          <a:prstGeom prst="rect">
+            <a:avLst/>
+          </a:prstGeom>
+          <a:noFill/>
+        </p:spPr>
+        <p:txBody>
+          <a:bodyPr wrap="square" rtlCol="0">
+            <a:spAutoFit/>
+          </a:bodyPr>
+          <a:lstStyle/>
+          <a:p>
+            <a:r>
+              <a:rPr lang="en-US" sz="1200" dirty="0">
+                <a:solidFill>
+                  <a:srgbClr val="FF99FF"/>
+                </a:solidFill>
+              </a:rPr>
+              <a:t>gapw</a:t>
+            </a:r>
+          </a:p>
+        </p:txBody>
+      </p:sp>
+      <p:cxnSp>
+        <p:nvCxnSpPr>
+          <p:cNvPr id="64" name="Straight Connector 63">
+            <a:extLst>
+              <a:ext uri="{FF2B5EF4-FFF2-40B4-BE49-F238E27FC236}">
+                <a16:creationId xmlns:a16="http://schemas.microsoft.com/office/drawing/2014/main" id="{73A4B24E-9E59-F838-551A-1CBE74FF09D7}"/>
+              </a:ext>
+            </a:extLst>
+          </p:cNvPr>
+          <p:cNvCxnSpPr>
+            <a:cxnSpLocks/>
+          </p:cNvCxnSpPr>
+          <p:nvPr/>
+        </p:nvCxnSpPr>
+        <p:spPr>
+          <a:xfrm>
+            <a:off x="3082778" y="2732615"/>
+            <a:ext cx="0" cy="249711"/>
+          </a:xfrm>
+          <a:prstGeom prst="line">
+            <a:avLst/>
+          </a:prstGeom>
+          <a:ln w="9525">
+            <a:solidFill>
+              <a:srgbClr val="FF09A7"/>
+            </a:solidFill>
+          </a:ln>
+        </p:spPr>
+        <p:style>
+          <a:lnRef idx="1">
+            <a:schemeClr val="accent1"/>
+          </a:lnRef>
+          <a:fillRef idx="0">
+            <a:schemeClr val="accent1"/>
+          </a:fillRef>
+          <a:effectRef idx="0">
+            <a:schemeClr val="accent1"/>
+          </a:effectRef>
+          <a:fontRef idx="minor">
+            <a:schemeClr val="tx1"/>
+          </a:fontRef>
+        </p:style>
+      </p:cxnSp>
+      <p:cxnSp>
+        <p:nvCxnSpPr>
+          <p:cNvPr id="65" name="Straight Connector 64">
+            <a:extLst>
+              <a:ext uri="{FF2B5EF4-FFF2-40B4-BE49-F238E27FC236}">
+                <a16:creationId xmlns:a16="http://schemas.microsoft.com/office/drawing/2014/main" id="{CD31FB7E-D72D-27FD-B9EA-53938CB6A1E8}"/>
+              </a:ext>
+            </a:extLst>
+          </p:cNvPr>
+          <p:cNvCxnSpPr>
+            <a:cxnSpLocks/>
+          </p:cNvCxnSpPr>
+          <p:nvPr/>
+        </p:nvCxnSpPr>
+        <p:spPr>
+          <a:xfrm flipH="1">
+            <a:off x="3078015" y="2734997"/>
+            <a:ext cx="192947" cy="0"/>
+          </a:xfrm>
+          <a:prstGeom prst="line">
+            <a:avLst/>
+          </a:prstGeom>
+          <a:ln w="9525">
+            <a:solidFill>
+              <a:srgbClr val="FF09A7"/>
+            </a:solidFill>
+          </a:ln>
+        </p:spPr>
+        <p:style>
+          <a:lnRef idx="1">
+            <a:schemeClr val="accent1"/>
+          </a:lnRef>
+          <a:fillRef idx="0">
+            <a:schemeClr val="accent1"/>
+          </a:fillRef>
+          <a:effectRef idx="0">
+            <a:schemeClr val="accent1"/>
+          </a:effectRef>
+          <a:fontRef idx="minor">
+            <a:schemeClr val="tx1"/>
+          </a:fontRef>
+        </p:style>
+      </p:cxnSp>
+      <p:sp>
+        <p:nvSpPr>
+          <p:cNvPr id="70" name="TextBox 69">
+            <a:extLst>
+              <a:ext uri="{FF2B5EF4-FFF2-40B4-BE49-F238E27FC236}">
+                <a16:creationId xmlns:a16="http://schemas.microsoft.com/office/drawing/2014/main" id="{58637866-319C-0C8D-9C65-620D68A50D1F}"/>
+              </a:ext>
+            </a:extLst>
+          </p:cNvPr>
+          <p:cNvSpPr txBox="1"/>
+          <p:nvPr/>
+        </p:nvSpPr>
+        <p:spPr>
+          <a:xfrm>
+            <a:off x="1855132" y="1494403"/>
+            <a:ext cx="1502806" cy="276999"/>
+          </a:xfrm>
+          <a:prstGeom prst="rect">
+            <a:avLst/>
+          </a:prstGeom>
+          <a:noFill/>
+        </p:spPr>
+        <p:txBody>
+          <a:bodyPr wrap="square" rtlCol="0">
+            <a:spAutoFit/>
+          </a:bodyPr>
+          <a:lstStyle/>
+          <a:p>
+            <a:r>
+              <a:rPr lang="en-US" sz="1200" dirty="0" err="1">
+                <a:solidFill>
+                  <a:srgbClr val="FF99FF"/>
+                </a:solidFill>
+              </a:rPr>
+              <a:t>coupling_gap</a:t>
+            </a:r>
+            <a:endParaRPr lang="en-US" sz="1200" dirty="0">
+              <a:solidFill>
+                <a:srgbClr val="FF99FF"/>
+              </a:solidFill>
+            </a:endParaRPr>
+          </a:p>
+        </p:txBody>
+      </p:sp>
+      <p:cxnSp>
+        <p:nvCxnSpPr>
+          <p:cNvPr id="71" name="Straight Connector 70">
+            <a:extLst>
+              <a:ext uri="{FF2B5EF4-FFF2-40B4-BE49-F238E27FC236}">
+                <a16:creationId xmlns:a16="http://schemas.microsoft.com/office/drawing/2014/main" id="{A9D2EBB7-DB94-1D67-6443-B4FD6D655DA3}"/>
+              </a:ext>
+            </a:extLst>
+          </p:cNvPr>
+          <p:cNvCxnSpPr>
+            <a:cxnSpLocks/>
+          </p:cNvCxnSpPr>
+          <p:nvPr/>
+        </p:nvCxnSpPr>
+        <p:spPr>
+          <a:xfrm>
+            <a:off x="2089628" y="1738312"/>
+            <a:ext cx="0" cy="650977"/>
+          </a:xfrm>
+          <a:prstGeom prst="line">
+            <a:avLst/>
+          </a:prstGeom>
+          <a:ln w="9525">
+            <a:solidFill>
+              <a:srgbClr val="FF09A7"/>
+            </a:solidFill>
+          </a:ln>
+        </p:spPr>
+        <p:style>
+          <a:lnRef idx="1">
+            <a:schemeClr val="accent1"/>
+          </a:lnRef>
+          <a:fillRef idx="0">
+            <a:schemeClr val="accent1"/>
+          </a:fillRef>
+          <a:effectRef idx="0">
+            <a:schemeClr val="accent1"/>
+          </a:effectRef>
+          <a:fontRef idx="minor">
+            <a:schemeClr val="tx1"/>
+          </a:fontRef>
+        </p:style>
+      </p:cxnSp>
+      <p:cxnSp>
+        <p:nvCxnSpPr>
+          <p:cNvPr id="73" name="Straight Arrow Connector 72">
+            <a:extLst>
+              <a:ext uri="{FF2B5EF4-FFF2-40B4-BE49-F238E27FC236}">
+                <a16:creationId xmlns:a16="http://schemas.microsoft.com/office/drawing/2014/main" id="{F8C212BC-47EC-4EF4-04FC-A0B9DA1A3910}"/>
+              </a:ext>
+            </a:extLst>
+          </p:cNvPr>
+          <p:cNvCxnSpPr>
+            <a:cxnSpLocks/>
+          </p:cNvCxnSpPr>
+          <p:nvPr/>
+        </p:nvCxnSpPr>
+        <p:spPr>
+          <a:xfrm>
+            <a:off x="1618729" y="3284639"/>
+            <a:ext cx="184557" cy="0"/>
+          </a:xfrm>
+          <a:prstGeom prst="straightConnector1">
+            <a:avLst/>
+          </a:prstGeom>
+          <a:ln w="19050">
+            <a:solidFill>
+              <a:srgbClr val="FF09A7"/>
+            </a:solidFill>
+            <a:headEnd type="triangle"/>
+            <a:tailEnd type="triangle"/>
+          </a:ln>
+        </p:spPr>
+        <p:style>
+          <a:lnRef idx="1">
+            <a:schemeClr val="accent1"/>
+          </a:lnRef>
+          <a:fillRef idx="0">
+            <a:schemeClr val="accent1"/>
+          </a:fillRef>
+          <a:effectRef idx="0">
+            <a:schemeClr val="accent1"/>
+          </a:effectRef>
+          <a:fontRef idx="minor">
+            <a:schemeClr val="tx1"/>
+          </a:fontRef>
+        </p:style>
+      </p:cxnSp>
+      <p:pic>
+        <p:nvPicPr>
+          <p:cNvPr id="75" name="Picture 74">
+            <a:extLst>
+              <a:ext uri="{FF2B5EF4-FFF2-40B4-BE49-F238E27FC236}">
+                <a16:creationId xmlns:a16="http://schemas.microsoft.com/office/drawing/2014/main" id="{EBF80371-9CC1-CEB6-509B-068209786264}"/>
+              </a:ext>
+            </a:extLst>
+          </p:cNvPr>
+          <p:cNvPicPr>
+            <a:picLocks noChangeAspect="1"/>
+          </p:cNvPicPr>
+          <p:nvPr/>
+        </p:nvPicPr>
+        <p:blipFill rotWithShape="1">
+          <a:blip r:embed="rId3"/>
+          <a:srcRect l="29672" r="29255"/>
+          <a:stretch/>
+        </p:blipFill>
+        <p:spPr>
+          <a:xfrm>
+            <a:off x="6800039" y="1526895"/>
+            <a:ext cx="3242522" cy="4965980"/>
+          </a:xfrm>
+          <a:prstGeom prst="rect">
+            <a:avLst/>
+          </a:prstGeom>
+        </p:spPr>
+      </p:pic>
+      <p:sp>
+        <p:nvSpPr>
+          <p:cNvPr id="77" name="TextBox 76">
+            <a:extLst>
+              <a:ext uri="{FF2B5EF4-FFF2-40B4-BE49-F238E27FC236}">
+                <a16:creationId xmlns:a16="http://schemas.microsoft.com/office/drawing/2014/main" id="{3CBB43A3-D023-A597-D65E-1F31C9D0BA5E}"/>
+              </a:ext>
+            </a:extLst>
+          </p:cNvPr>
+          <p:cNvSpPr txBox="1"/>
+          <p:nvPr/>
+        </p:nvSpPr>
+        <p:spPr>
+          <a:xfrm>
+            <a:off x="7144781" y="2102633"/>
+            <a:ext cx="1552559" cy="461665"/>
+          </a:xfrm>
+          <a:prstGeom prst="rect">
+            <a:avLst/>
+          </a:prstGeom>
+          <a:noFill/>
+        </p:spPr>
+        <p:txBody>
+          <a:bodyPr wrap="square" rtlCol="0">
+            <a:spAutoFit/>
+          </a:bodyPr>
+          <a:lstStyle/>
+          <a:p>
+            <a:r>
+              <a:rPr lang="en-US" sz="1200" dirty="0">
+                <a:solidFill>
+                  <a:srgbClr val="FF99FF"/>
+                </a:solidFill>
+              </a:rPr>
+              <a:t>‘</a:t>
+            </a:r>
+            <a:r>
+              <a:rPr lang="en-US" sz="1200" dirty="0" err="1">
+                <a:solidFill>
+                  <a:srgbClr val="FF99FF"/>
+                </a:solidFill>
+              </a:rPr>
+              <a:t>leftright</a:t>
+            </a:r>
+            <a:r>
+              <a:rPr lang="en-US" sz="1200" dirty="0">
+                <a:solidFill>
+                  <a:srgbClr val="FF99FF"/>
+                </a:solidFill>
+              </a:rPr>
+              <a:t>’ : ’right’</a:t>
+            </a:r>
+          </a:p>
+          <a:p>
+            <a:r>
+              <a:rPr lang="en-US" sz="1200" dirty="0">
+                <a:solidFill>
+                  <a:srgbClr val="FF99FF"/>
+                </a:solidFill>
+              </a:rPr>
+              <a:t>‘</a:t>
+            </a:r>
+            <a:r>
+              <a:rPr lang="en-US" sz="1200" dirty="0" err="1">
+                <a:solidFill>
+                  <a:srgbClr val="FF99FF"/>
+                </a:solidFill>
+              </a:rPr>
+              <a:t>updown</a:t>
+            </a:r>
+            <a:r>
+              <a:rPr lang="en-US" sz="1200" dirty="0">
+                <a:solidFill>
+                  <a:srgbClr val="FF99FF"/>
+                </a:solidFill>
+              </a:rPr>
+              <a:t>’ : ’down’</a:t>
+            </a:r>
+          </a:p>
+        </p:txBody>
+      </p:sp>
+      <p:sp>
+        <p:nvSpPr>
+          <p:cNvPr id="78" name="TextBox 77">
+            <a:extLst>
+              <a:ext uri="{FF2B5EF4-FFF2-40B4-BE49-F238E27FC236}">
+                <a16:creationId xmlns:a16="http://schemas.microsoft.com/office/drawing/2014/main" id="{62E9F1B8-9750-2C5B-640C-AE3AE7D3D611}"/>
+              </a:ext>
+            </a:extLst>
+          </p:cNvPr>
+          <p:cNvSpPr txBox="1"/>
+          <p:nvPr/>
+        </p:nvSpPr>
+        <p:spPr>
+          <a:xfrm>
+            <a:off x="7128225" y="4654284"/>
+            <a:ext cx="1552559" cy="461665"/>
+          </a:xfrm>
+          <a:prstGeom prst="rect">
+            <a:avLst/>
+          </a:prstGeom>
+          <a:noFill/>
+        </p:spPr>
+        <p:txBody>
+          <a:bodyPr wrap="square" rtlCol="0">
+            <a:spAutoFit/>
+          </a:bodyPr>
+          <a:lstStyle/>
+          <a:p>
+            <a:r>
+              <a:rPr lang="en-US" sz="1200" dirty="0">
+                <a:solidFill>
+                  <a:srgbClr val="FF99FF"/>
+                </a:solidFill>
+              </a:rPr>
+              <a:t>‘</a:t>
+            </a:r>
+            <a:r>
+              <a:rPr lang="en-US" sz="1200" dirty="0" err="1">
+                <a:solidFill>
+                  <a:srgbClr val="FF99FF"/>
+                </a:solidFill>
+              </a:rPr>
+              <a:t>leftright</a:t>
+            </a:r>
+            <a:r>
+              <a:rPr lang="en-US" sz="1200" dirty="0">
+                <a:solidFill>
+                  <a:srgbClr val="FF99FF"/>
+                </a:solidFill>
+              </a:rPr>
+              <a:t>’ : ’right’</a:t>
+            </a:r>
+          </a:p>
+          <a:p>
+            <a:r>
+              <a:rPr lang="en-US" sz="1200" dirty="0">
+                <a:solidFill>
+                  <a:srgbClr val="FF99FF"/>
+                </a:solidFill>
+              </a:rPr>
+              <a:t>‘</a:t>
+            </a:r>
+            <a:r>
+              <a:rPr lang="en-US" sz="1200" dirty="0" err="1">
+                <a:solidFill>
+                  <a:srgbClr val="FF99FF"/>
+                </a:solidFill>
+              </a:rPr>
+              <a:t>updown</a:t>
+            </a:r>
+            <a:r>
+              <a:rPr lang="en-US" sz="1200" dirty="0">
+                <a:solidFill>
+                  <a:srgbClr val="FF99FF"/>
+                </a:solidFill>
+              </a:rPr>
+              <a:t>’ : ‘up’</a:t>
+            </a:r>
+          </a:p>
+        </p:txBody>
+      </p:sp>
+      <p:sp>
+        <p:nvSpPr>
+          <p:cNvPr id="79" name="TextBox 78">
+            <a:extLst>
+              <a:ext uri="{FF2B5EF4-FFF2-40B4-BE49-F238E27FC236}">
+                <a16:creationId xmlns:a16="http://schemas.microsoft.com/office/drawing/2014/main" id="{8DC86D6A-A60C-A900-4B54-7F6506B3E7AE}"/>
+              </a:ext>
+            </a:extLst>
+          </p:cNvPr>
+          <p:cNvSpPr txBox="1"/>
+          <p:nvPr/>
+        </p:nvSpPr>
+        <p:spPr>
+          <a:xfrm>
+            <a:off x="8404744" y="2096292"/>
+            <a:ext cx="1552559" cy="461665"/>
+          </a:xfrm>
+          <a:prstGeom prst="rect">
+            <a:avLst/>
+          </a:prstGeom>
+          <a:noFill/>
+        </p:spPr>
+        <p:txBody>
+          <a:bodyPr wrap="square" rtlCol="0">
+            <a:spAutoFit/>
+          </a:bodyPr>
+          <a:lstStyle/>
+          <a:p>
+            <a:r>
+              <a:rPr lang="en-US" sz="1200" dirty="0">
+                <a:solidFill>
+                  <a:srgbClr val="FF99FF"/>
+                </a:solidFill>
+              </a:rPr>
+              <a:t>‘</a:t>
+            </a:r>
+            <a:r>
+              <a:rPr lang="en-US" sz="1200" dirty="0" err="1">
+                <a:solidFill>
+                  <a:srgbClr val="FF99FF"/>
+                </a:solidFill>
+              </a:rPr>
+              <a:t>leftright</a:t>
+            </a:r>
+            <a:r>
+              <a:rPr lang="en-US" sz="1200" dirty="0">
+                <a:solidFill>
+                  <a:srgbClr val="FF99FF"/>
+                </a:solidFill>
+              </a:rPr>
+              <a:t>’ : left’</a:t>
+            </a:r>
+          </a:p>
+          <a:p>
+            <a:r>
+              <a:rPr lang="en-US" sz="1200" dirty="0">
+                <a:solidFill>
+                  <a:srgbClr val="FF99FF"/>
+                </a:solidFill>
+              </a:rPr>
+              <a:t>‘</a:t>
+            </a:r>
+            <a:r>
+              <a:rPr lang="en-US" sz="1200" dirty="0" err="1">
+                <a:solidFill>
+                  <a:srgbClr val="FF99FF"/>
+                </a:solidFill>
+              </a:rPr>
+              <a:t>updown</a:t>
+            </a:r>
+            <a:r>
+              <a:rPr lang="en-US" sz="1200" dirty="0">
+                <a:solidFill>
+                  <a:srgbClr val="FF99FF"/>
+                </a:solidFill>
+              </a:rPr>
+              <a:t>’ : ’down’</a:t>
+            </a:r>
+          </a:p>
+        </p:txBody>
+      </p:sp>
+      <p:sp>
+        <p:nvSpPr>
+          <p:cNvPr id="80" name="TextBox 79">
+            <a:extLst>
+              <a:ext uri="{FF2B5EF4-FFF2-40B4-BE49-F238E27FC236}">
+                <a16:creationId xmlns:a16="http://schemas.microsoft.com/office/drawing/2014/main" id="{24B31619-B837-01DC-AA7C-8A37ECE2DDE2}"/>
+              </a:ext>
+            </a:extLst>
+          </p:cNvPr>
+          <p:cNvSpPr txBox="1"/>
+          <p:nvPr/>
+        </p:nvSpPr>
+        <p:spPr>
+          <a:xfrm>
+            <a:off x="8391246" y="4654284"/>
+            <a:ext cx="1552559" cy="461665"/>
+          </a:xfrm>
+          <a:prstGeom prst="rect">
+            <a:avLst/>
+          </a:prstGeom>
+          <a:noFill/>
+        </p:spPr>
+        <p:txBody>
+          <a:bodyPr wrap="square" rtlCol="0">
+            <a:spAutoFit/>
+          </a:bodyPr>
+          <a:lstStyle/>
+          <a:p>
+            <a:r>
+              <a:rPr lang="en-US" sz="1200" dirty="0">
+                <a:solidFill>
+                  <a:srgbClr val="FF99FF"/>
+                </a:solidFill>
+              </a:rPr>
+              <a:t>‘</a:t>
+            </a:r>
+            <a:r>
+              <a:rPr lang="en-US" sz="1200" dirty="0" err="1">
+                <a:solidFill>
+                  <a:srgbClr val="FF99FF"/>
+                </a:solidFill>
+              </a:rPr>
+              <a:t>leftright</a:t>
+            </a:r>
+            <a:r>
+              <a:rPr lang="en-US" sz="1200" dirty="0">
+                <a:solidFill>
+                  <a:srgbClr val="FF99FF"/>
+                </a:solidFill>
+              </a:rPr>
+              <a:t>’ : left’</a:t>
+            </a:r>
+          </a:p>
+          <a:p>
+            <a:r>
+              <a:rPr lang="en-US" sz="1200" dirty="0">
+                <a:solidFill>
+                  <a:srgbClr val="FF99FF"/>
+                </a:solidFill>
+              </a:rPr>
+              <a:t>‘</a:t>
+            </a:r>
+            <a:r>
+              <a:rPr lang="en-US" sz="1200" dirty="0" err="1">
+                <a:solidFill>
+                  <a:srgbClr val="FF99FF"/>
+                </a:solidFill>
+              </a:rPr>
+              <a:t>updown</a:t>
+            </a:r>
+            <a:r>
+              <a:rPr lang="en-US" sz="1200" dirty="0">
+                <a:solidFill>
+                  <a:srgbClr val="FF99FF"/>
+                </a:solidFill>
+              </a:rPr>
+              <a:t>’ : ‘up’</a:t>
+            </a:r>
+          </a:p>
+        </p:txBody>
+      </p:sp>
+      <p:cxnSp>
+        <p:nvCxnSpPr>
+          <p:cNvPr id="82" name="Straight Arrow Connector 81">
+            <a:extLst>
+              <a:ext uri="{FF2B5EF4-FFF2-40B4-BE49-F238E27FC236}">
+                <a16:creationId xmlns:a16="http://schemas.microsoft.com/office/drawing/2014/main" id="{0E060886-D26F-9C0C-09A8-8686BAB0657A}"/>
+              </a:ext>
+            </a:extLst>
+          </p:cNvPr>
+          <p:cNvCxnSpPr>
+            <a:cxnSpLocks/>
+          </p:cNvCxnSpPr>
+          <p:nvPr/>
+        </p:nvCxnSpPr>
+        <p:spPr>
+          <a:xfrm flipV="1">
+            <a:off x="6991242" y="2379340"/>
+            <a:ext cx="0" cy="826580"/>
+          </a:xfrm>
+          <a:prstGeom prst="straightConnector1">
+            <a:avLst/>
+          </a:prstGeom>
+          <a:ln>
+            <a:tailEnd type="triangle"/>
+          </a:ln>
+        </p:spPr>
+        <p:style>
+          <a:lnRef idx="1">
+            <a:schemeClr val="accent1"/>
+          </a:lnRef>
+          <a:fillRef idx="0">
+            <a:schemeClr val="accent1"/>
+          </a:fillRef>
+          <a:effectRef idx="0">
+            <a:schemeClr val="accent1"/>
+          </a:effectRef>
+          <a:fontRef idx="minor">
+            <a:schemeClr val="tx1"/>
+          </a:fontRef>
+        </p:style>
+      </p:cxnSp>
+      <p:cxnSp>
+        <p:nvCxnSpPr>
+          <p:cNvPr id="84" name="Straight Arrow Connector 83">
+            <a:extLst>
+              <a:ext uri="{FF2B5EF4-FFF2-40B4-BE49-F238E27FC236}">
+                <a16:creationId xmlns:a16="http://schemas.microsoft.com/office/drawing/2014/main" id="{1D292745-24ED-495A-0A92-4109891079F9}"/>
+              </a:ext>
+            </a:extLst>
+          </p:cNvPr>
+          <p:cNvCxnSpPr>
+            <a:cxnSpLocks/>
+          </p:cNvCxnSpPr>
+          <p:nvPr/>
+        </p:nvCxnSpPr>
+        <p:spPr>
+          <a:xfrm flipV="1">
+            <a:off x="6992640" y="4914213"/>
+            <a:ext cx="0" cy="826580"/>
+          </a:xfrm>
+          <a:prstGeom prst="straightConnector1">
+            <a:avLst/>
+          </a:prstGeom>
+          <a:ln>
+            <a:tailEnd type="triangle"/>
+          </a:ln>
+        </p:spPr>
+        <p:style>
+          <a:lnRef idx="1">
+            <a:schemeClr val="accent1"/>
+          </a:lnRef>
+          <a:fillRef idx="0">
+            <a:schemeClr val="accent1"/>
+          </a:fillRef>
+          <a:effectRef idx="0">
+            <a:schemeClr val="accent1"/>
+          </a:effectRef>
+          <a:fontRef idx="minor">
+            <a:schemeClr val="tx1"/>
+          </a:fontRef>
+        </p:style>
+      </p:cxnSp>
+      <p:cxnSp>
+        <p:nvCxnSpPr>
+          <p:cNvPr id="85" name="Straight Arrow Connector 84">
+            <a:extLst>
+              <a:ext uri="{FF2B5EF4-FFF2-40B4-BE49-F238E27FC236}">
+                <a16:creationId xmlns:a16="http://schemas.microsoft.com/office/drawing/2014/main" id="{7C236FB7-0E49-21FF-071F-B9DC1C7A5CB8}"/>
+              </a:ext>
+            </a:extLst>
+          </p:cNvPr>
+          <p:cNvCxnSpPr>
+            <a:cxnSpLocks/>
+          </p:cNvCxnSpPr>
+          <p:nvPr/>
+        </p:nvCxnSpPr>
+        <p:spPr>
+          <a:xfrm flipV="1">
+            <a:off x="9821128" y="4957556"/>
+            <a:ext cx="0" cy="826580"/>
+          </a:xfrm>
+          <a:prstGeom prst="straightConnector1">
+            <a:avLst/>
+          </a:prstGeom>
+          <a:ln>
+            <a:tailEnd type="triangle"/>
+          </a:ln>
+        </p:spPr>
+        <p:style>
+          <a:lnRef idx="1">
+            <a:schemeClr val="accent1"/>
+          </a:lnRef>
+          <a:fillRef idx="0">
+            <a:schemeClr val="accent1"/>
+          </a:fillRef>
+          <a:effectRef idx="0">
+            <a:schemeClr val="accent1"/>
+          </a:effectRef>
+          <a:fontRef idx="minor">
+            <a:schemeClr val="tx1"/>
+          </a:fontRef>
+        </p:style>
+      </p:cxnSp>
+      <p:cxnSp>
+        <p:nvCxnSpPr>
+          <p:cNvPr id="86" name="Straight Arrow Connector 85">
+            <a:extLst>
+              <a:ext uri="{FF2B5EF4-FFF2-40B4-BE49-F238E27FC236}">
+                <a16:creationId xmlns:a16="http://schemas.microsoft.com/office/drawing/2014/main" id="{A71421E7-24AA-6DB9-6DC5-C5E04C17C967}"/>
+              </a:ext>
+            </a:extLst>
+          </p:cNvPr>
+          <p:cNvCxnSpPr>
+            <a:cxnSpLocks/>
+          </p:cNvCxnSpPr>
+          <p:nvPr/>
+        </p:nvCxnSpPr>
+        <p:spPr>
+          <a:xfrm flipV="1">
+            <a:off x="9822526" y="2383534"/>
+            <a:ext cx="0" cy="826580"/>
+          </a:xfrm>
+          <a:prstGeom prst="straightConnector1">
+            <a:avLst/>
+          </a:prstGeom>
+          <a:ln>
+            <a:tailEnd type="triangle"/>
+          </a:ln>
+        </p:spPr>
+        <p:style>
+          <a:lnRef idx="1">
+            <a:schemeClr val="accent1"/>
+          </a:lnRef>
+          <a:fillRef idx="0">
+            <a:schemeClr val="accent1"/>
+          </a:fillRef>
+          <a:effectRef idx="0">
+            <a:schemeClr val="accent1"/>
+          </a:effectRef>
+          <a:fontRef idx="minor">
+            <a:schemeClr val="tx1"/>
+          </a:fontRef>
+        </p:style>
+      </p:cxnSp>
+      <p:sp>
+        <p:nvSpPr>
+          <p:cNvPr id="87" name="TextBox 86">
+            <a:extLst>
+              <a:ext uri="{FF2B5EF4-FFF2-40B4-BE49-F238E27FC236}">
+                <a16:creationId xmlns:a16="http://schemas.microsoft.com/office/drawing/2014/main" id="{92CAA50B-4EA8-C57F-BA17-19C500840DE5}"/>
+              </a:ext>
+            </a:extLst>
+          </p:cNvPr>
+          <p:cNvSpPr txBox="1"/>
+          <p:nvPr/>
+        </p:nvSpPr>
+        <p:spPr>
+          <a:xfrm>
+            <a:off x="10233764" y="1526895"/>
+            <a:ext cx="1770882" cy="1384995"/>
+          </a:xfrm>
+          <a:prstGeom prst="rect">
+            <a:avLst/>
+          </a:prstGeom>
+          <a:noFill/>
+        </p:spPr>
+        <p:txBody>
+          <a:bodyPr wrap="square" rtlCol="0">
+            <a:spAutoFit/>
+          </a:bodyPr>
+          <a:lstStyle/>
+          <a:p>
+            <a:r>
+              <a:rPr lang="en-US" sz="1200" dirty="0"/>
+              <a:t>Notes:</a:t>
+            </a:r>
+          </a:p>
+          <a:p>
+            <a:pPr marL="171450" indent="-171450">
+              <a:buFontTx/>
+              <a:buChar char="-"/>
+            </a:pPr>
+            <a:r>
+              <a:rPr lang="en-US" sz="1200" dirty="0"/>
+              <a:t>‘</a:t>
+            </a:r>
+            <a:r>
+              <a:rPr lang="en-US" sz="1200" dirty="0" err="1"/>
+              <a:t>leftright</a:t>
+            </a:r>
+            <a:r>
+              <a:rPr lang="en-US" sz="1200" dirty="0"/>
+              <a:t>’ and ‘</a:t>
+            </a:r>
+            <a:r>
+              <a:rPr lang="en-US" sz="1200" dirty="0" err="1"/>
+              <a:t>updown</a:t>
+            </a:r>
+            <a:r>
+              <a:rPr lang="en-US" sz="1200" dirty="0"/>
+              <a:t>’ are dependent on the direction of </a:t>
+            </a:r>
+            <a:r>
+              <a:rPr lang="en-US" sz="1200" dirty="0" err="1"/>
+              <a:t>startjunc</a:t>
+            </a:r>
+            <a:r>
+              <a:rPr lang="en-US" sz="1200" dirty="0"/>
+              <a:t>. The direction of </a:t>
+            </a:r>
+            <a:r>
+              <a:rPr lang="en-US" sz="1200" dirty="0" err="1"/>
+              <a:t>startjunc</a:t>
+            </a:r>
+            <a:r>
+              <a:rPr lang="en-US" sz="1200" dirty="0"/>
+              <a:t> </a:t>
+            </a:r>
+            <a:r>
+              <a:rPr lang="en-US" sz="1200"/>
+              <a:t>is “up”.</a:t>
+            </a:r>
+            <a:endParaRPr lang="en-US" sz="1200" dirty="0"/>
+          </a:p>
+        </p:txBody>
+      </p:sp>
+      <p:grpSp>
+        <p:nvGrpSpPr>
+          <p:cNvPr id="88" name="Group 87">
+            <a:extLst>
+              <a:ext uri="{FF2B5EF4-FFF2-40B4-BE49-F238E27FC236}">
+                <a16:creationId xmlns:a16="http://schemas.microsoft.com/office/drawing/2014/main" id="{F9582085-D049-C86F-09D2-4A170C070F31}"/>
+              </a:ext>
+            </a:extLst>
+          </p:cNvPr>
+          <p:cNvGrpSpPr/>
+          <p:nvPr/>
+        </p:nvGrpSpPr>
+        <p:grpSpPr>
+          <a:xfrm rot="10800000">
+            <a:off x="1344242" y="6214663"/>
+            <a:ext cx="119919" cy="223398"/>
+            <a:chOff x="-501565" y="761326"/>
+            <a:chExt cx="621484" cy="1157769"/>
+          </a:xfrm>
+          <a:solidFill>
+            <a:srgbClr val="00FFFF"/>
+          </a:solidFill>
+        </p:grpSpPr>
+        <p:sp>
+          <p:nvSpPr>
+            <p:cNvPr id="89" name="Arrow: Up 88">
+              <a:extLst>
+                <a:ext uri="{FF2B5EF4-FFF2-40B4-BE49-F238E27FC236}">
+                  <a16:creationId xmlns:a16="http://schemas.microsoft.com/office/drawing/2014/main" id="{EF6F0CAB-0817-F09C-8AA9-8796982BC867}"/>
+                </a:ext>
+              </a:extLst>
+            </p:cNvPr>
+            <p:cNvSpPr/>
+            <p:nvPr/>
+          </p:nvSpPr>
+          <p:spPr>
+            <a:xfrm>
+              <a:off x="-433139" y="761326"/>
+              <a:ext cx="484632" cy="978408"/>
+            </a:xfrm>
+            <a:prstGeom prst="upArrow">
+              <a:avLst>
+                <a:gd name="adj1" fmla="val 29228"/>
+                <a:gd name="adj2" fmla="val 51731"/>
+              </a:avLst>
+            </a:prstGeom>
+            <a:grpFill/>
+            <a:ln>
+              <a:noFill/>
+            </a:ln>
+          </p:spPr>
+          <p:style>
+            <a:lnRef idx="2">
+              <a:schemeClr val="accent1">
+                <a:shade val="50000"/>
+              </a:schemeClr>
+            </a:lnRef>
+            <a:fillRef idx="1">
+              <a:schemeClr val="accent1"/>
+            </a:fillRef>
+            <a:effectRef idx="0">
+              <a:schemeClr val="accent1"/>
+            </a:effectRef>
+            <a:fontRef idx="minor">
+              <a:schemeClr val="lt1"/>
+            </a:fontRef>
+          </p:style>
+          <p:txBody>
+            <a:bodyPr rtlCol="0" anchor="ctr"/>
+            <a:lstStyle/>
+            <a:p>
+              <a:pPr algn="ctr"/>
+              <a:endParaRPr lang="en-US"/>
+            </a:p>
+          </p:txBody>
+        </p:sp>
+        <p:sp>
+          <p:nvSpPr>
+            <p:cNvPr id="90" name="Oval 89">
+              <a:extLst>
+                <a:ext uri="{FF2B5EF4-FFF2-40B4-BE49-F238E27FC236}">
+                  <a16:creationId xmlns:a16="http://schemas.microsoft.com/office/drawing/2014/main" id="{64B5E5F7-E024-23EB-09FF-36DA76AC44B3}"/>
+                </a:ext>
+              </a:extLst>
+            </p:cNvPr>
+            <p:cNvSpPr/>
+            <p:nvPr/>
+          </p:nvSpPr>
+          <p:spPr>
+            <a:xfrm>
+              <a:off x="-501565" y="1297611"/>
+              <a:ext cx="621484" cy="621484"/>
+            </a:xfrm>
+            <a:prstGeom prst="ellipse">
+              <a:avLst/>
+            </a:prstGeom>
+            <a:grpFill/>
+            <a:ln>
+              <a:noFill/>
+            </a:ln>
+          </p:spPr>
+          <p:style>
+            <a:lnRef idx="2">
+              <a:schemeClr val="accent1">
+                <a:shade val="50000"/>
+              </a:schemeClr>
+            </a:lnRef>
+            <a:fillRef idx="1">
+              <a:schemeClr val="accent1"/>
+            </a:fillRef>
+            <a:effectRef idx="0">
+              <a:schemeClr val="accent1"/>
+            </a:effectRef>
+            <a:fontRef idx="minor">
+              <a:schemeClr val="lt1"/>
+            </a:fontRef>
+          </p:style>
+          <p:txBody>
+            <a:bodyPr rtlCol="0" anchor="ctr"/>
+            <a:lstStyle/>
+            <a:p>
+              <a:pPr algn="ctr"/>
+              <a:endParaRPr lang="en-US"/>
+            </a:p>
+          </p:txBody>
+        </p:sp>
+      </p:grpSp>
+      <p:grpSp>
+        <p:nvGrpSpPr>
+          <p:cNvPr id="94" name="Group 93">
+            <a:extLst>
+              <a:ext uri="{FF2B5EF4-FFF2-40B4-BE49-F238E27FC236}">
+                <a16:creationId xmlns:a16="http://schemas.microsoft.com/office/drawing/2014/main" id="{586321DD-AA4D-7DB7-FD98-C44699B8C6A9}"/>
+              </a:ext>
+            </a:extLst>
+          </p:cNvPr>
+          <p:cNvGrpSpPr/>
+          <p:nvPr/>
+        </p:nvGrpSpPr>
+        <p:grpSpPr>
+          <a:xfrm>
+            <a:off x="1337251" y="1677617"/>
+            <a:ext cx="119919" cy="223398"/>
+            <a:chOff x="-501565" y="761326"/>
+            <a:chExt cx="621484" cy="1157769"/>
+          </a:xfrm>
+          <a:solidFill>
+            <a:srgbClr val="00FFFF"/>
+          </a:solidFill>
+        </p:grpSpPr>
+        <p:sp>
+          <p:nvSpPr>
+            <p:cNvPr id="95" name="Arrow: Up 94">
+              <a:extLst>
+                <a:ext uri="{FF2B5EF4-FFF2-40B4-BE49-F238E27FC236}">
+                  <a16:creationId xmlns:a16="http://schemas.microsoft.com/office/drawing/2014/main" id="{D6A07272-B570-5ADA-3709-662FFB6A2A30}"/>
+                </a:ext>
+              </a:extLst>
+            </p:cNvPr>
+            <p:cNvSpPr/>
+            <p:nvPr/>
+          </p:nvSpPr>
+          <p:spPr>
+            <a:xfrm>
+              <a:off x="-433139" y="761326"/>
+              <a:ext cx="484632" cy="978408"/>
+            </a:xfrm>
+            <a:prstGeom prst="upArrow">
+              <a:avLst>
+                <a:gd name="adj1" fmla="val 29228"/>
+                <a:gd name="adj2" fmla="val 51731"/>
+              </a:avLst>
+            </a:prstGeom>
+            <a:grpFill/>
+            <a:ln>
+              <a:noFill/>
+            </a:ln>
+          </p:spPr>
+          <p:style>
+            <a:lnRef idx="2">
+              <a:schemeClr val="accent1">
+                <a:shade val="50000"/>
+              </a:schemeClr>
+            </a:lnRef>
+            <a:fillRef idx="1">
+              <a:schemeClr val="accent1"/>
+            </a:fillRef>
+            <a:effectRef idx="0">
+              <a:schemeClr val="accent1"/>
+            </a:effectRef>
+            <a:fontRef idx="minor">
+              <a:schemeClr val="lt1"/>
+            </a:fontRef>
+          </p:style>
+          <p:txBody>
+            <a:bodyPr rtlCol="0" anchor="ctr"/>
+            <a:lstStyle/>
+            <a:p>
+              <a:pPr algn="ctr"/>
+              <a:endParaRPr lang="en-US"/>
+            </a:p>
+          </p:txBody>
+        </p:sp>
+        <p:sp>
+          <p:nvSpPr>
+            <p:cNvPr id="96" name="Oval 95">
+              <a:extLst>
+                <a:ext uri="{FF2B5EF4-FFF2-40B4-BE49-F238E27FC236}">
+                  <a16:creationId xmlns:a16="http://schemas.microsoft.com/office/drawing/2014/main" id="{D0AC6BDD-7656-31FD-E104-17A56A0AF663}"/>
+                </a:ext>
+              </a:extLst>
+            </p:cNvPr>
+            <p:cNvSpPr/>
+            <p:nvPr/>
+          </p:nvSpPr>
+          <p:spPr>
+            <a:xfrm>
+              <a:off x="-501565" y="1297611"/>
+              <a:ext cx="621484" cy="621484"/>
+            </a:xfrm>
+            <a:prstGeom prst="ellipse">
+              <a:avLst/>
+            </a:prstGeom>
+            <a:grpFill/>
+            <a:ln>
+              <a:noFill/>
+            </a:ln>
+          </p:spPr>
+          <p:style>
+            <a:lnRef idx="2">
+              <a:schemeClr val="accent1">
+                <a:shade val="50000"/>
+              </a:schemeClr>
+            </a:lnRef>
+            <a:fillRef idx="1">
+              <a:schemeClr val="accent1"/>
+            </a:fillRef>
+            <a:effectRef idx="0">
+              <a:schemeClr val="accent1"/>
+            </a:effectRef>
+            <a:fontRef idx="minor">
+              <a:schemeClr val="lt1"/>
+            </a:fontRef>
+          </p:style>
+          <p:txBody>
+            <a:bodyPr rtlCol="0" anchor="ctr"/>
+            <a:lstStyle/>
+            <a:p>
+              <a:pPr algn="ctr"/>
+              <a:endParaRPr lang="en-US"/>
+            </a:p>
+          </p:txBody>
+        </p:sp>
+      </p:grpSp>
+      <p:grpSp>
+        <p:nvGrpSpPr>
+          <p:cNvPr id="97" name="Group 96">
+            <a:extLst>
+              <a:ext uri="{FF2B5EF4-FFF2-40B4-BE49-F238E27FC236}">
+                <a16:creationId xmlns:a16="http://schemas.microsoft.com/office/drawing/2014/main" id="{862E3720-0D4B-13AC-6B61-8B8BE50855E0}"/>
+              </a:ext>
+            </a:extLst>
+          </p:cNvPr>
+          <p:cNvGrpSpPr/>
+          <p:nvPr/>
+        </p:nvGrpSpPr>
+        <p:grpSpPr>
+          <a:xfrm rot="5400000">
+            <a:off x="4973326" y="5271684"/>
+            <a:ext cx="119919" cy="223398"/>
+            <a:chOff x="-501565" y="761326"/>
+            <a:chExt cx="621484" cy="1157769"/>
+          </a:xfrm>
+          <a:solidFill>
+            <a:srgbClr val="00FFFF"/>
+          </a:solidFill>
+        </p:grpSpPr>
+        <p:sp>
+          <p:nvSpPr>
+            <p:cNvPr id="98" name="Arrow: Up 97">
+              <a:extLst>
+                <a:ext uri="{FF2B5EF4-FFF2-40B4-BE49-F238E27FC236}">
+                  <a16:creationId xmlns:a16="http://schemas.microsoft.com/office/drawing/2014/main" id="{BF5CE79A-2BBD-86A6-0386-0959B432B826}"/>
+                </a:ext>
+              </a:extLst>
+            </p:cNvPr>
+            <p:cNvSpPr/>
+            <p:nvPr/>
+          </p:nvSpPr>
+          <p:spPr>
+            <a:xfrm>
+              <a:off x="-433139" y="761326"/>
+              <a:ext cx="484632" cy="978408"/>
+            </a:xfrm>
+            <a:prstGeom prst="upArrow">
+              <a:avLst>
+                <a:gd name="adj1" fmla="val 29228"/>
+                <a:gd name="adj2" fmla="val 51731"/>
+              </a:avLst>
+            </a:prstGeom>
+            <a:grpFill/>
+            <a:ln>
+              <a:noFill/>
+            </a:ln>
+          </p:spPr>
+          <p:style>
+            <a:lnRef idx="2">
+              <a:schemeClr val="accent1">
+                <a:shade val="50000"/>
+              </a:schemeClr>
+            </a:lnRef>
+            <a:fillRef idx="1">
+              <a:schemeClr val="accent1"/>
+            </a:fillRef>
+            <a:effectRef idx="0">
+              <a:schemeClr val="accent1"/>
+            </a:effectRef>
+            <a:fontRef idx="minor">
+              <a:schemeClr val="lt1"/>
+            </a:fontRef>
+          </p:style>
+          <p:txBody>
+            <a:bodyPr rtlCol="0" anchor="ctr"/>
+            <a:lstStyle/>
+            <a:p>
+              <a:pPr algn="ctr"/>
+              <a:endParaRPr lang="en-US"/>
+            </a:p>
+          </p:txBody>
+        </p:sp>
+        <p:sp>
+          <p:nvSpPr>
+            <p:cNvPr id="99" name="Oval 98">
+              <a:extLst>
+                <a:ext uri="{FF2B5EF4-FFF2-40B4-BE49-F238E27FC236}">
+                  <a16:creationId xmlns:a16="http://schemas.microsoft.com/office/drawing/2014/main" id="{13325F08-FF81-0D9C-59FB-1342DA88F453}"/>
+                </a:ext>
+              </a:extLst>
+            </p:cNvPr>
+            <p:cNvSpPr/>
+            <p:nvPr/>
+          </p:nvSpPr>
+          <p:spPr>
+            <a:xfrm>
+              <a:off x="-501565" y="1297611"/>
+              <a:ext cx="621484" cy="621484"/>
+            </a:xfrm>
+            <a:prstGeom prst="ellipse">
+              <a:avLst/>
+            </a:prstGeom>
+            <a:grpFill/>
+            <a:ln>
+              <a:noFill/>
+            </a:ln>
+          </p:spPr>
+          <p:style>
+            <a:lnRef idx="2">
+              <a:schemeClr val="accent1">
+                <a:shade val="50000"/>
+              </a:schemeClr>
+            </a:lnRef>
+            <a:fillRef idx="1">
+              <a:schemeClr val="accent1"/>
+            </a:fillRef>
+            <a:effectRef idx="0">
+              <a:schemeClr val="accent1"/>
+            </a:effectRef>
+            <a:fontRef idx="minor">
+              <a:schemeClr val="lt1"/>
+            </a:fontRef>
+          </p:style>
+          <p:txBody>
+            <a:bodyPr rtlCol="0" anchor="ctr"/>
+            <a:lstStyle/>
+            <a:p>
+              <a:pPr algn="ctr"/>
+              <a:endParaRPr lang="en-US"/>
+            </a:p>
+          </p:txBody>
+        </p:sp>
+      </p:grpSp>
+      <p:cxnSp>
+        <p:nvCxnSpPr>
+          <p:cNvPr id="100" name="Straight Connector 99">
+            <a:extLst>
+              <a:ext uri="{FF2B5EF4-FFF2-40B4-BE49-F238E27FC236}">
+                <a16:creationId xmlns:a16="http://schemas.microsoft.com/office/drawing/2014/main" id="{96B8C3F1-5871-FB18-82A8-F546551C3B82}"/>
+              </a:ext>
+            </a:extLst>
+          </p:cNvPr>
+          <p:cNvCxnSpPr>
+            <a:cxnSpLocks/>
+          </p:cNvCxnSpPr>
+          <p:nvPr/>
+        </p:nvCxnSpPr>
+        <p:spPr>
+          <a:xfrm flipV="1">
+            <a:off x="4981545" y="3173428"/>
+            <a:ext cx="0" cy="1798612"/>
+          </a:xfrm>
+          <a:prstGeom prst="line">
+            <a:avLst/>
+          </a:prstGeom>
+          <a:ln w="9525">
+            <a:solidFill>
+              <a:srgbClr val="FF09A7"/>
+            </a:solidFill>
+          </a:ln>
+        </p:spPr>
+        <p:style>
+          <a:lnRef idx="1">
+            <a:schemeClr val="accent1"/>
+          </a:lnRef>
+          <a:fillRef idx="0">
+            <a:schemeClr val="accent1"/>
+          </a:fillRef>
+          <a:effectRef idx="0">
+            <a:schemeClr val="accent1"/>
+          </a:effectRef>
+          <a:fontRef idx="minor">
+            <a:schemeClr val="tx1"/>
+          </a:fontRef>
+        </p:style>
+      </p:cxnSp>
+      <p:sp>
+        <p:nvSpPr>
+          <p:cNvPr id="103" name="TextBox 102">
+            <a:extLst>
+              <a:ext uri="{FF2B5EF4-FFF2-40B4-BE49-F238E27FC236}">
+                <a16:creationId xmlns:a16="http://schemas.microsoft.com/office/drawing/2014/main" id="{2A0D96D1-EB3A-13CB-07B5-38FCBFA260B2}"/>
+              </a:ext>
+            </a:extLst>
+          </p:cNvPr>
+          <p:cNvSpPr txBox="1"/>
+          <p:nvPr/>
+        </p:nvSpPr>
+        <p:spPr>
+          <a:xfrm>
+            <a:off x="1821121" y="6135299"/>
+            <a:ext cx="2037815" cy="276999"/>
+          </a:xfrm>
+          <a:prstGeom prst="rect">
+            <a:avLst/>
+          </a:prstGeom>
+          <a:noFill/>
+        </p:spPr>
+        <p:txBody>
+          <a:bodyPr wrap="square" rtlCol="0">
+            <a:spAutoFit/>
+          </a:bodyPr>
+          <a:lstStyle/>
+          <a:p>
+            <a:r>
+              <a:rPr lang="en-US" sz="1200" dirty="0" err="1">
+                <a:solidFill>
+                  <a:srgbClr val="CCFFFF"/>
+                </a:solidFill>
+              </a:rPr>
+              <a:t>cxns</a:t>
+            </a:r>
+            <a:r>
+              <a:rPr lang="en-US" sz="1200" dirty="0">
+                <a:solidFill>
+                  <a:srgbClr val="CCFFFF"/>
+                </a:solidFill>
+              </a:rPr>
+              <a:t>[‘in’] = </a:t>
+            </a:r>
+            <a:r>
+              <a:rPr lang="en-US" sz="1200" dirty="0" err="1">
+                <a:solidFill>
+                  <a:srgbClr val="CCFFFF"/>
+                </a:solidFill>
+              </a:rPr>
+              <a:t>startjunc.reverse</a:t>
+            </a:r>
+            <a:r>
+              <a:rPr lang="en-US" sz="1200" dirty="0">
+                <a:solidFill>
+                  <a:srgbClr val="CCFFFF"/>
+                </a:solidFill>
+              </a:rPr>
+              <a:t>()</a:t>
+            </a:r>
+          </a:p>
+        </p:txBody>
+      </p:sp>
+      <p:sp>
+        <p:nvSpPr>
+          <p:cNvPr id="104" name="TextBox 103">
+            <a:extLst>
+              <a:ext uri="{FF2B5EF4-FFF2-40B4-BE49-F238E27FC236}">
+                <a16:creationId xmlns:a16="http://schemas.microsoft.com/office/drawing/2014/main" id="{37B20E4B-574E-F9A4-76F9-C7845253470A}"/>
+              </a:ext>
+            </a:extLst>
+          </p:cNvPr>
+          <p:cNvSpPr txBox="1"/>
+          <p:nvPr/>
+        </p:nvSpPr>
+        <p:spPr>
+          <a:xfrm>
+            <a:off x="210573" y="1556773"/>
+            <a:ext cx="1987425" cy="276999"/>
+          </a:xfrm>
+          <a:prstGeom prst="rect">
+            <a:avLst/>
+          </a:prstGeom>
+          <a:noFill/>
+        </p:spPr>
+        <p:txBody>
+          <a:bodyPr wrap="square" rtlCol="0">
+            <a:spAutoFit/>
+          </a:bodyPr>
+          <a:lstStyle/>
+          <a:p>
+            <a:r>
+              <a:rPr lang="en-US" sz="1200" dirty="0" err="1">
+                <a:solidFill>
+                  <a:srgbClr val="CCFFFF"/>
+                </a:solidFill>
+              </a:rPr>
+              <a:t>cxns</a:t>
+            </a:r>
+            <a:r>
+              <a:rPr lang="en-US" sz="1200" dirty="0">
+                <a:solidFill>
+                  <a:srgbClr val="CCFFFF"/>
+                </a:solidFill>
+              </a:rPr>
+              <a:t>[‘out’]</a:t>
+            </a:r>
+          </a:p>
+        </p:txBody>
+      </p:sp>
+      <p:sp>
+        <p:nvSpPr>
+          <p:cNvPr id="105" name="TextBox 104">
+            <a:extLst>
+              <a:ext uri="{FF2B5EF4-FFF2-40B4-BE49-F238E27FC236}">
+                <a16:creationId xmlns:a16="http://schemas.microsoft.com/office/drawing/2014/main" id="{E548A31E-E006-1800-B705-F65ED573B605}"/>
+              </a:ext>
+            </a:extLst>
+          </p:cNvPr>
+          <p:cNvSpPr txBox="1"/>
+          <p:nvPr/>
+        </p:nvSpPr>
+        <p:spPr>
+          <a:xfrm>
+            <a:off x="5131885" y="5152549"/>
+            <a:ext cx="1987425" cy="461665"/>
+          </a:xfrm>
+          <a:prstGeom prst="rect">
+            <a:avLst/>
+          </a:prstGeom>
+          <a:noFill/>
+        </p:spPr>
+        <p:txBody>
+          <a:bodyPr wrap="square" rtlCol="0">
+            <a:spAutoFit/>
+          </a:bodyPr>
+          <a:lstStyle/>
+          <a:p>
+            <a:r>
+              <a:rPr lang="en-US" sz="1200" dirty="0" err="1">
+                <a:solidFill>
+                  <a:srgbClr val="CCFFFF"/>
+                </a:solidFill>
+              </a:rPr>
+              <a:t>cxns</a:t>
+            </a:r>
+            <a:r>
+              <a:rPr lang="en-US" sz="1200" dirty="0">
+                <a:solidFill>
+                  <a:srgbClr val="CCFFFF"/>
+                </a:solidFill>
+              </a:rPr>
+              <a:t>[‘hanger’] (‘</a:t>
+            </a:r>
+            <a:r>
+              <a:rPr lang="en-US" sz="1200" dirty="0" err="1">
+                <a:solidFill>
+                  <a:srgbClr val="CCFFFF"/>
+                </a:solidFill>
+              </a:rPr>
+              <a:t>add_hanger</a:t>
+            </a:r>
+            <a:r>
+              <a:rPr lang="en-US" sz="1200" dirty="0">
+                <a:solidFill>
+                  <a:srgbClr val="CCFFFF"/>
+                </a:solidFill>
+              </a:rPr>
+              <a:t>’: True)</a:t>
+            </a:r>
+          </a:p>
+        </p:txBody>
+      </p:sp>
+      <p:grpSp>
+        <p:nvGrpSpPr>
+          <p:cNvPr id="106" name="Group 105">
+            <a:extLst>
+              <a:ext uri="{FF2B5EF4-FFF2-40B4-BE49-F238E27FC236}">
+                <a16:creationId xmlns:a16="http://schemas.microsoft.com/office/drawing/2014/main" id="{5D266CBB-B065-8610-056B-4799F4EF4BBB}"/>
+              </a:ext>
+            </a:extLst>
+          </p:cNvPr>
+          <p:cNvGrpSpPr/>
+          <p:nvPr/>
+        </p:nvGrpSpPr>
+        <p:grpSpPr>
+          <a:xfrm rot="10800000">
+            <a:off x="2706176" y="1792511"/>
+            <a:ext cx="119919" cy="223398"/>
+            <a:chOff x="-501565" y="761326"/>
+            <a:chExt cx="621484" cy="1157769"/>
+          </a:xfrm>
+          <a:solidFill>
+            <a:srgbClr val="00FFFF"/>
+          </a:solidFill>
+        </p:grpSpPr>
+        <p:sp>
+          <p:nvSpPr>
+            <p:cNvPr id="107" name="Arrow: Up 106">
+              <a:extLst>
+                <a:ext uri="{FF2B5EF4-FFF2-40B4-BE49-F238E27FC236}">
+                  <a16:creationId xmlns:a16="http://schemas.microsoft.com/office/drawing/2014/main" id="{D618CA57-3863-AFDC-5EED-7CD478E4D168}"/>
+                </a:ext>
+              </a:extLst>
+            </p:cNvPr>
+            <p:cNvSpPr/>
+            <p:nvPr/>
+          </p:nvSpPr>
+          <p:spPr>
+            <a:xfrm>
+              <a:off x="-433139" y="761326"/>
+              <a:ext cx="484632" cy="978408"/>
+            </a:xfrm>
+            <a:prstGeom prst="upArrow">
+              <a:avLst>
+                <a:gd name="adj1" fmla="val 29228"/>
+                <a:gd name="adj2" fmla="val 51731"/>
+              </a:avLst>
+            </a:prstGeom>
+            <a:grpFill/>
+            <a:ln>
+              <a:noFill/>
+            </a:ln>
+          </p:spPr>
+          <p:style>
+            <a:lnRef idx="2">
+              <a:schemeClr val="accent1">
+                <a:shade val="50000"/>
+              </a:schemeClr>
+            </a:lnRef>
+            <a:fillRef idx="1">
+              <a:schemeClr val="accent1"/>
+            </a:fillRef>
+            <a:effectRef idx="0">
+              <a:schemeClr val="accent1"/>
+            </a:effectRef>
+            <a:fontRef idx="minor">
+              <a:schemeClr val="lt1"/>
+            </a:fontRef>
+          </p:style>
+          <p:txBody>
+            <a:bodyPr rtlCol="0" anchor="ctr"/>
+            <a:lstStyle/>
+            <a:p>
+              <a:pPr algn="ctr"/>
+              <a:endParaRPr lang="en-US"/>
+            </a:p>
+          </p:txBody>
+        </p:sp>
+        <p:sp>
+          <p:nvSpPr>
+            <p:cNvPr id="108" name="Oval 107">
+              <a:extLst>
+                <a:ext uri="{FF2B5EF4-FFF2-40B4-BE49-F238E27FC236}">
+                  <a16:creationId xmlns:a16="http://schemas.microsoft.com/office/drawing/2014/main" id="{D33420E5-8EE1-33D9-A05B-C7F3B4306A40}"/>
+                </a:ext>
+              </a:extLst>
+            </p:cNvPr>
+            <p:cNvSpPr/>
+            <p:nvPr/>
+          </p:nvSpPr>
+          <p:spPr>
+            <a:xfrm>
+              <a:off x="-501565" y="1297611"/>
+              <a:ext cx="621484" cy="621484"/>
+            </a:xfrm>
+            <a:prstGeom prst="ellipse">
+              <a:avLst/>
+            </a:prstGeom>
+            <a:grpFill/>
+            <a:ln>
+              <a:noFill/>
+            </a:ln>
+          </p:spPr>
+          <p:style>
+            <a:lnRef idx="2">
+              <a:schemeClr val="accent1">
+                <a:shade val="50000"/>
+              </a:schemeClr>
+            </a:lnRef>
+            <a:fillRef idx="1">
+              <a:schemeClr val="accent1"/>
+            </a:fillRef>
+            <a:effectRef idx="0">
+              <a:schemeClr val="accent1"/>
+            </a:effectRef>
+            <a:fontRef idx="minor">
+              <a:schemeClr val="lt1"/>
+            </a:fontRef>
+          </p:style>
+          <p:txBody>
+            <a:bodyPr rtlCol="0" anchor="ctr"/>
+            <a:lstStyle/>
+            <a:p>
+              <a:pPr algn="ctr"/>
+              <a:endParaRPr lang="en-US"/>
+            </a:p>
+          </p:txBody>
+        </p:sp>
+      </p:grpSp>
+      <p:sp>
+        <p:nvSpPr>
+          <p:cNvPr id="109" name="TextBox 108">
+            <a:extLst>
+              <a:ext uri="{FF2B5EF4-FFF2-40B4-BE49-F238E27FC236}">
+                <a16:creationId xmlns:a16="http://schemas.microsoft.com/office/drawing/2014/main" id="{E9514351-E48F-609E-180D-14810198D0FF}"/>
+              </a:ext>
+            </a:extLst>
+          </p:cNvPr>
+          <p:cNvSpPr txBox="1"/>
+          <p:nvPr/>
+        </p:nvSpPr>
+        <p:spPr>
+          <a:xfrm>
+            <a:off x="2878617" y="1436925"/>
+            <a:ext cx="1987425" cy="461665"/>
+          </a:xfrm>
+          <a:prstGeom prst="rect">
+            <a:avLst/>
+          </a:prstGeom>
+          <a:noFill/>
+        </p:spPr>
+        <p:txBody>
+          <a:bodyPr wrap="square" rtlCol="0">
+            <a:spAutoFit/>
+          </a:bodyPr>
+          <a:lstStyle/>
+          <a:p>
+            <a:r>
+              <a:rPr lang="en-US" sz="1200" dirty="0" err="1">
+                <a:solidFill>
+                  <a:srgbClr val="CCFFFF"/>
+                </a:solidFill>
+              </a:rPr>
+              <a:t>cxns</a:t>
+            </a:r>
+            <a:r>
+              <a:rPr lang="en-US" sz="1200" dirty="0">
+                <a:solidFill>
+                  <a:srgbClr val="CCFFFF"/>
+                </a:solidFill>
+              </a:rPr>
+              <a:t>[‘hanger’] (‘</a:t>
+            </a:r>
+            <a:r>
+              <a:rPr lang="en-US" sz="1200" dirty="0" err="1">
+                <a:solidFill>
+                  <a:srgbClr val="CCFFFF"/>
+                </a:solidFill>
+              </a:rPr>
+              <a:t>add_hanger</a:t>
+            </a:r>
+            <a:r>
+              <a:rPr lang="en-US" sz="1200" dirty="0">
+                <a:solidFill>
+                  <a:srgbClr val="CCFFFF"/>
+                </a:solidFill>
+              </a:rPr>
+              <a:t>’: False)</a:t>
+            </a:r>
+          </a:p>
+        </p:txBody>
+      </p:sp>
+    </p:spTree>
+    <p:extLst>
+      <p:ext uri="{BB962C8B-B14F-4D97-AF65-F5344CB8AC3E}">
+        <p14:creationId xmlns:p14="http://schemas.microsoft.com/office/powerpoint/2010/main" val="3600194434"/>
+      </p:ext>
+    </p:extLst>
+  </p:cSld>
+  <p:clrMapOvr>
+    <a:masterClrMapping/>
+  </p:clrMapOvr>
+</p:sld>
+</file>
+
+<file path=ppt/slides/slide4.xml><?xml version="1.0" encoding="utf-8"?>
+<p:sld xmlns:a="http://schemas.openxmlformats.org/drawingml/2006/main" xmlns:r="http://schemas.openxmlformats.org/officeDocument/2006/relationships" xmlns:p="http://schemas.openxmlformats.org/presentationml/2006/main">
+  <p:cSld>
+    <p:spTree>
+      <p:nvGrpSpPr>
+        <p:cNvPr id="1" name=""/>
+        <p:cNvGrpSpPr/>
+        <p:nvPr/>
+      </p:nvGrpSpPr>
+      <p:grpSpPr>
+        <a:xfrm>
+          <a:off x="0" y="0"/>
+          <a:ext cx="0" cy="0"/>
+          <a:chOff x="0" y="0"/>
+          <a:chExt cx="0" cy="0"/>
+        </a:xfrm>
+      </p:grpSpPr>
+      <p:sp>
+        <p:nvSpPr>
+          <p:cNvPr id="2" name="Title 1">
+            <a:extLst>
+              <a:ext uri="{FF2B5EF4-FFF2-40B4-BE49-F238E27FC236}">
+                <a16:creationId xmlns:a16="http://schemas.microsoft.com/office/drawing/2014/main" id="{30E8A52F-DC44-53F5-69E5-C1156B31DD44}"/>
+              </a:ext>
+            </a:extLst>
+          </p:cNvPr>
+          <p:cNvSpPr>
+            <a:spLocks noGrp="1"/>
+          </p:cNvSpPr>
+          <p:nvPr>
+            <p:ph type="title"/>
+          </p:nvPr>
+        </p:nvSpPr>
+        <p:spPr/>
+        <p:txBody>
+          <a:bodyPr/>
+          <a:lstStyle/>
+          <a:p>
+            <a:r>
+              <a:rPr lang="en-US" dirty="0" err="1"/>
+              <a:t>ThreeWayCoupler</a:t>
+            </a:r>
+            <a:endParaRPr lang="en-US" dirty="0"/>
+          </a:p>
+        </p:txBody>
+      </p:sp>
+      <p:pic>
+        <p:nvPicPr>
+          <p:cNvPr id="8" name="Content Placeholder 7" descr="Shape&#10;&#10;Description automatically generated">
+            <a:extLst>
+              <a:ext uri="{FF2B5EF4-FFF2-40B4-BE49-F238E27FC236}">
+                <a16:creationId xmlns:a16="http://schemas.microsoft.com/office/drawing/2014/main" id="{5B90120F-1FE0-647A-D0B5-7AEDCA28DA5E}"/>
+              </a:ext>
+            </a:extLst>
+          </p:cNvPr>
+          <p:cNvPicPr>
+            <a:picLocks noGrp="1" noChangeAspect="1"/>
+          </p:cNvPicPr>
+          <p:nvPr>
+            <p:ph sz="half" idx="1"/>
+          </p:nvPr>
+        </p:nvPicPr>
+        <p:blipFill rotWithShape="1">
+          <a:blip r:embed="rId2">
+            <a:extLst>
+              <a:ext uri="{28A0092B-C50C-407E-A947-70E740481C1C}">
+                <a14:useLocalDpi xmlns:a14="http://schemas.microsoft.com/office/drawing/2010/main" val="0"/>
+              </a:ext>
+            </a:extLst>
+          </a:blip>
+          <a:srcRect l="3108" r="2761"/>
+          <a:stretch/>
+        </p:blipFill>
+        <p:spPr>
+          <a:xfrm>
+            <a:off x="237836" y="1478252"/>
+            <a:ext cx="8998527" cy="5196782"/>
+          </a:xfrm>
+        </p:spPr>
+      </p:pic>
+      <p:cxnSp>
+        <p:nvCxnSpPr>
+          <p:cNvPr id="9" name="Straight Arrow Connector 8">
+            <a:extLst>
+              <a:ext uri="{FF2B5EF4-FFF2-40B4-BE49-F238E27FC236}">
+                <a16:creationId xmlns:a16="http://schemas.microsoft.com/office/drawing/2014/main" id="{975BC8E5-6427-7F79-35DF-8C7F5949C5C8}"/>
+              </a:ext>
+            </a:extLst>
+          </p:cNvPr>
+          <p:cNvCxnSpPr>
+            <a:cxnSpLocks/>
+          </p:cNvCxnSpPr>
+          <p:nvPr/>
+        </p:nvCxnSpPr>
+        <p:spPr>
+          <a:xfrm>
+            <a:off x="6045200" y="2870200"/>
+            <a:ext cx="429491" cy="750455"/>
+          </a:xfrm>
+          <a:prstGeom prst="straightConnector1">
+            <a:avLst/>
+          </a:prstGeom>
+          <a:ln w="19050">
+            <a:solidFill>
+              <a:srgbClr val="FF09A7"/>
+            </a:solidFill>
+            <a:headEnd type="triangle"/>
+            <a:tailEnd type="triangle"/>
+          </a:ln>
+        </p:spPr>
+        <p:style>
+          <a:lnRef idx="1">
+            <a:schemeClr val="accent1"/>
+          </a:lnRef>
+          <a:fillRef idx="0">
+            <a:schemeClr val="accent1"/>
+          </a:fillRef>
+          <a:effectRef idx="0">
+            <a:schemeClr val="accent1"/>
+          </a:effectRef>
+          <a:fontRef idx="minor">
+            <a:schemeClr val="tx1"/>
+          </a:fontRef>
+        </p:style>
+      </p:cxnSp>
+      <p:sp>
+        <p:nvSpPr>
+          <p:cNvPr id="10" name="TextBox 9">
+            <a:extLst>
+              <a:ext uri="{FF2B5EF4-FFF2-40B4-BE49-F238E27FC236}">
+                <a16:creationId xmlns:a16="http://schemas.microsoft.com/office/drawing/2014/main" id="{4208AE0D-AC70-17C2-6C38-E53374368858}"/>
+              </a:ext>
+            </a:extLst>
+          </p:cNvPr>
+          <p:cNvSpPr txBox="1"/>
+          <p:nvPr/>
+        </p:nvSpPr>
+        <p:spPr>
+          <a:xfrm>
+            <a:off x="5676899" y="2940878"/>
+            <a:ext cx="520115" cy="276999"/>
+          </a:xfrm>
+          <a:prstGeom prst="rect">
+            <a:avLst/>
+          </a:prstGeom>
+          <a:noFill/>
+        </p:spPr>
+        <p:txBody>
+          <a:bodyPr wrap="square" rtlCol="0">
+            <a:spAutoFit/>
+          </a:bodyPr>
+          <a:lstStyle/>
+          <a:p>
+            <a:r>
+              <a:rPr lang="en-US" sz="1200" dirty="0">
+                <a:solidFill>
+                  <a:srgbClr val="FF99FF"/>
+                </a:solidFill>
+              </a:rPr>
+              <a:t>pinw</a:t>
+            </a:r>
+          </a:p>
+        </p:txBody>
+      </p:sp>
+      <p:sp>
+        <p:nvSpPr>
+          <p:cNvPr id="11" name="TextBox 10">
+            <a:extLst>
+              <a:ext uri="{FF2B5EF4-FFF2-40B4-BE49-F238E27FC236}">
+                <a16:creationId xmlns:a16="http://schemas.microsoft.com/office/drawing/2014/main" id="{6127450A-7501-09BD-9455-60173F55CE83}"/>
+              </a:ext>
+            </a:extLst>
+          </p:cNvPr>
+          <p:cNvSpPr txBox="1"/>
+          <p:nvPr/>
+        </p:nvSpPr>
+        <p:spPr>
+          <a:xfrm>
+            <a:off x="6521458" y="3529054"/>
+            <a:ext cx="520115" cy="276999"/>
+          </a:xfrm>
+          <a:prstGeom prst="rect">
+            <a:avLst/>
+          </a:prstGeom>
+          <a:noFill/>
+        </p:spPr>
+        <p:txBody>
+          <a:bodyPr wrap="square" rtlCol="0">
+            <a:spAutoFit/>
+          </a:bodyPr>
+          <a:lstStyle/>
+          <a:p>
+            <a:r>
+              <a:rPr lang="en-US" sz="1200" dirty="0">
+                <a:solidFill>
+                  <a:srgbClr val="FF99FF"/>
+                </a:solidFill>
+              </a:rPr>
+              <a:t>gapw</a:t>
+            </a:r>
+          </a:p>
+        </p:txBody>
+      </p:sp>
+      <p:cxnSp>
+        <p:nvCxnSpPr>
+          <p:cNvPr id="14" name="Straight Arrow Connector 13">
+            <a:extLst>
+              <a:ext uri="{FF2B5EF4-FFF2-40B4-BE49-F238E27FC236}">
+                <a16:creationId xmlns:a16="http://schemas.microsoft.com/office/drawing/2014/main" id="{164D9DCB-9187-03A6-358D-48D2D4CA3A60}"/>
+              </a:ext>
+            </a:extLst>
+          </p:cNvPr>
+          <p:cNvCxnSpPr>
+            <a:cxnSpLocks/>
+          </p:cNvCxnSpPr>
+          <p:nvPr/>
+        </p:nvCxnSpPr>
+        <p:spPr>
+          <a:xfrm flipH="1" flipV="1">
+            <a:off x="6474691" y="3620655"/>
+            <a:ext cx="167409" cy="297295"/>
+          </a:xfrm>
+          <a:prstGeom prst="straightConnector1">
+            <a:avLst/>
+          </a:prstGeom>
+          <a:ln w="19050">
+            <a:solidFill>
+              <a:srgbClr val="FF09A7"/>
+            </a:solidFill>
+            <a:headEnd type="triangle"/>
+            <a:tailEnd type="triangle"/>
+          </a:ln>
+        </p:spPr>
+        <p:style>
+          <a:lnRef idx="1">
+            <a:schemeClr val="accent1"/>
+          </a:lnRef>
+          <a:fillRef idx="0">
+            <a:schemeClr val="accent1"/>
+          </a:fillRef>
+          <a:effectRef idx="0">
+            <a:schemeClr val="accent1"/>
+          </a:effectRef>
+          <a:fontRef idx="minor">
+            <a:schemeClr val="tx1"/>
+          </a:fontRef>
+        </p:style>
+      </p:cxnSp>
+      <p:cxnSp>
+        <p:nvCxnSpPr>
+          <p:cNvPr id="28" name="Straight Arrow Connector 27">
+            <a:extLst>
+              <a:ext uri="{FF2B5EF4-FFF2-40B4-BE49-F238E27FC236}">
+                <a16:creationId xmlns:a16="http://schemas.microsoft.com/office/drawing/2014/main" id="{4FACAF36-BBFA-A2CA-1B01-BECBF0858D5A}"/>
+              </a:ext>
+            </a:extLst>
+          </p:cNvPr>
+          <p:cNvCxnSpPr>
+            <a:cxnSpLocks/>
+          </p:cNvCxnSpPr>
+          <p:nvPr/>
+        </p:nvCxnSpPr>
+        <p:spPr>
+          <a:xfrm flipV="1">
+            <a:off x="3164681" y="4095750"/>
+            <a:ext cx="1473994" cy="852488"/>
+          </a:xfrm>
+          <a:prstGeom prst="straightConnector1">
+            <a:avLst/>
+          </a:prstGeom>
+          <a:ln w="19050">
+            <a:solidFill>
+              <a:srgbClr val="FF09A7"/>
+            </a:solidFill>
+            <a:headEnd type="triangle"/>
+            <a:tailEnd type="triangle"/>
+          </a:ln>
+        </p:spPr>
+        <p:style>
+          <a:lnRef idx="1">
+            <a:schemeClr val="accent1"/>
+          </a:lnRef>
+          <a:fillRef idx="0">
+            <a:schemeClr val="accent1"/>
+          </a:fillRef>
+          <a:effectRef idx="0">
+            <a:schemeClr val="accent1"/>
+          </a:effectRef>
+          <a:fontRef idx="minor">
+            <a:schemeClr val="tx1"/>
+          </a:fontRef>
+        </p:style>
+      </p:cxnSp>
+      <p:cxnSp>
+        <p:nvCxnSpPr>
+          <p:cNvPr id="37" name="Straight Arrow Connector 36">
+            <a:extLst>
+              <a:ext uri="{FF2B5EF4-FFF2-40B4-BE49-F238E27FC236}">
+                <a16:creationId xmlns:a16="http://schemas.microsoft.com/office/drawing/2014/main" id="{C92A0A8D-EE53-526F-4295-783D475110FC}"/>
+              </a:ext>
+            </a:extLst>
+          </p:cNvPr>
+          <p:cNvCxnSpPr>
+            <a:cxnSpLocks/>
+          </p:cNvCxnSpPr>
+          <p:nvPr/>
+        </p:nvCxnSpPr>
+        <p:spPr>
+          <a:xfrm flipH="1">
+            <a:off x="4631371" y="2870200"/>
+            <a:ext cx="152400" cy="0"/>
+          </a:xfrm>
+          <a:prstGeom prst="straightConnector1">
+            <a:avLst/>
+          </a:prstGeom>
+          <a:ln w="19050">
+            <a:solidFill>
+              <a:srgbClr val="FF09A7"/>
+            </a:solidFill>
+            <a:headEnd type="triangle"/>
+            <a:tailEnd type="triangle"/>
+          </a:ln>
+        </p:spPr>
+        <p:style>
+          <a:lnRef idx="1">
+            <a:schemeClr val="accent1"/>
+          </a:lnRef>
+          <a:fillRef idx="0">
+            <a:schemeClr val="accent1"/>
+          </a:fillRef>
+          <a:effectRef idx="0">
+            <a:schemeClr val="accent1"/>
+          </a:effectRef>
+          <a:fontRef idx="minor">
+            <a:schemeClr val="tx1"/>
+          </a:fontRef>
+        </p:style>
+      </p:cxnSp>
+      <p:sp>
+        <p:nvSpPr>
+          <p:cNvPr id="40" name="TextBox 39">
+            <a:extLst>
+              <a:ext uri="{FF2B5EF4-FFF2-40B4-BE49-F238E27FC236}">
+                <a16:creationId xmlns:a16="http://schemas.microsoft.com/office/drawing/2014/main" id="{6EA3395B-B473-A883-3D0D-5259C8E7DD7C}"/>
+              </a:ext>
+            </a:extLst>
+          </p:cNvPr>
+          <p:cNvSpPr txBox="1"/>
+          <p:nvPr/>
+        </p:nvSpPr>
+        <p:spPr>
+          <a:xfrm>
+            <a:off x="4072543" y="1642677"/>
+            <a:ext cx="1604356" cy="276999"/>
+          </a:xfrm>
+          <a:prstGeom prst="rect">
+            <a:avLst/>
+          </a:prstGeom>
+          <a:noFill/>
+        </p:spPr>
+        <p:txBody>
+          <a:bodyPr wrap="square" rtlCol="0">
+            <a:spAutoFit/>
+          </a:bodyPr>
+          <a:lstStyle/>
+          <a:p>
+            <a:r>
+              <a:rPr lang="en-US" sz="1200" dirty="0" err="1">
+                <a:solidFill>
+                  <a:srgbClr val="FF99FF"/>
+                </a:solidFill>
+              </a:rPr>
+              <a:t>coupling_distance</a:t>
+            </a:r>
+            <a:endParaRPr lang="en-US" sz="1200" dirty="0">
+              <a:solidFill>
+                <a:srgbClr val="FF99FF"/>
+              </a:solidFill>
+            </a:endParaRPr>
+          </a:p>
+        </p:txBody>
+      </p:sp>
+      <p:cxnSp>
+        <p:nvCxnSpPr>
+          <p:cNvPr id="41" name="Straight Connector 40">
+            <a:extLst>
+              <a:ext uri="{FF2B5EF4-FFF2-40B4-BE49-F238E27FC236}">
+                <a16:creationId xmlns:a16="http://schemas.microsoft.com/office/drawing/2014/main" id="{5D6521F9-6244-B0DD-ED09-C7B65E910292}"/>
+              </a:ext>
+            </a:extLst>
+          </p:cNvPr>
+          <p:cNvCxnSpPr>
+            <a:cxnSpLocks/>
+          </p:cNvCxnSpPr>
+          <p:nvPr/>
+        </p:nvCxnSpPr>
+        <p:spPr>
+          <a:xfrm>
+            <a:off x="4707571" y="1900238"/>
+            <a:ext cx="0" cy="946352"/>
+          </a:xfrm>
+          <a:prstGeom prst="line">
+            <a:avLst/>
+          </a:prstGeom>
+          <a:ln w="9525">
+            <a:solidFill>
+              <a:srgbClr val="FF09A7"/>
+            </a:solidFill>
+          </a:ln>
+        </p:spPr>
+        <p:style>
+          <a:lnRef idx="1">
+            <a:schemeClr val="accent1"/>
+          </a:lnRef>
+          <a:fillRef idx="0">
+            <a:schemeClr val="accent1"/>
+          </a:fillRef>
+          <a:effectRef idx="0">
+            <a:schemeClr val="accent1"/>
+          </a:effectRef>
+          <a:fontRef idx="minor">
+            <a:schemeClr val="tx1"/>
+          </a:fontRef>
+        </p:style>
+      </p:cxnSp>
+      <p:sp>
+        <p:nvSpPr>
+          <p:cNvPr id="44" name="TextBox 43">
+            <a:extLst>
+              <a:ext uri="{FF2B5EF4-FFF2-40B4-BE49-F238E27FC236}">
+                <a16:creationId xmlns:a16="http://schemas.microsoft.com/office/drawing/2014/main" id="{DC5938C1-5D76-C8F4-F008-04EEE798E0FB}"/>
+              </a:ext>
+            </a:extLst>
+          </p:cNvPr>
+          <p:cNvSpPr txBox="1"/>
+          <p:nvPr/>
+        </p:nvSpPr>
+        <p:spPr>
+          <a:xfrm>
+            <a:off x="3385575" y="4186238"/>
+            <a:ext cx="802177" cy="276999"/>
+          </a:xfrm>
+          <a:prstGeom prst="rect">
+            <a:avLst/>
+          </a:prstGeom>
+          <a:noFill/>
+        </p:spPr>
+        <p:txBody>
+          <a:bodyPr wrap="square" rtlCol="0">
+            <a:spAutoFit/>
+          </a:bodyPr>
+          <a:lstStyle/>
+          <a:p>
+            <a:r>
+              <a:rPr lang="en-US" sz="1200" dirty="0" err="1">
+                <a:solidFill>
+                  <a:srgbClr val="FF99FF"/>
+                </a:solidFill>
+              </a:rPr>
+              <a:t>cap_edge</a:t>
+            </a:r>
+            <a:endParaRPr lang="en-US" sz="1200" dirty="0">
+              <a:solidFill>
+                <a:srgbClr val="FF99FF"/>
+              </a:solidFill>
+            </a:endParaRPr>
+          </a:p>
+        </p:txBody>
+      </p:sp>
+      <p:cxnSp>
+        <p:nvCxnSpPr>
+          <p:cNvPr id="45" name="Straight Arrow Connector 44">
+            <a:extLst>
+              <a:ext uri="{FF2B5EF4-FFF2-40B4-BE49-F238E27FC236}">
+                <a16:creationId xmlns:a16="http://schemas.microsoft.com/office/drawing/2014/main" id="{A37384A9-1A82-F186-EFA2-00A32EAC44B2}"/>
+              </a:ext>
+            </a:extLst>
+          </p:cNvPr>
+          <p:cNvCxnSpPr>
+            <a:cxnSpLocks/>
+          </p:cNvCxnSpPr>
+          <p:nvPr/>
+        </p:nvCxnSpPr>
+        <p:spPr>
+          <a:xfrm flipV="1">
+            <a:off x="2863215" y="4145756"/>
+            <a:ext cx="1846898" cy="1061244"/>
+          </a:xfrm>
+          <a:prstGeom prst="straightConnector1">
+            <a:avLst/>
+          </a:prstGeom>
+          <a:ln w="19050">
+            <a:solidFill>
+              <a:srgbClr val="FF09A7"/>
+            </a:solidFill>
+            <a:headEnd type="triangle"/>
+            <a:tailEnd type="triangle"/>
+          </a:ln>
+        </p:spPr>
+        <p:style>
+          <a:lnRef idx="1">
+            <a:schemeClr val="accent1"/>
+          </a:lnRef>
+          <a:fillRef idx="0">
+            <a:schemeClr val="accent1"/>
+          </a:fillRef>
+          <a:effectRef idx="0">
+            <a:schemeClr val="accent1"/>
+          </a:effectRef>
+          <a:fontRef idx="minor">
+            <a:schemeClr val="tx1"/>
+          </a:fontRef>
+        </p:style>
+      </p:cxnSp>
+      <p:sp>
+        <p:nvSpPr>
+          <p:cNvPr id="49" name="TextBox 48">
+            <a:extLst>
+              <a:ext uri="{FF2B5EF4-FFF2-40B4-BE49-F238E27FC236}">
+                <a16:creationId xmlns:a16="http://schemas.microsoft.com/office/drawing/2014/main" id="{78503238-4F66-79AE-7A00-5E6D647503D7}"/>
+              </a:ext>
+            </a:extLst>
+          </p:cNvPr>
+          <p:cNvSpPr txBox="1"/>
+          <p:nvPr/>
+        </p:nvSpPr>
+        <p:spPr>
+          <a:xfrm>
+            <a:off x="3786664" y="4661326"/>
+            <a:ext cx="1629572" cy="276999"/>
+          </a:xfrm>
+          <a:prstGeom prst="rect">
+            <a:avLst/>
+          </a:prstGeom>
+          <a:noFill/>
+        </p:spPr>
+        <p:txBody>
+          <a:bodyPr wrap="square" rtlCol="0">
+            <a:spAutoFit/>
+          </a:bodyPr>
+          <a:lstStyle/>
+          <a:p>
+            <a:r>
+              <a:rPr lang="en-US" sz="1200" dirty="0" err="1">
+                <a:solidFill>
+                  <a:srgbClr val="FF99FF"/>
+                </a:solidFill>
+              </a:rPr>
+              <a:t>coupler_radius</a:t>
+            </a:r>
+            <a:endParaRPr lang="en-US" sz="1200" dirty="0">
+              <a:solidFill>
+                <a:srgbClr val="FF99FF"/>
+              </a:solidFill>
+            </a:endParaRPr>
+          </a:p>
+        </p:txBody>
+      </p:sp>
+      <p:cxnSp>
+        <p:nvCxnSpPr>
+          <p:cNvPr id="50" name="Straight Arrow Connector 49">
+            <a:extLst>
+              <a:ext uri="{FF2B5EF4-FFF2-40B4-BE49-F238E27FC236}">
+                <a16:creationId xmlns:a16="http://schemas.microsoft.com/office/drawing/2014/main" id="{3BCA72F1-E2F8-4A2E-F72D-FB9ECBCE2FBF}"/>
+              </a:ext>
+            </a:extLst>
+          </p:cNvPr>
+          <p:cNvCxnSpPr>
+            <a:cxnSpLocks/>
+          </p:cNvCxnSpPr>
+          <p:nvPr/>
+        </p:nvCxnSpPr>
+        <p:spPr>
+          <a:xfrm>
+            <a:off x="3181350" y="3252788"/>
+            <a:ext cx="1450021" cy="842962"/>
+          </a:xfrm>
+          <a:prstGeom prst="straightConnector1">
+            <a:avLst/>
+          </a:prstGeom>
+          <a:ln w="19050">
+            <a:solidFill>
+              <a:srgbClr val="FF09A7"/>
+            </a:solidFill>
+            <a:headEnd type="triangle"/>
+            <a:tailEnd type="triangle"/>
+          </a:ln>
+        </p:spPr>
+        <p:style>
+          <a:lnRef idx="1">
+            <a:schemeClr val="accent1"/>
+          </a:lnRef>
+          <a:fillRef idx="0">
+            <a:schemeClr val="accent1"/>
+          </a:fillRef>
+          <a:effectRef idx="0">
+            <a:schemeClr val="accent1"/>
+          </a:effectRef>
+          <a:fontRef idx="minor">
+            <a:schemeClr val="tx1"/>
+          </a:fontRef>
+        </p:style>
+      </p:cxnSp>
+      <p:sp>
+        <p:nvSpPr>
+          <p:cNvPr id="58" name="TextBox 57">
+            <a:extLst>
+              <a:ext uri="{FF2B5EF4-FFF2-40B4-BE49-F238E27FC236}">
+                <a16:creationId xmlns:a16="http://schemas.microsoft.com/office/drawing/2014/main" id="{A77B183A-B75C-4BC5-8D60-BBA464FFF552}"/>
+              </a:ext>
+            </a:extLst>
+          </p:cNvPr>
+          <p:cNvSpPr txBox="1"/>
+          <p:nvPr/>
+        </p:nvSpPr>
+        <p:spPr>
+          <a:xfrm>
+            <a:off x="3671454" y="3312193"/>
+            <a:ext cx="802177" cy="276999"/>
+          </a:xfrm>
+          <a:prstGeom prst="rect">
+            <a:avLst/>
+          </a:prstGeom>
+          <a:noFill/>
+        </p:spPr>
+        <p:txBody>
+          <a:bodyPr wrap="square" rtlCol="0">
+            <a:spAutoFit/>
+          </a:bodyPr>
+          <a:lstStyle/>
+          <a:p>
+            <a:r>
+              <a:rPr lang="en-US" sz="1200" dirty="0">
+                <a:solidFill>
+                  <a:srgbClr val="FF99FF"/>
+                </a:solidFill>
+              </a:rPr>
+              <a:t>length</a:t>
+            </a:r>
+          </a:p>
+        </p:txBody>
+      </p:sp>
+      <p:grpSp>
+        <p:nvGrpSpPr>
+          <p:cNvPr id="59" name="Group 58">
+            <a:extLst>
+              <a:ext uri="{FF2B5EF4-FFF2-40B4-BE49-F238E27FC236}">
+                <a16:creationId xmlns:a16="http://schemas.microsoft.com/office/drawing/2014/main" id="{8713A69D-6596-36F0-1183-828664418A62}"/>
+              </a:ext>
+            </a:extLst>
+          </p:cNvPr>
+          <p:cNvGrpSpPr/>
+          <p:nvPr/>
+        </p:nvGrpSpPr>
+        <p:grpSpPr>
+          <a:xfrm rot="3727470">
+            <a:off x="6275893" y="3106178"/>
+            <a:ext cx="119919" cy="223398"/>
+            <a:chOff x="-501565" y="761326"/>
+            <a:chExt cx="621484" cy="1157769"/>
+          </a:xfrm>
+          <a:solidFill>
+            <a:srgbClr val="00FFFF"/>
+          </a:solidFill>
+        </p:grpSpPr>
+        <p:sp>
+          <p:nvSpPr>
+            <p:cNvPr id="60" name="Arrow: Up 59">
+              <a:extLst>
+                <a:ext uri="{FF2B5EF4-FFF2-40B4-BE49-F238E27FC236}">
+                  <a16:creationId xmlns:a16="http://schemas.microsoft.com/office/drawing/2014/main" id="{C3C30772-F83A-FDFC-4AD7-4AC96D8E3B8D}"/>
+                </a:ext>
+              </a:extLst>
+            </p:cNvPr>
+            <p:cNvSpPr/>
+            <p:nvPr/>
+          </p:nvSpPr>
+          <p:spPr>
+            <a:xfrm>
+              <a:off x="-433139" y="761326"/>
+              <a:ext cx="484632" cy="978408"/>
+            </a:xfrm>
+            <a:prstGeom prst="upArrow">
+              <a:avLst>
+                <a:gd name="adj1" fmla="val 29228"/>
+                <a:gd name="adj2" fmla="val 51731"/>
+              </a:avLst>
+            </a:prstGeom>
+            <a:grpFill/>
+            <a:ln>
+              <a:noFill/>
+            </a:ln>
+          </p:spPr>
+          <p:style>
+            <a:lnRef idx="2">
+              <a:schemeClr val="accent1">
+                <a:shade val="50000"/>
+              </a:schemeClr>
+            </a:lnRef>
+            <a:fillRef idx="1">
+              <a:schemeClr val="accent1"/>
+            </a:fillRef>
+            <a:effectRef idx="0">
+              <a:schemeClr val="accent1"/>
+            </a:effectRef>
+            <a:fontRef idx="minor">
+              <a:schemeClr val="lt1"/>
+            </a:fontRef>
+          </p:style>
+          <p:txBody>
+            <a:bodyPr rtlCol="0" anchor="ctr"/>
+            <a:lstStyle/>
+            <a:p>
+              <a:pPr algn="ctr"/>
+              <a:endParaRPr lang="en-US"/>
+            </a:p>
+          </p:txBody>
+        </p:sp>
+        <p:sp>
+          <p:nvSpPr>
+            <p:cNvPr id="61" name="Oval 60">
+              <a:extLst>
+                <a:ext uri="{FF2B5EF4-FFF2-40B4-BE49-F238E27FC236}">
+                  <a16:creationId xmlns:a16="http://schemas.microsoft.com/office/drawing/2014/main" id="{29AE66B3-490D-D106-645F-E3BE98FEACE4}"/>
+                </a:ext>
+              </a:extLst>
+            </p:cNvPr>
+            <p:cNvSpPr/>
+            <p:nvPr/>
+          </p:nvSpPr>
+          <p:spPr>
+            <a:xfrm>
+              <a:off x="-501565" y="1297611"/>
+              <a:ext cx="621484" cy="621484"/>
+            </a:xfrm>
+            <a:prstGeom prst="ellipse">
+              <a:avLst/>
+            </a:prstGeom>
+            <a:grpFill/>
+            <a:ln>
+              <a:noFill/>
+            </a:ln>
+          </p:spPr>
+          <p:style>
+            <a:lnRef idx="2">
+              <a:schemeClr val="accent1">
+                <a:shade val="50000"/>
+              </a:schemeClr>
+            </a:lnRef>
+            <a:fillRef idx="1">
+              <a:schemeClr val="accent1"/>
+            </a:fillRef>
+            <a:effectRef idx="0">
+              <a:schemeClr val="accent1"/>
+            </a:effectRef>
+            <a:fontRef idx="minor">
+              <a:schemeClr val="lt1"/>
+            </a:fontRef>
+          </p:style>
+          <p:txBody>
+            <a:bodyPr rtlCol="0" anchor="ctr"/>
+            <a:lstStyle/>
+            <a:p>
+              <a:pPr algn="ctr"/>
+              <a:endParaRPr lang="en-US"/>
+            </a:p>
+          </p:txBody>
+        </p:sp>
+      </p:grpSp>
+      <p:sp>
+        <p:nvSpPr>
+          <p:cNvPr id="62" name="TextBox 61">
+            <a:extLst>
+              <a:ext uri="{FF2B5EF4-FFF2-40B4-BE49-F238E27FC236}">
+                <a16:creationId xmlns:a16="http://schemas.microsoft.com/office/drawing/2014/main" id="{4B505ACA-076E-6612-7CAB-6E5A28FBBBBF}"/>
+              </a:ext>
+            </a:extLst>
+          </p:cNvPr>
+          <p:cNvSpPr txBox="1"/>
+          <p:nvPr/>
+        </p:nvSpPr>
+        <p:spPr>
+          <a:xfrm>
+            <a:off x="2702172" y="2882215"/>
+            <a:ext cx="1084491" cy="276999"/>
+          </a:xfrm>
+          <a:prstGeom prst="rect">
+            <a:avLst/>
+          </a:prstGeom>
+          <a:noFill/>
+        </p:spPr>
+        <p:txBody>
+          <a:bodyPr wrap="square" rtlCol="0">
+            <a:spAutoFit/>
+          </a:bodyPr>
+          <a:lstStyle/>
+          <a:p>
+            <a:r>
+              <a:rPr lang="en-US" sz="1200" dirty="0" err="1">
+                <a:solidFill>
+                  <a:srgbClr val="CCFFFF"/>
+                </a:solidFill>
+              </a:rPr>
+              <a:t>cxns</a:t>
+            </a:r>
+            <a:r>
+              <a:rPr lang="en-US" sz="1200" dirty="0">
+                <a:solidFill>
+                  <a:srgbClr val="CCFFFF"/>
+                </a:solidFill>
+              </a:rPr>
+              <a:t>[‘</a:t>
+            </a:r>
+            <a:r>
+              <a:rPr lang="en-US" sz="1200" dirty="0" err="1">
+                <a:solidFill>
+                  <a:srgbClr val="CCFFFF"/>
+                </a:solidFill>
+              </a:rPr>
+              <a:t>connB</a:t>
+            </a:r>
+            <a:r>
+              <a:rPr lang="en-US" sz="1200" dirty="0">
+                <a:solidFill>
+                  <a:srgbClr val="CCFFFF"/>
+                </a:solidFill>
+              </a:rPr>
+              <a:t>’]</a:t>
+            </a:r>
+          </a:p>
+        </p:txBody>
+      </p:sp>
+      <p:grpSp>
+        <p:nvGrpSpPr>
+          <p:cNvPr id="63" name="Group 62">
+            <a:extLst>
+              <a:ext uri="{FF2B5EF4-FFF2-40B4-BE49-F238E27FC236}">
+                <a16:creationId xmlns:a16="http://schemas.microsoft.com/office/drawing/2014/main" id="{435D8F73-BFBB-B724-D842-4886FD8392A1}"/>
+              </a:ext>
+            </a:extLst>
+          </p:cNvPr>
+          <p:cNvGrpSpPr/>
+          <p:nvPr/>
+        </p:nvGrpSpPr>
+        <p:grpSpPr>
+          <a:xfrm rot="10800000">
+            <a:off x="4666073" y="5873607"/>
+            <a:ext cx="119919" cy="223398"/>
+            <a:chOff x="-501565" y="761326"/>
+            <a:chExt cx="621484" cy="1157769"/>
+          </a:xfrm>
+          <a:solidFill>
+            <a:srgbClr val="00FFFF"/>
+          </a:solidFill>
+        </p:grpSpPr>
+        <p:sp>
+          <p:nvSpPr>
+            <p:cNvPr id="64" name="Arrow: Up 63">
+              <a:extLst>
+                <a:ext uri="{FF2B5EF4-FFF2-40B4-BE49-F238E27FC236}">
+                  <a16:creationId xmlns:a16="http://schemas.microsoft.com/office/drawing/2014/main" id="{1C383B50-6BFF-3573-A195-24A1649E39BB}"/>
+                </a:ext>
+              </a:extLst>
+            </p:cNvPr>
+            <p:cNvSpPr/>
+            <p:nvPr/>
+          </p:nvSpPr>
+          <p:spPr>
+            <a:xfrm>
+              <a:off x="-433139" y="761326"/>
+              <a:ext cx="484632" cy="978408"/>
+            </a:xfrm>
+            <a:prstGeom prst="upArrow">
+              <a:avLst>
+                <a:gd name="adj1" fmla="val 29228"/>
+                <a:gd name="adj2" fmla="val 51731"/>
+              </a:avLst>
+            </a:prstGeom>
+            <a:grpFill/>
+            <a:ln>
+              <a:noFill/>
+            </a:ln>
+          </p:spPr>
+          <p:style>
+            <a:lnRef idx="2">
+              <a:schemeClr val="accent1">
+                <a:shade val="50000"/>
+              </a:schemeClr>
+            </a:lnRef>
+            <a:fillRef idx="1">
+              <a:schemeClr val="accent1"/>
+            </a:fillRef>
+            <a:effectRef idx="0">
+              <a:schemeClr val="accent1"/>
+            </a:effectRef>
+            <a:fontRef idx="minor">
+              <a:schemeClr val="lt1"/>
+            </a:fontRef>
+          </p:style>
+          <p:txBody>
+            <a:bodyPr rtlCol="0" anchor="ctr"/>
+            <a:lstStyle/>
+            <a:p>
+              <a:pPr algn="ctr"/>
+              <a:endParaRPr lang="en-US"/>
+            </a:p>
+          </p:txBody>
+        </p:sp>
+        <p:sp>
+          <p:nvSpPr>
+            <p:cNvPr id="65" name="Oval 64">
+              <a:extLst>
+                <a:ext uri="{FF2B5EF4-FFF2-40B4-BE49-F238E27FC236}">
+                  <a16:creationId xmlns:a16="http://schemas.microsoft.com/office/drawing/2014/main" id="{94FE1E5F-4B74-F812-43AF-25D5EF6E22AA}"/>
+                </a:ext>
+              </a:extLst>
+            </p:cNvPr>
+            <p:cNvSpPr/>
+            <p:nvPr/>
+          </p:nvSpPr>
+          <p:spPr>
+            <a:xfrm>
+              <a:off x="-501565" y="1297611"/>
+              <a:ext cx="621484" cy="621484"/>
+            </a:xfrm>
+            <a:prstGeom prst="ellipse">
+              <a:avLst/>
+            </a:prstGeom>
+            <a:grpFill/>
+            <a:ln>
+              <a:noFill/>
+            </a:ln>
+          </p:spPr>
+          <p:style>
+            <a:lnRef idx="2">
+              <a:schemeClr val="accent1">
+                <a:shade val="50000"/>
+              </a:schemeClr>
+            </a:lnRef>
+            <a:fillRef idx="1">
+              <a:schemeClr val="accent1"/>
+            </a:fillRef>
+            <a:effectRef idx="0">
+              <a:schemeClr val="accent1"/>
+            </a:effectRef>
+            <a:fontRef idx="minor">
+              <a:schemeClr val="lt1"/>
+            </a:fontRef>
+          </p:style>
+          <p:txBody>
+            <a:bodyPr rtlCol="0" anchor="ctr"/>
+            <a:lstStyle/>
+            <a:p>
+              <a:pPr algn="ctr"/>
+              <a:endParaRPr lang="en-US"/>
+            </a:p>
+          </p:txBody>
+        </p:sp>
+      </p:grpSp>
+      <p:grpSp>
+        <p:nvGrpSpPr>
+          <p:cNvPr id="66" name="Group 65">
+            <a:extLst>
+              <a:ext uri="{FF2B5EF4-FFF2-40B4-BE49-F238E27FC236}">
+                <a16:creationId xmlns:a16="http://schemas.microsoft.com/office/drawing/2014/main" id="{F0DCE6F7-A9D8-C245-995D-28532495DAD8}"/>
+              </a:ext>
+            </a:extLst>
+          </p:cNvPr>
+          <p:cNvGrpSpPr/>
+          <p:nvPr/>
+        </p:nvGrpSpPr>
+        <p:grpSpPr>
+          <a:xfrm rot="18000000">
+            <a:off x="3081560" y="3116086"/>
+            <a:ext cx="119919" cy="223398"/>
+            <a:chOff x="-501565" y="761326"/>
+            <a:chExt cx="621484" cy="1157769"/>
+          </a:xfrm>
+          <a:solidFill>
+            <a:srgbClr val="00FFFF"/>
+          </a:solidFill>
+        </p:grpSpPr>
+        <p:sp>
+          <p:nvSpPr>
+            <p:cNvPr id="67" name="Arrow: Up 66">
+              <a:extLst>
+                <a:ext uri="{FF2B5EF4-FFF2-40B4-BE49-F238E27FC236}">
+                  <a16:creationId xmlns:a16="http://schemas.microsoft.com/office/drawing/2014/main" id="{18A47CD7-8185-DA5A-A374-1834D9A31A8D}"/>
+                </a:ext>
+              </a:extLst>
+            </p:cNvPr>
+            <p:cNvSpPr/>
+            <p:nvPr/>
+          </p:nvSpPr>
+          <p:spPr>
+            <a:xfrm>
+              <a:off x="-433139" y="761326"/>
+              <a:ext cx="484632" cy="978408"/>
+            </a:xfrm>
+            <a:prstGeom prst="upArrow">
+              <a:avLst>
+                <a:gd name="adj1" fmla="val 29228"/>
+                <a:gd name="adj2" fmla="val 51731"/>
+              </a:avLst>
+            </a:prstGeom>
+            <a:grpFill/>
+            <a:ln>
+              <a:noFill/>
+            </a:ln>
+          </p:spPr>
+          <p:style>
+            <a:lnRef idx="2">
+              <a:schemeClr val="accent1">
+                <a:shade val="50000"/>
+              </a:schemeClr>
+            </a:lnRef>
+            <a:fillRef idx="1">
+              <a:schemeClr val="accent1"/>
+            </a:fillRef>
+            <a:effectRef idx="0">
+              <a:schemeClr val="accent1"/>
+            </a:effectRef>
+            <a:fontRef idx="minor">
+              <a:schemeClr val="lt1"/>
+            </a:fontRef>
+          </p:style>
+          <p:txBody>
+            <a:bodyPr rtlCol="0" anchor="ctr"/>
+            <a:lstStyle/>
+            <a:p>
+              <a:pPr algn="ctr"/>
+              <a:endParaRPr lang="en-US"/>
+            </a:p>
+          </p:txBody>
+        </p:sp>
+        <p:sp>
+          <p:nvSpPr>
+            <p:cNvPr id="68" name="Oval 67">
+              <a:extLst>
+                <a:ext uri="{FF2B5EF4-FFF2-40B4-BE49-F238E27FC236}">
+                  <a16:creationId xmlns:a16="http://schemas.microsoft.com/office/drawing/2014/main" id="{78762649-F59F-A5EB-6159-09307E439F7C}"/>
+                </a:ext>
+              </a:extLst>
+            </p:cNvPr>
+            <p:cNvSpPr/>
+            <p:nvPr/>
+          </p:nvSpPr>
+          <p:spPr>
+            <a:xfrm>
+              <a:off x="-501565" y="1297611"/>
+              <a:ext cx="621484" cy="621484"/>
+            </a:xfrm>
+            <a:prstGeom prst="ellipse">
+              <a:avLst/>
+            </a:prstGeom>
+            <a:grpFill/>
+            <a:ln>
+              <a:noFill/>
+            </a:ln>
+          </p:spPr>
+          <p:style>
+            <a:lnRef idx="2">
+              <a:schemeClr val="accent1">
+                <a:shade val="50000"/>
+              </a:schemeClr>
+            </a:lnRef>
+            <a:fillRef idx="1">
+              <a:schemeClr val="accent1"/>
+            </a:fillRef>
+            <a:effectRef idx="0">
+              <a:schemeClr val="accent1"/>
+            </a:effectRef>
+            <a:fontRef idx="minor">
+              <a:schemeClr val="lt1"/>
+            </a:fontRef>
+          </p:style>
+          <p:txBody>
+            <a:bodyPr rtlCol="0" anchor="ctr"/>
+            <a:lstStyle/>
+            <a:p>
+              <a:pPr algn="ctr"/>
+              <a:endParaRPr lang="en-US"/>
+            </a:p>
+          </p:txBody>
+        </p:sp>
+      </p:grpSp>
+      <p:sp>
+        <p:nvSpPr>
+          <p:cNvPr id="69" name="TextBox 68">
+            <a:extLst>
+              <a:ext uri="{FF2B5EF4-FFF2-40B4-BE49-F238E27FC236}">
+                <a16:creationId xmlns:a16="http://schemas.microsoft.com/office/drawing/2014/main" id="{62659FED-F219-7D93-8A1F-674EE652789E}"/>
+              </a:ext>
+            </a:extLst>
+          </p:cNvPr>
+          <p:cNvSpPr txBox="1"/>
+          <p:nvPr/>
+        </p:nvSpPr>
+        <p:spPr>
+          <a:xfrm>
+            <a:off x="6131761" y="2865677"/>
+            <a:ext cx="1084491" cy="276999"/>
+          </a:xfrm>
+          <a:prstGeom prst="rect">
+            <a:avLst/>
+          </a:prstGeom>
+          <a:noFill/>
+        </p:spPr>
+        <p:txBody>
+          <a:bodyPr wrap="square" rtlCol="0">
+            <a:spAutoFit/>
+          </a:bodyPr>
+          <a:lstStyle/>
+          <a:p>
+            <a:r>
+              <a:rPr lang="en-US" sz="1200" dirty="0" err="1">
+                <a:solidFill>
+                  <a:srgbClr val="CCFFFF"/>
+                </a:solidFill>
+              </a:rPr>
+              <a:t>cxns</a:t>
+            </a:r>
+            <a:r>
+              <a:rPr lang="en-US" sz="1200" dirty="0">
+                <a:solidFill>
+                  <a:srgbClr val="CCFFFF"/>
+                </a:solidFill>
+              </a:rPr>
+              <a:t>[‘</a:t>
+            </a:r>
+            <a:r>
+              <a:rPr lang="en-US" sz="1200" dirty="0" err="1">
+                <a:solidFill>
+                  <a:srgbClr val="CCFFFF"/>
+                </a:solidFill>
+              </a:rPr>
+              <a:t>connC</a:t>
+            </a:r>
+            <a:r>
+              <a:rPr lang="en-US" sz="1200" dirty="0">
+                <a:solidFill>
+                  <a:srgbClr val="CCFFFF"/>
+                </a:solidFill>
+              </a:rPr>
+              <a:t>’]</a:t>
+            </a:r>
+          </a:p>
+        </p:txBody>
+      </p:sp>
+      <p:sp>
+        <p:nvSpPr>
+          <p:cNvPr id="70" name="TextBox 69">
+            <a:extLst>
+              <a:ext uri="{FF2B5EF4-FFF2-40B4-BE49-F238E27FC236}">
+                <a16:creationId xmlns:a16="http://schemas.microsoft.com/office/drawing/2014/main" id="{34C22A9C-5EA9-912A-5E27-ACA234051498}"/>
+              </a:ext>
+            </a:extLst>
+          </p:cNvPr>
+          <p:cNvSpPr txBox="1"/>
+          <p:nvPr/>
+        </p:nvSpPr>
+        <p:spPr>
+          <a:xfrm>
+            <a:off x="4055878" y="5365042"/>
+            <a:ext cx="2400575" cy="461665"/>
+          </a:xfrm>
+          <a:prstGeom prst="rect">
+            <a:avLst/>
+          </a:prstGeom>
+          <a:noFill/>
+        </p:spPr>
+        <p:txBody>
+          <a:bodyPr wrap="square" rtlCol="0">
+            <a:spAutoFit/>
+          </a:bodyPr>
+          <a:lstStyle/>
+          <a:p>
+            <a:r>
+              <a:rPr lang="en-US" sz="1200" dirty="0" err="1">
+                <a:solidFill>
+                  <a:srgbClr val="CCFFFF"/>
+                </a:solidFill>
+              </a:rPr>
+              <a:t>cxns</a:t>
+            </a:r>
+            <a:r>
+              <a:rPr lang="en-US" sz="1200" dirty="0">
+                <a:solidFill>
+                  <a:srgbClr val="CCFFFF"/>
+                </a:solidFill>
+              </a:rPr>
+              <a:t>[‘</a:t>
+            </a:r>
+            <a:r>
+              <a:rPr lang="en-US" sz="1200" dirty="0" err="1">
+                <a:solidFill>
+                  <a:srgbClr val="CCFFFF"/>
+                </a:solidFill>
+              </a:rPr>
+              <a:t>connA</a:t>
+            </a:r>
+            <a:r>
+              <a:rPr lang="en-US" sz="1200" dirty="0">
+                <a:solidFill>
+                  <a:srgbClr val="CCFFFF"/>
+                </a:solidFill>
+              </a:rPr>
+              <a:t>’] = </a:t>
+            </a:r>
+          </a:p>
+          <a:p>
+            <a:r>
+              <a:rPr lang="en-US" sz="1200" dirty="0" err="1">
+                <a:solidFill>
+                  <a:srgbClr val="CCFFFF"/>
+                </a:solidFill>
+              </a:rPr>
+              <a:t>startjunc.reverse</a:t>
+            </a:r>
+            <a:r>
+              <a:rPr lang="en-US" sz="1200" dirty="0">
+                <a:solidFill>
+                  <a:srgbClr val="CCFFFF"/>
+                </a:solidFill>
+              </a:rPr>
+              <a:t>()</a:t>
+            </a:r>
+          </a:p>
+        </p:txBody>
+      </p:sp>
+    </p:spTree>
+    <p:extLst>
+      <p:ext uri="{BB962C8B-B14F-4D97-AF65-F5344CB8AC3E}">
+        <p14:creationId xmlns:p14="http://schemas.microsoft.com/office/powerpoint/2010/main" val="1432517760"/>
       </p:ext>
     </p:extLst>
   </p:cSld>

--- a/docs/ComponentDocs.pptx
+++ b/docs/ComponentDocs.pptx
@@ -9,6 +9,9 @@
     <p:sldId id="257" r:id="rId3"/>
     <p:sldId id="258" r:id="rId4"/>
     <p:sldId id="259" r:id="rId5"/>
+    <p:sldId id="260" r:id="rId6"/>
+    <p:sldId id="261" r:id="rId7"/>
+    <p:sldId id="262" r:id="rId8"/>
   </p:sldIdLst>
   <p:sldSz cx="12192000" cy="6858000"/>
   <p:notesSz cx="6858000" cy="9144000"/>
@@ -107,6 +110,11 @@
       </a:defRPr>
     </a:lvl9pPr>
   </p:defaultTextStyle>
+  <p:extLst>
+    <p:ext uri="{EFAFB233-063F-42B5-8137-9DF3F51BA10A}">
+      <p15:sldGuideLst xmlns:p15="http://schemas.microsoft.com/office/powerpoint/2012/main"/>
+    </p:ext>
+  </p:extLst>
 </p:presentation>
 </file>
 
@@ -257,7 +265,7 @@
           <a:p>
             <a:fld id="{ACB15FA1-C85B-48BC-AF8B-E9DF226D558D}" type="datetimeFigureOut">
               <a:rPr lang="en-US" smtClean="0"/>
-              <a:t>7/18/2022</a:t>
+              <a:t>8/3/2022</a:t>
             </a:fld>
             <a:endParaRPr lang="en-US"/>
           </a:p>
@@ -455,7 +463,7 @@
           <a:p>
             <a:fld id="{ACB15FA1-C85B-48BC-AF8B-E9DF226D558D}" type="datetimeFigureOut">
               <a:rPr lang="en-US" smtClean="0"/>
-              <a:t>7/18/2022</a:t>
+              <a:t>8/3/2022</a:t>
             </a:fld>
             <a:endParaRPr lang="en-US"/>
           </a:p>
@@ -663,7 +671,7 @@
           <a:p>
             <a:fld id="{ACB15FA1-C85B-48BC-AF8B-E9DF226D558D}" type="datetimeFigureOut">
               <a:rPr lang="en-US" smtClean="0"/>
-              <a:t>7/18/2022</a:t>
+              <a:t>8/3/2022</a:t>
             </a:fld>
             <a:endParaRPr lang="en-US"/>
           </a:p>
@@ -861,7 +869,7 @@
           <a:p>
             <a:fld id="{ACB15FA1-C85B-48BC-AF8B-E9DF226D558D}" type="datetimeFigureOut">
               <a:rPr lang="en-US" smtClean="0"/>
-              <a:t>7/18/2022</a:t>
+              <a:t>8/3/2022</a:t>
             </a:fld>
             <a:endParaRPr lang="en-US"/>
           </a:p>
@@ -1136,7 +1144,7 @@
           <a:p>
             <a:fld id="{ACB15FA1-C85B-48BC-AF8B-E9DF226D558D}" type="datetimeFigureOut">
               <a:rPr lang="en-US" smtClean="0"/>
-              <a:t>7/18/2022</a:t>
+              <a:t>8/3/2022</a:t>
             </a:fld>
             <a:endParaRPr lang="en-US"/>
           </a:p>
@@ -1401,7 +1409,7 @@
           <a:p>
             <a:fld id="{ACB15FA1-C85B-48BC-AF8B-E9DF226D558D}" type="datetimeFigureOut">
               <a:rPr lang="en-US" smtClean="0"/>
-              <a:t>7/18/2022</a:t>
+              <a:t>8/3/2022</a:t>
             </a:fld>
             <a:endParaRPr lang="en-US"/>
           </a:p>
@@ -1813,7 +1821,7 @@
           <a:p>
             <a:fld id="{ACB15FA1-C85B-48BC-AF8B-E9DF226D558D}" type="datetimeFigureOut">
               <a:rPr lang="en-US" smtClean="0"/>
-              <a:t>7/18/2022</a:t>
+              <a:t>8/3/2022</a:t>
             </a:fld>
             <a:endParaRPr lang="en-US"/>
           </a:p>
@@ -1954,7 +1962,7 @@
           <a:p>
             <a:fld id="{ACB15FA1-C85B-48BC-AF8B-E9DF226D558D}" type="datetimeFigureOut">
               <a:rPr lang="en-US" smtClean="0"/>
-              <a:t>7/18/2022</a:t>
+              <a:t>8/3/2022</a:t>
             </a:fld>
             <a:endParaRPr lang="en-US"/>
           </a:p>
@@ -2067,7 +2075,7 @@
           <a:p>
             <a:fld id="{ACB15FA1-C85B-48BC-AF8B-E9DF226D558D}" type="datetimeFigureOut">
               <a:rPr lang="en-US" smtClean="0"/>
-              <a:t>7/18/2022</a:t>
+              <a:t>8/3/2022</a:t>
             </a:fld>
             <a:endParaRPr lang="en-US"/>
           </a:p>
@@ -2378,7 +2386,7 @@
           <a:p>
             <a:fld id="{ACB15FA1-C85B-48BC-AF8B-E9DF226D558D}" type="datetimeFigureOut">
               <a:rPr lang="en-US" smtClean="0"/>
-              <a:t>7/18/2022</a:t>
+              <a:t>8/3/2022</a:t>
             </a:fld>
             <a:endParaRPr lang="en-US"/>
           </a:p>
@@ -2666,7 +2674,7 @@
           <a:p>
             <a:fld id="{ACB15FA1-C85B-48BC-AF8B-E9DF226D558D}" type="datetimeFigureOut">
               <a:rPr lang="en-US" smtClean="0"/>
-              <a:t>7/18/2022</a:t>
+              <a:t>8/3/2022</a:t>
             </a:fld>
             <a:endParaRPr lang="en-US"/>
           </a:p>
@@ -2907,7 +2915,7 @@
           <a:p>
             <a:fld id="{ACB15FA1-C85B-48BC-AF8B-E9DF226D558D}" type="datetimeFigureOut">
               <a:rPr lang="en-US" smtClean="0"/>
-              <a:t>7/18/2022</a:t>
+              <a:t>8/3/2022</a:t>
             </a:fld>
             <a:endParaRPr lang="en-US"/>
           </a:p>
@@ -6600,13 +6608,8 @@
             </a:r>
             <a:r>
               <a:rPr lang="en-US" sz="1200" dirty="0"/>
-              <a:t> </a:t>
-            </a:r>
-            <a:r>
-              <a:rPr lang="en-US" sz="1200"/>
-              <a:t>is “up”.</a:t>
-            </a:r>
-            <a:endParaRPr lang="en-US" sz="1200" dirty="0"/>
+              <a:t> is “up”.</a:t>
+            </a:r>
           </a:p>
         </p:txBody>
       </p:sp>
@@ -8644,6 +8647,2673 @@
     <p:extLst>
       <p:ext uri="{BB962C8B-B14F-4D97-AF65-F5344CB8AC3E}">
         <p14:creationId xmlns:p14="http://schemas.microsoft.com/office/powerpoint/2010/main" val="1432517760"/>
+      </p:ext>
+    </p:extLst>
+  </p:cSld>
+  <p:clrMapOvr>
+    <a:masterClrMapping/>
+  </p:clrMapOvr>
+</p:sld>
+</file>
+
+<file path=ppt/slides/slide5.xml><?xml version="1.0" encoding="utf-8"?>
+<p:sld xmlns:a="http://schemas.openxmlformats.org/drawingml/2006/main" xmlns:r="http://schemas.openxmlformats.org/officeDocument/2006/relationships" xmlns:p="http://schemas.openxmlformats.org/presentationml/2006/main">
+  <p:cSld>
+    <p:spTree>
+      <p:nvGrpSpPr>
+        <p:cNvPr id="1" name=""/>
+        <p:cNvGrpSpPr/>
+        <p:nvPr/>
+      </p:nvGrpSpPr>
+      <p:grpSpPr>
+        <a:xfrm>
+          <a:off x="0" y="0"/>
+          <a:ext cx="0" cy="0"/>
+          <a:chOff x="0" y="0"/>
+          <a:chExt cx="0" cy="0"/>
+        </a:xfrm>
+      </p:grpSpPr>
+      <p:pic>
+        <p:nvPicPr>
+          <p:cNvPr id="30" name="Content Placeholder 29" descr="A picture containing shape&#10;&#10;Description automatically generated">
+            <a:extLst>
+              <a:ext uri="{FF2B5EF4-FFF2-40B4-BE49-F238E27FC236}">
+                <a16:creationId xmlns:a16="http://schemas.microsoft.com/office/drawing/2014/main" id="{8B256120-376D-3371-5F41-7DCD35B22B00}"/>
+              </a:ext>
+            </a:extLst>
+          </p:cNvPr>
+          <p:cNvPicPr>
+            <a:picLocks noGrp="1" noChangeAspect="1"/>
+          </p:cNvPicPr>
+          <p:nvPr>
+            <p:ph idx="1"/>
+          </p:nvPr>
+        </p:nvPicPr>
+        <p:blipFill rotWithShape="1">
+          <a:blip r:embed="rId2">
+            <a:extLst>
+              <a:ext uri="{28A0092B-C50C-407E-A947-70E740481C1C}">
+                <a14:useLocalDpi xmlns:a14="http://schemas.microsoft.com/office/drawing/2010/main" val="0"/>
+              </a:ext>
+            </a:extLst>
+          </a:blip>
+          <a:srcRect l="5510" t="3654" r="8393" b="10211"/>
+          <a:stretch/>
+        </p:blipFill>
+        <p:spPr>
+          <a:xfrm>
+            <a:off x="238125" y="1690687"/>
+            <a:ext cx="10086975" cy="4872037"/>
+          </a:xfrm>
+        </p:spPr>
+      </p:pic>
+      <p:sp>
+        <p:nvSpPr>
+          <p:cNvPr id="2" name="Title 1">
+            <a:extLst>
+              <a:ext uri="{FF2B5EF4-FFF2-40B4-BE49-F238E27FC236}">
+                <a16:creationId xmlns:a16="http://schemas.microsoft.com/office/drawing/2014/main" id="{7B340F4F-2BEB-927C-A4F9-346041A544F5}"/>
+              </a:ext>
+            </a:extLst>
+          </p:cNvPr>
+          <p:cNvSpPr>
+            <a:spLocks noGrp="1"/>
+          </p:cNvSpPr>
+          <p:nvPr>
+            <p:ph type="title"/>
+          </p:nvPr>
+        </p:nvSpPr>
+        <p:spPr/>
+        <p:txBody>
+          <a:bodyPr/>
+          <a:lstStyle/>
+          <a:p>
+            <a:r>
+              <a:rPr lang="en-US" dirty="0" err="1"/>
+              <a:t>QubitNotchFromJunc</a:t>
+            </a:r>
+            <a:endParaRPr lang="en-US" dirty="0"/>
+          </a:p>
+        </p:txBody>
+      </p:sp>
+      <p:cxnSp>
+        <p:nvCxnSpPr>
+          <p:cNvPr id="6" name="Straight Arrow Connector 5">
+            <a:extLst>
+              <a:ext uri="{FF2B5EF4-FFF2-40B4-BE49-F238E27FC236}">
+                <a16:creationId xmlns:a16="http://schemas.microsoft.com/office/drawing/2014/main" id="{6C1EFFDF-EBD7-EB0D-858E-6A9FDCCB7837}"/>
+              </a:ext>
+            </a:extLst>
+          </p:cNvPr>
+          <p:cNvCxnSpPr>
+            <a:cxnSpLocks/>
+          </p:cNvCxnSpPr>
+          <p:nvPr/>
+        </p:nvCxnSpPr>
+        <p:spPr>
+          <a:xfrm>
+            <a:off x="935631" y="2240326"/>
+            <a:ext cx="8897344" cy="0"/>
+          </a:xfrm>
+          <a:prstGeom prst="straightConnector1">
+            <a:avLst/>
+          </a:prstGeom>
+          <a:ln w="19050">
+            <a:solidFill>
+              <a:srgbClr val="FF09A7"/>
+            </a:solidFill>
+            <a:headEnd type="triangle"/>
+            <a:tailEnd type="triangle"/>
+          </a:ln>
+        </p:spPr>
+        <p:style>
+          <a:lnRef idx="1">
+            <a:schemeClr val="accent1"/>
+          </a:lnRef>
+          <a:fillRef idx="0">
+            <a:schemeClr val="accent1"/>
+          </a:fillRef>
+          <a:effectRef idx="0">
+            <a:schemeClr val="accent1"/>
+          </a:effectRef>
+          <a:fontRef idx="minor">
+            <a:schemeClr val="tx1"/>
+          </a:fontRef>
+        </p:style>
+      </p:cxnSp>
+      <p:sp>
+        <p:nvSpPr>
+          <p:cNvPr id="7" name="TextBox 6">
+            <a:extLst>
+              <a:ext uri="{FF2B5EF4-FFF2-40B4-BE49-F238E27FC236}">
+                <a16:creationId xmlns:a16="http://schemas.microsoft.com/office/drawing/2014/main" id="{9D3B21FF-2930-786D-A555-D693875A834B}"/>
+              </a:ext>
+            </a:extLst>
+          </p:cNvPr>
+          <p:cNvSpPr txBox="1"/>
+          <p:nvPr/>
+        </p:nvSpPr>
+        <p:spPr>
+          <a:xfrm>
+            <a:off x="4638217" y="1956978"/>
+            <a:ext cx="1502806" cy="276999"/>
+          </a:xfrm>
+          <a:prstGeom prst="rect">
+            <a:avLst/>
+          </a:prstGeom>
+          <a:noFill/>
+        </p:spPr>
+        <p:txBody>
+          <a:bodyPr wrap="square" rtlCol="0">
+            <a:spAutoFit/>
+          </a:bodyPr>
+          <a:lstStyle/>
+          <a:p>
+            <a:r>
+              <a:rPr lang="en-US" sz="1200" dirty="0">
+                <a:solidFill>
+                  <a:srgbClr val="FF99FF"/>
+                </a:solidFill>
+              </a:rPr>
+              <a:t>length</a:t>
+            </a:r>
+          </a:p>
+        </p:txBody>
+      </p:sp>
+      <p:cxnSp>
+        <p:nvCxnSpPr>
+          <p:cNvPr id="8" name="Straight Connector 7">
+            <a:extLst>
+              <a:ext uri="{FF2B5EF4-FFF2-40B4-BE49-F238E27FC236}">
+                <a16:creationId xmlns:a16="http://schemas.microsoft.com/office/drawing/2014/main" id="{07291C08-A241-A959-FB05-CA872696C60D}"/>
+              </a:ext>
+            </a:extLst>
+          </p:cNvPr>
+          <p:cNvCxnSpPr>
+            <a:cxnSpLocks/>
+          </p:cNvCxnSpPr>
+          <p:nvPr/>
+        </p:nvCxnSpPr>
+        <p:spPr>
+          <a:xfrm>
+            <a:off x="944619" y="2246676"/>
+            <a:ext cx="0" cy="2592197"/>
+          </a:xfrm>
+          <a:prstGeom prst="line">
+            <a:avLst/>
+          </a:prstGeom>
+          <a:ln w="9525">
+            <a:solidFill>
+              <a:srgbClr val="FF09A7"/>
+            </a:solidFill>
+          </a:ln>
+        </p:spPr>
+        <p:style>
+          <a:lnRef idx="1">
+            <a:schemeClr val="accent1"/>
+          </a:lnRef>
+          <a:fillRef idx="0">
+            <a:schemeClr val="accent1"/>
+          </a:fillRef>
+          <a:effectRef idx="0">
+            <a:schemeClr val="accent1"/>
+          </a:effectRef>
+          <a:fontRef idx="minor">
+            <a:schemeClr val="tx1"/>
+          </a:fontRef>
+        </p:style>
+      </p:cxnSp>
+      <p:cxnSp>
+        <p:nvCxnSpPr>
+          <p:cNvPr id="11" name="Straight Connector 10">
+            <a:extLst>
+              <a:ext uri="{FF2B5EF4-FFF2-40B4-BE49-F238E27FC236}">
+                <a16:creationId xmlns:a16="http://schemas.microsoft.com/office/drawing/2014/main" id="{82F91949-BA44-BD35-1C7B-125B3C2335C8}"/>
+              </a:ext>
+            </a:extLst>
+          </p:cNvPr>
+          <p:cNvCxnSpPr>
+            <a:cxnSpLocks/>
+          </p:cNvCxnSpPr>
+          <p:nvPr/>
+        </p:nvCxnSpPr>
+        <p:spPr>
+          <a:xfrm>
+            <a:off x="9834619" y="2240326"/>
+            <a:ext cx="0" cy="2592197"/>
+          </a:xfrm>
+          <a:prstGeom prst="line">
+            <a:avLst/>
+          </a:prstGeom>
+          <a:ln w="9525">
+            <a:solidFill>
+              <a:srgbClr val="FF09A7"/>
+            </a:solidFill>
+          </a:ln>
+        </p:spPr>
+        <p:style>
+          <a:lnRef idx="1">
+            <a:schemeClr val="accent1"/>
+          </a:lnRef>
+          <a:fillRef idx="0">
+            <a:schemeClr val="accent1"/>
+          </a:fillRef>
+          <a:effectRef idx="0">
+            <a:schemeClr val="accent1"/>
+          </a:effectRef>
+          <a:fontRef idx="minor">
+            <a:schemeClr val="tx1"/>
+          </a:fontRef>
+        </p:style>
+      </p:cxnSp>
+      <p:cxnSp>
+        <p:nvCxnSpPr>
+          <p:cNvPr id="13" name="Straight Arrow Connector 12">
+            <a:extLst>
+              <a:ext uri="{FF2B5EF4-FFF2-40B4-BE49-F238E27FC236}">
+                <a16:creationId xmlns:a16="http://schemas.microsoft.com/office/drawing/2014/main" id="{C615B352-CDDC-9633-950B-9B3CFB9B49AC}"/>
+              </a:ext>
+            </a:extLst>
+          </p:cNvPr>
+          <p:cNvCxnSpPr>
+            <a:cxnSpLocks/>
+          </p:cNvCxnSpPr>
+          <p:nvPr/>
+        </p:nvCxnSpPr>
+        <p:spPr>
+          <a:xfrm flipH="1">
+            <a:off x="2841625" y="3054523"/>
+            <a:ext cx="0" cy="1784350"/>
+          </a:xfrm>
+          <a:prstGeom prst="straightConnector1">
+            <a:avLst/>
+          </a:prstGeom>
+          <a:ln w="19050">
+            <a:solidFill>
+              <a:srgbClr val="FF09A7"/>
+            </a:solidFill>
+            <a:headEnd type="triangle"/>
+            <a:tailEnd type="triangle"/>
+          </a:ln>
+        </p:spPr>
+        <p:style>
+          <a:lnRef idx="1">
+            <a:schemeClr val="accent1"/>
+          </a:lnRef>
+          <a:fillRef idx="0">
+            <a:schemeClr val="accent1"/>
+          </a:fillRef>
+          <a:effectRef idx="0">
+            <a:schemeClr val="accent1"/>
+          </a:effectRef>
+          <a:fontRef idx="minor">
+            <a:schemeClr val="tx1"/>
+          </a:fontRef>
+        </p:style>
+      </p:cxnSp>
+      <p:sp>
+        <p:nvSpPr>
+          <p:cNvPr id="19" name="TextBox 18">
+            <a:extLst>
+              <a:ext uri="{FF2B5EF4-FFF2-40B4-BE49-F238E27FC236}">
+                <a16:creationId xmlns:a16="http://schemas.microsoft.com/office/drawing/2014/main" id="{DF1604AE-8CA9-B984-AECB-577B60DAEFAE}"/>
+              </a:ext>
+            </a:extLst>
+          </p:cNvPr>
+          <p:cNvSpPr txBox="1"/>
+          <p:nvPr/>
+        </p:nvSpPr>
+        <p:spPr>
+          <a:xfrm>
+            <a:off x="2841080" y="3795723"/>
+            <a:ext cx="1502806" cy="276999"/>
+          </a:xfrm>
+          <a:prstGeom prst="rect">
+            <a:avLst/>
+          </a:prstGeom>
+          <a:noFill/>
+        </p:spPr>
+        <p:txBody>
+          <a:bodyPr wrap="square" rtlCol="0">
+            <a:spAutoFit/>
+          </a:bodyPr>
+          <a:lstStyle/>
+          <a:p>
+            <a:r>
+              <a:rPr lang="en-US" sz="1200" dirty="0">
+                <a:solidFill>
+                  <a:srgbClr val="FF99FF"/>
+                </a:solidFill>
+              </a:rPr>
+              <a:t>height</a:t>
+            </a:r>
+          </a:p>
+        </p:txBody>
+      </p:sp>
+      <p:sp>
+        <p:nvSpPr>
+          <p:cNvPr id="20" name="Arc 19">
+            <a:extLst>
+              <a:ext uri="{FF2B5EF4-FFF2-40B4-BE49-F238E27FC236}">
+                <a16:creationId xmlns:a16="http://schemas.microsoft.com/office/drawing/2014/main" id="{CCEC82B7-147B-18FC-E7E0-B5FC7BCF14ED}"/>
+              </a:ext>
+            </a:extLst>
+          </p:cNvPr>
+          <p:cNvSpPr/>
+          <p:nvPr/>
+        </p:nvSpPr>
+        <p:spPr>
+          <a:xfrm>
+            <a:off x="478431" y="4375323"/>
+            <a:ext cx="914400" cy="914400"/>
+          </a:xfrm>
+          <a:prstGeom prst="arc">
+            <a:avLst>
+              <a:gd name="adj1" fmla="val 18216814"/>
+              <a:gd name="adj2" fmla="val 0"/>
+            </a:avLst>
+          </a:prstGeom>
+          <a:ln w="9525">
+            <a:solidFill>
+              <a:srgbClr val="FF09A7"/>
+            </a:solidFill>
+          </a:ln>
+        </p:spPr>
+        <p:style>
+          <a:lnRef idx="1">
+            <a:schemeClr val="accent1"/>
+          </a:lnRef>
+          <a:fillRef idx="0">
+            <a:schemeClr val="accent1"/>
+          </a:fillRef>
+          <a:effectRef idx="0">
+            <a:schemeClr val="accent1"/>
+          </a:effectRef>
+          <a:fontRef idx="minor">
+            <a:schemeClr val="tx1"/>
+          </a:fontRef>
+        </p:style>
+        <p:txBody>
+          <a:bodyPr rtlCol="0" anchor="ctr"/>
+          <a:lstStyle/>
+          <a:p>
+            <a:pPr algn="ctr"/>
+            <a:endParaRPr lang="en-US" dirty="0"/>
+          </a:p>
+        </p:txBody>
+      </p:sp>
+      <p:sp>
+        <p:nvSpPr>
+          <p:cNvPr id="21" name="TextBox 20">
+            <a:extLst>
+              <a:ext uri="{FF2B5EF4-FFF2-40B4-BE49-F238E27FC236}">
+                <a16:creationId xmlns:a16="http://schemas.microsoft.com/office/drawing/2014/main" id="{0260FF8E-F99E-0B7C-E011-127815055F77}"/>
+              </a:ext>
+            </a:extLst>
+          </p:cNvPr>
+          <p:cNvSpPr txBox="1"/>
+          <p:nvPr/>
+        </p:nvSpPr>
+        <p:spPr>
+          <a:xfrm>
+            <a:off x="1337997" y="4395545"/>
+            <a:ext cx="1502806" cy="276999"/>
+          </a:xfrm>
+          <a:prstGeom prst="rect">
+            <a:avLst/>
+          </a:prstGeom>
+          <a:noFill/>
+        </p:spPr>
+        <p:txBody>
+          <a:bodyPr wrap="square" rtlCol="0">
+            <a:spAutoFit/>
+          </a:bodyPr>
+          <a:lstStyle/>
+          <a:p>
+            <a:r>
+              <a:rPr lang="en-US" sz="1200" dirty="0" err="1">
+                <a:solidFill>
+                  <a:srgbClr val="FF99FF"/>
+                </a:solidFill>
+              </a:rPr>
+              <a:t>taper_angle</a:t>
+            </a:r>
+            <a:endParaRPr lang="en-US" sz="1200" dirty="0">
+              <a:solidFill>
+                <a:srgbClr val="FF99FF"/>
+              </a:solidFill>
+            </a:endParaRPr>
+          </a:p>
+        </p:txBody>
+      </p:sp>
+      <p:sp>
+        <p:nvSpPr>
+          <p:cNvPr id="22" name="TextBox 21">
+            <a:extLst>
+              <a:ext uri="{FF2B5EF4-FFF2-40B4-BE49-F238E27FC236}">
+                <a16:creationId xmlns:a16="http://schemas.microsoft.com/office/drawing/2014/main" id="{10F239D6-F579-008B-210D-EB69136AE477}"/>
+              </a:ext>
+            </a:extLst>
+          </p:cNvPr>
+          <p:cNvSpPr txBox="1"/>
+          <p:nvPr/>
+        </p:nvSpPr>
+        <p:spPr>
+          <a:xfrm>
+            <a:off x="10439400" y="1800225"/>
+            <a:ext cx="1591764" cy="830997"/>
+          </a:xfrm>
+          <a:prstGeom prst="rect">
+            <a:avLst/>
+          </a:prstGeom>
+          <a:noFill/>
+        </p:spPr>
+        <p:txBody>
+          <a:bodyPr wrap="square" rtlCol="0">
+            <a:spAutoFit/>
+          </a:bodyPr>
+          <a:lstStyle/>
+          <a:p>
+            <a:r>
+              <a:rPr lang="en-US" sz="1200" dirty="0"/>
+              <a:t>Notes:</a:t>
+            </a:r>
+          </a:p>
+          <a:p>
+            <a:r>
+              <a:rPr lang="en-US" sz="1200" dirty="0"/>
+              <a:t>- The qubit notch shown has ‘</a:t>
+            </a:r>
+            <a:r>
+              <a:rPr lang="en-US" sz="1200" dirty="0" err="1"/>
+              <a:t>leftright</a:t>
+            </a:r>
+            <a:r>
+              <a:rPr lang="en-US" sz="1200" dirty="0"/>
+              <a:t>’ = ‘right’</a:t>
+            </a:r>
+          </a:p>
+        </p:txBody>
+      </p:sp>
+      <p:grpSp>
+        <p:nvGrpSpPr>
+          <p:cNvPr id="23" name="Group 22">
+            <a:extLst>
+              <a:ext uri="{FF2B5EF4-FFF2-40B4-BE49-F238E27FC236}">
+                <a16:creationId xmlns:a16="http://schemas.microsoft.com/office/drawing/2014/main" id="{E275B400-82B7-4516-0021-C0830CC391D8}"/>
+              </a:ext>
+            </a:extLst>
+          </p:cNvPr>
+          <p:cNvGrpSpPr/>
+          <p:nvPr/>
+        </p:nvGrpSpPr>
+        <p:grpSpPr>
+          <a:xfrm rot="16200000">
+            <a:off x="493538" y="5053231"/>
+            <a:ext cx="119919" cy="223398"/>
+            <a:chOff x="-501565" y="761326"/>
+            <a:chExt cx="621484" cy="1157769"/>
+          </a:xfrm>
+          <a:solidFill>
+            <a:srgbClr val="00FFFF"/>
+          </a:solidFill>
+        </p:grpSpPr>
+        <p:sp>
+          <p:nvSpPr>
+            <p:cNvPr id="24" name="Arrow: Up 23">
+              <a:extLst>
+                <a:ext uri="{FF2B5EF4-FFF2-40B4-BE49-F238E27FC236}">
+                  <a16:creationId xmlns:a16="http://schemas.microsoft.com/office/drawing/2014/main" id="{F9B03E20-D2FF-FE89-877C-0554F0FD7562}"/>
+                </a:ext>
+              </a:extLst>
+            </p:cNvPr>
+            <p:cNvSpPr/>
+            <p:nvPr/>
+          </p:nvSpPr>
+          <p:spPr>
+            <a:xfrm>
+              <a:off x="-433139" y="761326"/>
+              <a:ext cx="484632" cy="978408"/>
+            </a:xfrm>
+            <a:prstGeom prst="upArrow">
+              <a:avLst>
+                <a:gd name="adj1" fmla="val 29228"/>
+                <a:gd name="adj2" fmla="val 51731"/>
+              </a:avLst>
+            </a:prstGeom>
+            <a:grpFill/>
+            <a:ln>
+              <a:noFill/>
+            </a:ln>
+          </p:spPr>
+          <p:style>
+            <a:lnRef idx="2">
+              <a:schemeClr val="accent1">
+                <a:shade val="50000"/>
+              </a:schemeClr>
+            </a:lnRef>
+            <a:fillRef idx="1">
+              <a:schemeClr val="accent1"/>
+            </a:fillRef>
+            <a:effectRef idx="0">
+              <a:schemeClr val="accent1"/>
+            </a:effectRef>
+            <a:fontRef idx="minor">
+              <a:schemeClr val="lt1"/>
+            </a:fontRef>
+          </p:style>
+          <p:txBody>
+            <a:bodyPr rtlCol="0" anchor="ctr"/>
+            <a:lstStyle/>
+            <a:p>
+              <a:pPr algn="ctr"/>
+              <a:endParaRPr lang="en-US"/>
+            </a:p>
+          </p:txBody>
+        </p:sp>
+        <p:sp>
+          <p:nvSpPr>
+            <p:cNvPr id="25" name="Oval 24">
+              <a:extLst>
+                <a:ext uri="{FF2B5EF4-FFF2-40B4-BE49-F238E27FC236}">
+                  <a16:creationId xmlns:a16="http://schemas.microsoft.com/office/drawing/2014/main" id="{6D1E4656-E706-6799-70F0-DE72E442EDCF}"/>
+                </a:ext>
+              </a:extLst>
+            </p:cNvPr>
+            <p:cNvSpPr/>
+            <p:nvPr/>
+          </p:nvSpPr>
+          <p:spPr>
+            <a:xfrm>
+              <a:off x="-501565" y="1297611"/>
+              <a:ext cx="621484" cy="621484"/>
+            </a:xfrm>
+            <a:prstGeom prst="ellipse">
+              <a:avLst/>
+            </a:prstGeom>
+            <a:grpFill/>
+            <a:ln>
+              <a:noFill/>
+            </a:ln>
+          </p:spPr>
+          <p:style>
+            <a:lnRef idx="2">
+              <a:schemeClr val="accent1">
+                <a:shade val="50000"/>
+              </a:schemeClr>
+            </a:lnRef>
+            <a:fillRef idx="1">
+              <a:schemeClr val="accent1"/>
+            </a:fillRef>
+            <a:effectRef idx="0">
+              <a:schemeClr val="accent1"/>
+            </a:effectRef>
+            <a:fontRef idx="minor">
+              <a:schemeClr val="lt1"/>
+            </a:fontRef>
+          </p:style>
+          <p:txBody>
+            <a:bodyPr rtlCol="0" anchor="ctr"/>
+            <a:lstStyle/>
+            <a:p>
+              <a:pPr algn="ctr"/>
+              <a:endParaRPr lang="en-US"/>
+            </a:p>
+          </p:txBody>
+        </p:sp>
+      </p:grpSp>
+      <p:sp>
+        <p:nvSpPr>
+          <p:cNvPr id="26" name="TextBox 25">
+            <a:extLst>
+              <a:ext uri="{FF2B5EF4-FFF2-40B4-BE49-F238E27FC236}">
+                <a16:creationId xmlns:a16="http://schemas.microsoft.com/office/drawing/2014/main" id="{ABE1E625-33C1-6AB8-706D-3B3B732B7476}"/>
+              </a:ext>
+            </a:extLst>
+          </p:cNvPr>
+          <p:cNvSpPr txBox="1"/>
+          <p:nvPr/>
+        </p:nvSpPr>
+        <p:spPr>
+          <a:xfrm>
+            <a:off x="630588" y="5017837"/>
+            <a:ext cx="2400575" cy="276999"/>
+          </a:xfrm>
+          <a:prstGeom prst="rect">
+            <a:avLst/>
+          </a:prstGeom>
+          <a:noFill/>
+        </p:spPr>
+        <p:txBody>
+          <a:bodyPr wrap="square" rtlCol="0">
+            <a:spAutoFit/>
+          </a:bodyPr>
+          <a:lstStyle/>
+          <a:p>
+            <a:r>
+              <a:rPr lang="en-US" sz="1200" dirty="0" err="1">
+                <a:solidFill>
+                  <a:srgbClr val="CCFFFF"/>
+                </a:solidFill>
+              </a:rPr>
+              <a:t>refjunc</a:t>
+            </a:r>
+            <a:endParaRPr lang="en-US" sz="1200" dirty="0">
+              <a:solidFill>
+                <a:srgbClr val="CCFFFF"/>
+              </a:solidFill>
+            </a:endParaRPr>
+          </a:p>
+        </p:txBody>
+      </p:sp>
+      <p:cxnSp>
+        <p:nvCxnSpPr>
+          <p:cNvPr id="31" name="Straight Connector 30">
+            <a:extLst>
+              <a:ext uri="{FF2B5EF4-FFF2-40B4-BE49-F238E27FC236}">
+                <a16:creationId xmlns:a16="http://schemas.microsoft.com/office/drawing/2014/main" id="{F9D7DE14-0EDC-5B90-C7A6-5ACE3E668BC4}"/>
+              </a:ext>
+            </a:extLst>
+          </p:cNvPr>
+          <p:cNvCxnSpPr>
+            <a:cxnSpLocks/>
+          </p:cNvCxnSpPr>
+          <p:nvPr/>
+        </p:nvCxnSpPr>
+        <p:spPr>
+          <a:xfrm>
+            <a:off x="611244" y="2246676"/>
+            <a:ext cx="0" cy="2592197"/>
+          </a:xfrm>
+          <a:prstGeom prst="line">
+            <a:avLst/>
+          </a:prstGeom>
+          <a:ln w="9525">
+            <a:solidFill>
+              <a:srgbClr val="FF09A7"/>
+            </a:solidFill>
+          </a:ln>
+        </p:spPr>
+        <p:style>
+          <a:lnRef idx="1">
+            <a:schemeClr val="accent1"/>
+          </a:lnRef>
+          <a:fillRef idx="0">
+            <a:schemeClr val="accent1"/>
+          </a:fillRef>
+          <a:effectRef idx="0">
+            <a:schemeClr val="accent1"/>
+          </a:effectRef>
+          <a:fontRef idx="minor">
+            <a:schemeClr val="tx1"/>
+          </a:fontRef>
+        </p:style>
+      </p:cxnSp>
+      <p:cxnSp>
+        <p:nvCxnSpPr>
+          <p:cNvPr id="34" name="Straight Arrow Connector 33">
+            <a:extLst>
+              <a:ext uri="{FF2B5EF4-FFF2-40B4-BE49-F238E27FC236}">
+                <a16:creationId xmlns:a16="http://schemas.microsoft.com/office/drawing/2014/main" id="{927996CF-A35F-5821-C478-3B8C646D95FA}"/>
+              </a:ext>
+            </a:extLst>
+          </p:cNvPr>
+          <p:cNvCxnSpPr>
+            <a:cxnSpLocks/>
+          </p:cNvCxnSpPr>
+          <p:nvPr/>
+        </p:nvCxnSpPr>
+        <p:spPr>
+          <a:xfrm>
+            <a:off x="601720" y="2240327"/>
+            <a:ext cx="342899" cy="0"/>
+          </a:xfrm>
+          <a:prstGeom prst="straightConnector1">
+            <a:avLst/>
+          </a:prstGeom>
+          <a:ln w="19050">
+            <a:solidFill>
+              <a:srgbClr val="FF09A7"/>
+            </a:solidFill>
+            <a:headEnd type="triangle"/>
+            <a:tailEnd type="triangle"/>
+          </a:ln>
+        </p:spPr>
+        <p:style>
+          <a:lnRef idx="1">
+            <a:schemeClr val="accent1"/>
+          </a:lnRef>
+          <a:fillRef idx="0">
+            <a:schemeClr val="accent1"/>
+          </a:fillRef>
+          <a:effectRef idx="0">
+            <a:schemeClr val="accent1"/>
+          </a:effectRef>
+          <a:fontRef idx="minor">
+            <a:schemeClr val="tx1"/>
+          </a:fontRef>
+        </p:style>
+      </p:cxnSp>
+      <p:sp>
+        <p:nvSpPr>
+          <p:cNvPr id="40" name="TextBox 39">
+            <a:extLst>
+              <a:ext uri="{FF2B5EF4-FFF2-40B4-BE49-F238E27FC236}">
+                <a16:creationId xmlns:a16="http://schemas.microsoft.com/office/drawing/2014/main" id="{04A10C96-F2F7-A55A-3D01-C110C694F0E6}"/>
+              </a:ext>
+            </a:extLst>
+          </p:cNvPr>
+          <p:cNvSpPr txBox="1"/>
+          <p:nvPr/>
+        </p:nvSpPr>
+        <p:spPr>
+          <a:xfrm>
+            <a:off x="478431" y="1946765"/>
+            <a:ext cx="1502806" cy="276999"/>
+          </a:xfrm>
+          <a:prstGeom prst="rect">
+            <a:avLst/>
+          </a:prstGeom>
+          <a:noFill/>
+        </p:spPr>
+        <p:txBody>
+          <a:bodyPr wrap="square" rtlCol="0">
+            <a:spAutoFit/>
+          </a:bodyPr>
+          <a:lstStyle/>
+          <a:p>
+            <a:r>
+              <a:rPr lang="en-US" sz="1200" dirty="0">
+                <a:solidFill>
+                  <a:srgbClr val="FF99FF"/>
+                </a:solidFill>
+              </a:rPr>
+              <a:t>offset</a:t>
+            </a:r>
+          </a:p>
+        </p:txBody>
+      </p:sp>
+    </p:spTree>
+    <p:extLst>
+      <p:ext uri="{BB962C8B-B14F-4D97-AF65-F5344CB8AC3E}">
+        <p14:creationId xmlns:p14="http://schemas.microsoft.com/office/powerpoint/2010/main" val="1563457293"/>
+      </p:ext>
+    </p:extLst>
+  </p:cSld>
+  <p:clrMapOvr>
+    <a:masterClrMapping/>
+  </p:clrMapOvr>
+</p:sld>
+</file>
+
+<file path=ppt/slides/slide6.xml><?xml version="1.0" encoding="utf-8"?>
+<p:sld xmlns:a="http://schemas.openxmlformats.org/drawingml/2006/main" xmlns:r="http://schemas.openxmlformats.org/officeDocument/2006/relationships" xmlns:p="http://schemas.openxmlformats.org/presentationml/2006/main">
+  <p:cSld>
+    <p:spTree>
+      <p:nvGrpSpPr>
+        <p:cNvPr id="1" name=""/>
+        <p:cNvGrpSpPr/>
+        <p:nvPr/>
+      </p:nvGrpSpPr>
+      <p:grpSpPr>
+        <a:xfrm>
+          <a:off x="0" y="0"/>
+          <a:ext cx="0" cy="0"/>
+          <a:chOff x="0" y="0"/>
+          <a:chExt cx="0" cy="0"/>
+        </a:xfrm>
+      </p:grpSpPr>
+      <p:sp>
+        <p:nvSpPr>
+          <p:cNvPr id="2" name="Title 1">
+            <a:extLst>
+              <a:ext uri="{FF2B5EF4-FFF2-40B4-BE49-F238E27FC236}">
+                <a16:creationId xmlns:a16="http://schemas.microsoft.com/office/drawing/2014/main" id="{71B7646F-BD1B-E503-5535-D2313E2A5D99}"/>
+              </a:ext>
+            </a:extLst>
+          </p:cNvPr>
+          <p:cNvSpPr>
+            <a:spLocks noGrp="1"/>
+          </p:cNvSpPr>
+          <p:nvPr>
+            <p:ph type="title"/>
+          </p:nvPr>
+        </p:nvSpPr>
+        <p:spPr/>
+        <p:txBody>
+          <a:bodyPr/>
+          <a:lstStyle/>
+          <a:p>
+            <a:r>
+              <a:rPr lang="en-US" dirty="0" err="1"/>
+              <a:t>SawtoothQubit</a:t>
+            </a:r>
+            <a:r>
+              <a:rPr lang="en-US" dirty="0"/>
+              <a:t> - 1</a:t>
+            </a:r>
+          </a:p>
+        </p:txBody>
+      </p:sp>
+      <p:pic>
+        <p:nvPicPr>
+          <p:cNvPr id="5" name="Content Placeholder 4" descr="Graphical user interface, text, application&#10;&#10;Description automatically generated">
+            <a:extLst>
+              <a:ext uri="{FF2B5EF4-FFF2-40B4-BE49-F238E27FC236}">
+                <a16:creationId xmlns:a16="http://schemas.microsoft.com/office/drawing/2014/main" id="{FE3E7668-B73C-BAB6-EE75-203585203074}"/>
+              </a:ext>
+            </a:extLst>
+          </p:cNvPr>
+          <p:cNvPicPr>
+            <a:picLocks noGrp="1" noChangeAspect="1"/>
+          </p:cNvPicPr>
+          <p:nvPr>
+            <p:ph idx="1"/>
+          </p:nvPr>
+        </p:nvPicPr>
+        <p:blipFill rotWithShape="1">
+          <a:blip r:embed="rId2">
+            <a:extLst>
+              <a:ext uri="{28A0092B-C50C-407E-A947-70E740481C1C}">
+                <a14:useLocalDpi xmlns:a14="http://schemas.microsoft.com/office/drawing/2010/main" val="0"/>
+              </a:ext>
+            </a:extLst>
+          </a:blip>
+          <a:srcRect t="-7224" r="4913" b="-14162"/>
+          <a:stretch/>
+        </p:blipFill>
+        <p:spPr>
+          <a:xfrm>
+            <a:off x="105154" y="1548075"/>
+            <a:ext cx="10515600" cy="5146675"/>
+          </a:xfrm>
+        </p:spPr>
+      </p:pic>
+      <p:cxnSp>
+        <p:nvCxnSpPr>
+          <p:cNvPr id="8" name="Straight Arrow Connector 7">
+            <a:extLst>
+              <a:ext uri="{FF2B5EF4-FFF2-40B4-BE49-F238E27FC236}">
+                <a16:creationId xmlns:a16="http://schemas.microsoft.com/office/drawing/2014/main" id="{D877A87E-56E6-C2AB-DBB5-24478651BD67}"/>
+              </a:ext>
+            </a:extLst>
+          </p:cNvPr>
+          <p:cNvCxnSpPr>
+            <a:cxnSpLocks/>
+          </p:cNvCxnSpPr>
+          <p:nvPr/>
+        </p:nvCxnSpPr>
+        <p:spPr>
+          <a:xfrm>
+            <a:off x="1346692" y="2340993"/>
+            <a:ext cx="8449711" cy="0"/>
+          </a:xfrm>
+          <a:prstGeom prst="straightConnector1">
+            <a:avLst/>
+          </a:prstGeom>
+          <a:ln w="19050">
+            <a:solidFill>
+              <a:srgbClr val="FF09A7"/>
+            </a:solidFill>
+            <a:headEnd type="triangle"/>
+            <a:tailEnd type="triangle"/>
+          </a:ln>
+        </p:spPr>
+        <p:style>
+          <a:lnRef idx="1">
+            <a:schemeClr val="accent1"/>
+          </a:lnRef>
+          <a:fillRef idx="0">
+            <a:schemeClr val="accent1"/>
+          </a:fillRef>
+          <a:effectRef idx="0">
+            <a:schemeClr val="accent1"/>
+          </a:effectRef>
+          <a:fontRef idx="minor">
+            <a:schemeClr val="tx1"/>
+          </a:fontRef>
+        </p:style>
+      </p:cxnSp>
+      <p:sp>
+        <p:nvSpPr>
+          <p:cNvPr id="9" name="TextBox 8">
+            <a:extLst>
+              <a:ext uri="{FF2B5EF4-FFF2-40B4-BE49-F238E27FC236}">
+                <a16:creationId xmlns:a16="http://schemas.microsoft.com/office/drawing/2014/main" id="{9148EA71-E7D8-29B5-390A-14BC44E2E48C}"/>
+              </a:ext>
+            </a:extLst>
+          </p:cNvPr>
+          <p:cNvSpPr txBox="1"/>
+          <p:nvPr/>
+        </p:nvSpPr>
+        <p:spPr>
+          <a:xfrm>
+            <a:off x="5049278" y="2057645"/>
+            <a:ext cx="1502806" cy="276999"/>
+          </a:xfrm>
+          <a:prstGeom prst="rect">
+            <a:avLst/>
+          </a:prstGeom>
+          <a:noFill/>
+        </p:spPr>
+        <p:txBody>
+          <a:bodyPr wrap="square" rtlCol="0">
+            <a:spAutoFit/>
+          </a:bodyPr>
+          <a:lstStyle/>
+          <a:p>
+            <a:r>
+              <a:rPr lang="en-US" sz="1200" dirty="0" err="1">
+                <a:solidFill>
+                  <a:srgbClr val="FF99FF"/>
+                </a:solidFill>
+              </a:rPr>
+              <a:t>paddle_length</a:t>
+            </a:r>
+            <a:endParaRPr lang="en-US" sz="1200" dirty="0">
+              <a:solidFill>
+                <a:srgbClr val="FF99FF"/>
+              </a:solidFill>
+            </a:endParaRPr>
+          </a:p>
+        </p:txBody>
+      </p:sp>
+      <p:cxnSp>
+        <p:nvCxnSpPr>
+          <p:cNvPr id="10" name="Straight Connector 9">
+            <a:extLst>
+              <a:ext uri="{FF2B5EF4-FFF2-40B4-BE49-F238E27FC236}">
+                <a16:creationId xmlns:a16="http://schemas.microsoft.com/office/drawing/2014/main" id="{82F4A772-C0CC-9AE3-2D90-7186F06EFF0D}"/>
+              </a:ext>
+            </a:extLst>
+          </p:cNvPr>
+          <p:cNvCxnSpPr>
+            <a:cxnSpLocks/>
+          </p:cNvCxnSpPr>
+          <p:nvPr/>
+        </p:nvCxnSpPr>
+        <p:spPr>
+          <a:xfrm>
+            <a:off x="1355680" y="2347343"/>
+            <a:ext cx="0" cy="1217978"/>
+          </a:xfrm>
+          <a:prstGeom prst="line">
+            <a:avLst/>
+          </a:prstGeom>
+          <a:ln w="9525">
+            <a:solidFill>
+              <a:srgbClr val="FF09A7"/>
+            </a:solidFill>
+          </a:ln>
+        </p:spPr>
+        <p:style>
+          <a:lnRef idx="1">
+            <a:schemeClr val="accent1"/>
+          </a:lnRef>
+          <a:fillRef idx="0">
+            <a:schemeClr val="accent1"/>
+          </a:fillRef>
+          <a:effectRef idx="0">
+            <a:schemeClr val="accent1"/>
+          </a:effectRef>
+          <a:fontRef idx="minor">
+            <a:schemeClr val="tx1"/>
+          </a:fontRef>
+        </p:style>
+      </p:cxnSp>
+      <p:cxnSp>
+        <p:nvCxnSpPr>
+          <p:cNvPr id="19" name="Straight Connector 18">
+            <a:extLst>
+              <a:ext uri="{FF2B5EF4-FFF2-40B4-BE49-F238E27FC236}">
+                <a16:creationId xmlns:a16="http://schemas.microsoft.com/office/drawing/2014/main" id="{F14EEE6A-9340-3E57-575F-C7F7DE679C91}"/>
+              </a:ext>
+            </a:extLst>
+          </p:cNvPr>
+          <p:cNvCxnSpPr>
+            <a:cxnSpLocks/>
+          </p:cNvCxnSpPr>
+          <p:nvPr/>
+        </p:nvCxnSpPr>
+        <p:spPr>
+          <a:xfrm>
+            <a:off x="9798785" y="2336006"/>
+            <a:ext cx="0" cy="1211853"/>
+          </a:xfrm>
+          <a:prstGeom prst="line">
+            <a:avLst/>
+          </a:prstGeom>
+          <a:ln w="9525">
+            <a:solidFill>
+              <a:srgbClr val="FF09A7"/>
+            </a:solidFill>
+          </a:ln>
+        </p:spPr>
+        <p:style>
+          <a:lnRef idx="1">
+            <a:schemeClr val="accent1"/>
+          </a:lnRef>
+          <a:fillRef idx="0">
+            <a:schemeClr val="accent1"/>
+          </a:fillRef>
+          <a:effectRef idx="0">
+            <a:schemeClr val="accent1"/>
+          </a:effectRef>
+          <a:fontRef idx="minor">
+            <a:schemeClr val="tx1"/>
+          </a:fontRef>
+        </p:style>
+      </p:cxnSp>
+      <p:sp>
+        <p:nvSpPr>
+          <p:cNvPr id="21" name="TextBox 20">
+            <a:extLst>
+              <a:ext uri="{FF2B5EF4-FFF2-40B4-BE49-F238E27FC236}">
+                <a16:creationId xmlns:a16="http://schemas.microsoft.com/office/drawing/2014/main" id="{6ED0E83B-BCD8-660C-F1F9-FA4010896332}"/>
+              </a:ext>
+            </a:extLst>
+          </p:cNvPr>
+          <p:cNvSpPr txBox="1"/>
+          <p:nvPr/>
+        </p:nvSpPr>
+        <p:spPr>
+          <a:xfrm>
+            <a:off x="10710180" y="1872979"/>
+            <a:ext cx="1376666" cy="830997"/>
+          </a:xfrm>
+          <a:prstGeom prst="rect">
+            <a:avLst/>
+          </a:prstGeom>
+          <a:noFill/>
+        </p:spPr>
+        <p:txBody>
+          <a:bodyPr wrap="square" rtlCol="0">
+            <a:spAutoFit/>
+          </a:bodyPr>
+          <a:lstStyle/>
+          <a:p>
+            <a:r>
+              <a:rPr lang="en-US" sz="1200" dirty="0"/>
+              <a:t>Notes:</a:t>
+            </a:r>
+          </a:p>
+          <a:p>
+            <a:pPr marL="171450" indent="-171450">
+              <a:buFontTx/>
+              <a:buChar char="-"/>
+            </a:pPr>
+            <a:r>
+              <a:rPr lang="en-US" sz="1200" dirty="0"/>
+              <a:t>The qubit drawn has ‘</a:t>
+            </a:r>
+            <a:r>
+              <a:rPr lang="en-US" sz="1200" dirty="0" err="1"/>
+              <a:t>updown</a:t>
+            </a:r>
+            <a:r>
+              <a:rPr lang="en-US" sz="1200" dirty="0"/>
+              <a:t>’: ‘up’</a:t>
+            </a:r>
+          </a:p>
+        </p:txBody>
+      </p:sp>
+      <p:cxnSp>
+        <p:nvCxnSpPr>
+          <p:cNvPr id="22" name="Straight Connector 21">
+            <a:extLst>
+              <a:ext uri="{FF2B5EF4-FFF2-40B4-BE49-F238E27FC236}">
+                <a16:creationId xmlns:a16="http://schemas.microsoft.com/office/drawing/2014/main" id="{DFF6FF88-3CED-5904-A96A-2E2A8B223D55}"/>
+              </a:ext>
+            </a:extLst>
+          </p:cNvPr>
+          <p:cNvCxnSpPr>
+            <a:cxnSpLocks/>
+          </p:cNvCxnSpPr>
+          <p:nvPr/>
+        </p:nvCxnSpPr>
+        <p:spPr>
+          <a:xfrm>
+            <a:off x="1206077" y="2340528"/>
+            <a:ext cx="0" cy="1056327"/>
+          </a:xfrm>
+          <a:prstGeom prst="line">
+            <a:avLst/>
+          </a:prstGeom>
+          <a:ln w="9525">
+            <a:solidFill>
+              <a:srgbClr val="FF09A7"/>
+            </a:solidFill>
+          </a:ln>
+        </p:spPr>
+        <p:style>
+          <a:lnRef idx="1">
+            <a:schemeClr val="accent1"/>
+          </a:lnRef>
+          <a:fillRef idx="0">
+            <a:schemeClr val="accent1"/>
+          </a:fillRef>
+          <a:effectRef idx="0">
+            <a:schemeClr val="accent1"/>
+          </a:effectRef>
+          <a:fontRef idx="minor">
+            <a:schemeClr val="tx1"/>
+          </a:fontRef>
+        </p:style>
+      </p:cxnSp>
+      <p:cxnSp>
+        <p:nvCxnSpPr>
+          <p:cNvPr id="25" name="Straight Arrow Connector 24">
+            <a:extLst>
+              <a:ext uri="{FF2B5EF4-FFF2-40B4-BE49-F238E27FC236}">
+                <a16:creationId xmlns:a16="http://schemas.microsoft.com/office/drawing/2014/main" id="{AF9C5BFE-C91C-3A88-0C90-19D902028E69}"/>
+              </a:ext>
+            </a:extLst>
+          </p:cNvPr>
+          <p:cNvCxnSpPr>
+            <a:cxnSpLocks/>
+          </p:cNvCxnSpPr>
+          <p:nvPr/>
+        </p:nvCxnSpPr>
+        <p:spPr>
+          <a:xfrm>
+            <a:off x="1203325" y="2338546"/>
+            <a:ext cx="163642" cy="0"/>
+          </a:xfrm>
+          <a:prstGeom prst="straightConnector1">
+            <a:avLst/>
+          </a:prstGeom>
+          <a:ln w="19050">
+            <a:solidFill>
+              <a:srgbClr val="FF09A7"/>
+            </a:solidFill>
+            <a:headEnd type="triangle"/>
+            <a:tailEnd type="triangle"/>
+          </a:ln>
+        </p:spPr>
+        <p:style>
+          <a:lnRef idx="1">
+            <a:schemeClr val="accent1"/>
+          </a:lnRef>
+          <a:fillRef idx="0">
+            <a:schemeClr val="accent1"/>
+          </a:fillRef>
+          <a:effectRef idx="0">
+            <a:schemeClr val="accent1"/>
+          </a:effectRef>
+          <a:fontRef idx="minor">
+            <a:schemeClr val="tx1"/>
+          </a:fontRef>
+        </p:style>
+      </p:cxnSp>
+      <p:sp>
+        <p:nvSpPr>
+          <p:cNvPr id="28" name="TextBox 27">
+            <a:extLst>
+              <a:ext uri="{FF2B5EF4-FFF2-40B4-BE49-F238E27FC236}">
+                <a16:creationId xmlns:a16="http://schemas.microsoft.com/office/drawing/2014/main" id="{7E98035C-FCB3-BB75-19E7-39116510629B}"/>
+              </a:ext>
+            </a:extLst>
+          </p:cNvPr>
+          <p:cNvSpPr txBox="1"/>
+          <p:nvPr/>
+        </p:nvSpPr>
+        <p:spPr>
+          <a:xfrm>
+            <a:off x="793342" y="2011478"/>
+            <a:ext cx="1502806" cy="276999"/>
+          </a:xfrm>
+          <a:prstGeom prst="rect">
+            <a:avLst/>
+          </a:prstGeom>
+          <a:noFill/>
+        </p:spPr>
+        <p:txBody>
+          <a:bodyPr wrap="square" rtlCol="0">
+            <a:spAutoFit/>
+          </a:bodyPr>
+          <a:lstStyle/>
+          <a:p>
+            <a:r>
+              <a:rPr lang="en-US" sz="1200" dirty="0" err="1">
+                <a:solidFill>
+                  <a:srgbClr val="FF99FF"/>
+                </a:solidFill>
+              </a:rPr>
+              <a:t>h_padding</a:t>
+            </a:r>
+            <a:endParaRPr lang="en-US" sz="1200" dirty="0">
+              <a:solidFill>
+                <a:srgbClr val="FF99FF"/>
+              </a:solidFill>
+            </a:endParaRPr>
+          </a:p>
+        </p:txBody>
+      </p:sp>
+      <p:cxnSp>
+        <p:nvCxnSpPr>
+          <p:cNvPr id="29" name="Straight Connector 28">
+            <a:extLst>
+              <a:ext uri="{FF2B5EF4-FFF2-40B4-BE49-F238E27FC236}">
+                <a16:creationId xmlns:a16="http://schemas.microsoft.com/office/drawing/2014/main" id="{3B51A5D6-E4F0-6F15-BF68-AEC333CF4069}"/>
+              </a:ext>
+            </a:extLst>
+          </p:cNvPr>
+          <p:cNvCxnSpPr>
+            <a:cxnSpLocks/>
+          </p:cNvCxnSpPr>
+          <p:nvPr/>
+        </p:nvCxnSpPr>
+        <p:spPr>
+          <a:xfrm>
+            <a:off x="342210" y="3398557"/>
+            <a:ext cx="861115" cy="0"/>
+          </a:xfrm>
+          <a:prstGeom prst="line">
+            <a:avLst/>
+          </a:prstGeom>
+          <a:ln w="9525">
+            <a:solidFill>
+              <a:srgbClr val="FF09A7"/>
+            </a:solidFill>
+          </a:ln>
+        </p:spPr>
+        <p:style>
+          <a:lnRef idx="1">
+            <a:schemeClr val="accent1"/>
+          </a:lnRef>
+          <a:fillRef idx="0">
+            <a:schemeClr val="accent1"/>
+          </a:fillRef>
+          <a:effectRef idx="0">
+            <a:schemeClr val="accent1"/>
+          </a:effectRef>
+          <a:fontRef idx="minor">
+            <a:schemeClr val="tx1"/>
+          </a:fontRef>
+        </p:style>
+      </p:cxnSp>
+      <p:cxnSp>
+        <p:nvCxnSpPr>
+          <p:cNvPr id="32" name="Straight Connector 31">
+            <a:extLst>
+              <a:ext uri="{FF2B5EF4-FFF2-40B4-BE49-F238E27FC236}">
+                <a16:creationId xmlns:a16="http://schemas.microsoft.com/office/drawing/2014/main" id="{B12CCC50-59CA-2880-36B9-DECD07855358}"/>
+              </a:ext>
+            </a:extLst>
+          </p:cNvPr>
+          <p:cNvCxnSpPr>
+            <a:cxnSpLocks/>
+          </p:cNvCxnSpPr>
+          <p:nvPr/>
+        </p:nvCxnSpPr>
+        <p:spPr>
+          <a:xfrm>
+            <a:off x="342210" y="3547859"/>
+            <a:ext cx="1014007" cy="0"/>
+          </a:xfrm>
+          <a:prstGeom prst="line">
+            <a:avLst/>
+          </a:prstGeom>
+          <a:ln w="9525">
+            <a:solidFill>
+              <a:srgbClr val="FF09A7"/>
+            </a:solidFill>
+          </a:ln>
+        </p:spPr>
+        <p:style>
+          <a:lnRef idx="1">
+            <a:schemeClr val="accent1"/>
+          </a:lnRef>
+          <a:fillRef idx="0">
+            <a:schemeClr val="accent1"/>
+          </a:fillRef>
+          <a:effectRef idx="0">
+            <a:schemeClr val="accent1"/>
+          </a:effectRef>
+          <a:fontRef idx="minor">
+            <a:schemeClr val="tx1"/>
+          </a:fontRef>
+        </p:style>
+      </p:cxnSp>
+      <p:cxnSp>
+        <p:nvCxnSpPr>
+          <p:cNvPr id="34" name="Straight Arrow Connector 33">
+            <a:extLst>
+              <a:ext uri="{FF2B5EF4-FFF2-40B4-BE49-F238E27FC236}">
+                <a16:creationId xmlns:a16="http://schemas.microsoft.com/office/drawing/2014/main" id="{1839A093-49C5-D086-F703-3F7E17BA3C4F}"/>
+              </a:ext>
+            </a:extLst>
+          </p:cNvPr>
+          <p:cNvCxnSpPr>
+            <a:cxnSpLocks/>
+          </p:cNvCxnSpPr>
+          <p:nvPr/>
+        </p:nvCxnSpPr>
+        <p:spPr>
+          <a:xfrm flipV="1">
+            <a:off x="342210" y="3382364"/>
+            <a:ext cx="0" cy="165495"/>
+          </a:xfrm>
+          <a:prstGeom prst="straightConnector1">
+            <a:avLst/>
+          </a:prstGeom>
+          <a:ln w="19050">
+            <a:solidFill>
+              <a:srgbClr val="FF09A7"/>
+            </a:solidFill>
+            <a:headEnd type="triangle"/>
+            <a:tailEnd type="triangle"/>
+          </a:ln>
+        </p:spPr>
+        <p:style>
+          <a:lnRef idx="1">
+            <a:schemeClr val="accent1"/>
+          </a:lnRef>
+          <a:fillRef idx="0">
+            <a:schemeClr val="accent1"/>
+          </a:fillRef>
+          <a:effectRef idx="0">
+            <a:schemeClr val="accent1"/>
+          </a:effectRef>
+          <a:fontRef idx="minor">
+            <a:schemeClr val="tx1"/>
+          </a:fontRef>
+        </p:style>
+      </p:cxnSp>
+      <p:sp>
+        <p:nvSpPr>
+          <p:cNvPr id="39" name="TextBox 38">
+            <a:extLst>
+              <a:ext uri="{FF2B5EF4-FFF2-40B4-BE49-F238E27FC236}">
+                <a16:creationId xmlns:a16="http://schemas.microsoft.com/office/drawing/2014/main" id="{FBD26C5A-22EF-3711-B783-694FE57DFFC9}"/>
+              </a:ext>
+            </a:extLst>
+          </p:cNvPr>
+          <p:cNvSpPr txBox="1"/>
+          <p:nvPr/>
+        </p:nvSpPr>
+        <p:spPr>
+          <a:xfrm rot="16200000">
+            <a:off x="-547693" y="3044576"/>
+            <a:ext cx="1502806" cy="276999"/>
+          </a:xfrm>
+          <a:prstGeom prst="rect">
+            <a:avLst/>
+          </a:prstGeom>
+          <a:noFill/>
+        </p:spPr>
+        <p:txBody>
+          <a:bodyPr wrap="square" rtlCol="0">
+            <a:spAutoFit/>
+          </a:bodyPr>
+          <a:lstStyle/>
+          <a:p>
+            <a:r>
+              <a:rPr lang="en-US" sz="1200" dirty="0" err="1">
+                <a:solidFill>
+                  <a:srgbClr val="FF99FF"/>
+                </a:solidFill>
+              </a:rPr>
+              <a:t>v_padding</a:t>
+            </a:r>
+            <a:endParaRPr lang="en-US" sz="1200" dirty="0">
+              <a:solidFill>
+                <a:srgbClr val="FF99FF"/>
+              </a:solidFill>
+            </a:endParaRPr>
+          </a:p>
+        </p:txBody>
+      </p:sp>
+      <p:cxnSp>
+        <p:nvCxnSpPr>
+          <p:cNvPr id="40" name="Straight Connector 39">
+            <a:extLst>
+              <a:ext uri="{FF2B5EF4-FFF2-40B4-BE49-F238E27FC236}">
+                <a16:creationId xmlns:a16="http://schemas.microsoft.com/office/drawing/2014/main" id="{F05A9801-1EFC-A9B9-FFF6-873DDA6E9D3A}"/>
+              </a:ext>
+            </a:extLst>
+          </p:cNvPr>
+          <p:cNvCxnSpPr>
+            <a:cxnSpLocks/>
+          </p:cNvCxnSpPr>
+          <p:nvPr/>
+        </p:nvCxnSpPr>
+        <p:spPr>
+          <a:xfrm>
+            <a:off x="728768" y="4109757"/>
+            <a:ext cx="626957" cy="0"/>
+          </a:xfrm>
+          <a:prstGeom prst="line">
+            <a:avLst/>
+          </a:prstGeom>
+          <a:ln w="9525">
+            <a:solidFill>
+              <a:srgbClr val="FF09A7"/>
+            </a:solidFill>
+          </a:ln>
+        </p:spPr>
+        <p:style>
+          <a:lnRef idx="1">
+            <a:schemeClr val="accent1"/>
+          </a:lnRef>
+          <a:fillRef idx="0">
+            <a:schemeClr val="accent1"/>
+          </a:fillRef>
+          <a:effectRef idx="0">
+            <a:schemeClr val="accent1"/>
+          </a:effectRef>
+          <a:fontRef idx="minor">
+            <a:schemeClr val="tx1"/>
+          </a:fontRef>
+        </p:style>
+      </p:cxnSp>
+      <p:cxnSp>
+        <p:nvCxnSpPr>
+          <p:cNvPr id="41" name="Straight Connector 40">
+            <a:extLst>
+              <a:ext uri="{FF2B5EF4-FFF2-40B4-BE49-F238E27FC236}">
+                <a16:creationId xmlns:a16="http://schemas.microsoft.com/office/drawing/2014/main" id="{2FE80E85-6101-2F5F-25BB-3662D92E9643}"/>
+              </a:ext>
+            </a:extLst>
+          </p:cNvPr>
+          <p:cNvCxnSpPr>
+            <a:cxnSpLocks/>
+          </p:cNvCxnSpPr>
+          <p:nvPr/>
+        </p:nvCxnSpPr>
+        <p:spPr>
+          <a:xfrm>
+            <a:off x="728768" y="3770109"/>
+            <a:ext cx="735399" cy="0"/>
+          </a:xfrm>
+          <a:prstGeom prst="line">
+            <a:avLst/>
+          </a:prstGeom>
+          <a:ln w="9525">
+            <a:solidFill>
+              <a:srgbClr val="FF09A7"/>
+            </a:solidFill>
+          </a:ln>
+        </p:spPr>
+        <p:style>
+          <a:lnRef idx="1">
+            <a:schemeClr val="accent1"/>
+          </a:lnRef>
+          <a:fillRef idx="0">
+            <a:schemeClr val="accent1"/>
+          </a:fillRef>
+          <a:effectRef idx="0">
+            <a:schemeClr val="accent1"/>
+          </a:effectRef>
+          <a:fontRef idx="minor">
+            <a:schemeClr val="tx1"/>
+          </a:fontRef>
+        </p:style>
+      </p:cxnSp>
+      <p:cxnSp>
+        <p:nvCxnSpPr>
+          <p:cNvPr id="43" name="Straight Arrow Connector 42">
+            <a:extLst>
+              <a:ext uri="{FF2B5EF4-FFF2-40B4-BE49-F238E27FC236}">
+                <a16:creationId xmlns:a16="http://schemas.microsoft.com/office/drawing/2014/main" id="{950AB8F1-3B72-4E29-B4AA-20A8CD965A89}"/>
+              </a:ext>
+            </a:extLst>
+          </p:cNvPr>
+          <p:cNvCxnSpPr>
+            <a:cxnSpLocks/>
+          </p:cNvCxnSpPr>
+          <p:nvPr/>
+        </p:nvCxnSpPr>
+        <p:spPr>
+          <a:xfrm flipV="1">
+            <a:off x="728768" y="3759200"/>
+            <a:ext cx="0" cy="350557"/>
+          </a:xfrm>
+          <a:prstGeom prst="straightConnector1">
+            <a:avLst/>
+          </a:prstGeom>
+          <a:ln w="19050">
+            <a:solidFill>
+              <a:srgbClr val="FF09A7"/>
+            </a:solidFill>
+            <a:headEnd type="triangle"/>
+            <a:tailEnd type="triangle"/>
+          </a:ln>
+        </p:spPr>
+        <p:style>
+          <a:lnRef idx="1">
+            <a:schemeClr val="accent1"/>
+          </a:lnRef>
+          <a:fillRef idx="0">
+            <a:schemeClr val="accent1"/>
+          </a:fillRef>
+          <a:effectRef idx="0">
+            <a:schemeClr val="accent1"/>
+          </a:effectRef>
+          <a:fontRef idx="minor">
+            <a:schemeClr val="tx1"/>
+          </a:fontRef>
+        </p:style>
+      </p:cxnSp>
+      <p:sp>
+        <p:nvSpPr>
+          <p:cNvPr id="45" name="TextBox 44">
+            <a:extLst>
+              <a:ext uri="{FF2B5EF4-FFF2-40B4-BE49-F238E27FC236}">
+                <a16:creationId xmlns:a16="http://schemas.microsoft.com/office/drawing/2014/main" id="{AB20041F-9C82-8AD2-221D-EBB997E24E57}"/>
+              </a:ext>
+            </a:extLst>
+          </p:cNvPr>
+          <p:cNvSpPr txBox="1"/>
+          <p:nvPr/>
+        </p:nvSpPr>
+        <p:spPr>
+          <a:xfrm rot="16200000">
+            <a:off x="130531" y="3789670"/>
+            <a:ext cx="937455" cy="276999"/>
+          </a:xfrm>
+          <a:prstGeom prst="rect">
+            <a:avLst/>
+          </a:prstGeom>
+          <a:noFill/>
+        </p:spPr>
+        <p:txBody>
+          <a:bodyPr wrap="square" rtlCol="0">
+            <a:spAutoFit/>
+          </a:bodyPr>
+          <a:lstStyle/>
+          <a:p>
+            <a:r>
+              <a:rPr lang="en-US" sz="1200" dirty="0" err="1">
+                <a:solidFill>
+                  <a:srgbClr val="FF99FF"/>
+                </a:solidFill>
+              </a:rPr>
+              <a:t>paddle_gap</a:t>
+            </a:r>
+            <a:endParaRPr lang="en-US" sz="1200" dirty="0">
+              <a:solidFill>
+                <a:srgbClr val="FF99FF"/>
+              </a:solidFill>
+            </a:endParaRPr>
+          </a:p>
+        </p:txBody>
+      </p:sp>
+    </p:spTree>
+    <p:extLst>
+      <p:ext uri="{BB962C8B-B14F-4D97-AF65-F5344CB8AC3E}">
+        <p14:creationId xmlns:p14="http://schemas.microsoft.com/office/powerpoint/2010/main" val="2375725415"/>
+      </p:ext>
+    </p:extLst>
+  </p:cSld>
+  <p:clrMapOvr>
+    <a:masterClrMapping/>
+  </p:clrMapOvr>
+</p:sld>
+</file>
+
+<file path=ppt/slides/slide7.xml><?xml version="1.0" encoding="utf-8"?>
+<p:sld xmlns:a="http://schemas.openxmlformats.org/drawingml/2006/main" xmlns:r="http://schemas.openxmlformats.org/officeDocument/2006/relationships" xmlns:p="http://schemas.openxmlformats.org/presentationml/2006/main">
+  <p:cSld>
+    <p:spTree>
+      <p:nvGrpSpPr>
+        <p:cNvPr id="1" name=""/>
+        <p:cNvGrpSpPr/>
+        <p:nvPr/>
+      </p:nvGrpSpPr>
+      <p:grpSpPr>
+        <a:xfrm>
+          <a:off x="0" y="0"/>
+          <a:ext cx="0" cy="0"/>
+          <a:chOff x="0" y="0"/>
+          <a:chExt cx="0" cy="0"/>
+        </a:xfrm>
+      </p:grpSpPr>
+      <p:sp>
+        <p:nvSpPr>
+          <p:cNvPr id="2" name="Title 1">
+            <a:extLst>
+              <a:ext uri="{FF2B5EF4-FFF2-40B4-BE49-F238E27FC236}">
+                <a16:creationId xmlns:a16="http://schemas.microsoft.com/office/drawing/2014/main" id="{151BC5C1-52B8-F219-489A-3C1C44E1CEBD}"/>
+              </a:ext>
+            </a:extLst>
+          </p:cNvPr>
+          <p:cNvSpPr>
+            <a:spLocks noGrp="1"/>
+          </p:cNvSpPr>
+          <p:nvPr>
+            <p:ph type="title"/>
+          </p:nvPr>
+        </p:nvSpPr>
+        <p:spPr/>
+        <p:txBody>
+          <a:bodyPr/>
+          <a:lstStyle/>
+          <a:p>
+            <a:r>
+              <a:rPr lang="en-US" dirty="0" err="1"/>
+              <a:t>SawtoothQubit</a:t>
+            </a:r>
+            <a:r>
+              <a:rPr lang="en-US" dirty="0"/>
+              <a:t> - 2</a:t>
+            </a:r>
+          </a:p>
+        </p:txBody>
+      </p:sp>
+      <p:pic>
+        <p:nvPicPr>
+          <p:cNvPr id="5" name="Content Placeholder 4" descr="A picture containing text, night sky&#10;&#10;Description automatically generated">
+            <a:extLst>
+              <a:ext uri="{FF2B5EF4-FFF2-40B4-BE49-F238E27FC236}">
+                <a16:creationId xmlns:a16="http://schemas.microsoft.com/office/drawing/2014/main" id="{73584527-1A1E-760B-0271-DD0B46C0439B}"/>
+              </a:ext>
+            </a:extLst>
+          </p:cNvPr>
+          <p:cNvPicPr>
+            <a:picLocks noGrp="1" noChangeAspect="1"/>
+          </p:cNvPicPr>
+          <p:nvPr>
+            <p:ph idx="1"/>
+          </p:nvPr>
+        </p:nvPicPr>
+        <p:blipFill rotWithShape="1">
+          <a:blip r:embed="rId2">
+            <a:extLst>
+              <a:ext uri="{28A0092B-C50C-407E-A947-70E740481C1C}">
+                <a14:useLocalDpi xmlns:a14="http://schemas.microsoft.com/office/drawing/2010/main" val="0"/>
+              </a:ext>
+            </a:extLst>
+          </a:blip>
+          <a:srcRect l="130" t="2605" r="8298" b="36683"/>
+          <a:stretch/>
+        </p:blipFill>
+        <p:spPr>
+          <a:xfrm>
+            <a:off x="293613" y="1690688"/>
+            <a:ext cx="9722841" cy="4676556"/>
+          </a:xfrm>
+        </p:spPr>
+      </p:pic>
+      <p:cxnSp>
+        <p:nvCxnSpPr>
+          <p:cNvPr id="8" name="Straight Arrow Connector 7">
+            <a:extLst>
+              <a:ext uri="{FF2B5EF4-FFF2-40B4-BE49-F238E27FC236}">
+                <a16:creationId xmlns:a16="http://schemas.microsoft.com/office/drawing/2014/main" id="{4A17C94A-0FFE-675D-391C-2E49FC84DCD3}"/>
+              </a:ext>
+            </a:extLst>
+          </p:cNvPr>
+          <p:cNvCxnSpPr>
+            <a:cxnSpLocks/>
+          </p:cNvCxnSpPr>
+          <p:nvPr/>
+        </p:nvCxnSpPr>
+        <p:spPr>
+          <a:xfrm>
+            <a:off x="738697" y="3903093"/>
+            <a:ext cx="461453" cy="0"/>
+          </a:xfrm>
+          <a:prstGeom prst="straightConnector1">
+            <a:avLst/>
+          </a:prstGeom>
+          <a:ln w="19050">
+            <a:solidFill>
+              <a:srgbClr val="FF09A7"/>
+            </a:solidFill>
+            <a:headEnd type="triangle"/>
+            <a:tailEnd type="triangle"/>
+          </a:ln>
+        </p:spPr>
+        <p:style>
+          <a:lnRef idx="1">
+            <a:schemeClr val="accent1"/>
+          </a:lnRef>
+          <a:fillRef idx="0">
+            <a:schemeClr val="accent1"/>
+          </a:fillRef>
+          <a:effectRef idx="0">
+            <a:schemeClr val="accent1"/>
+          </a:effectRef>
+          <a:fontRef idx="minor">
+            <a:schemeClr val="tx1"/>
+          </a:fontRef>
+        </p:style>
+      </p:cxnSp>
+      <p:cxnSp>
+        <p:nvCxnSpPr>
+          <p:cNvPr id="10" name="Straight Connector 9">
+            <a:extLst>
+              <a:ext uri="{FF2B5EF4-FFF2-40B4-BE49-F238E27FC236}">
+                <a16:creationId xmlns:a16="http://schemas.microsoft.com/office/drawing/2014/main" id="{99591AED-4F57-55F5-4827-C94E00D11660}"/>
+              </a:ext>
+            </a:extLst>
+          </p:cNvPr>
+          <p:cNvCxnSpPr>
+            <a:cxnSpLocks/>
+          </p:cNvCxnSpPr>
+          <p:nvPr/>
+        </p:nvCxnSpPr>
+        <p:spPr>
+          <a:xfrm>
+            <a:off x="4464785" y="3356067"/>
+            <a:ext cx="262790" cy="0"/>
+          </a:xfrm>
+          <a:prstGeom prst="line">
+            <a:avLst/>
+          </a:prstGeom>
+          <a:ln w="9525">
+            <a:solidFill>
+              <a:srgbClr val="FF09A7"/>
+            </a:solidFill>
+          </a:ln>
+        </p:spPr>
+        <p:style>
+          <a:lnRef idx="1">
+            <a:schemeClr val="accent1"/>
+          </a:lnRef>
+          <a:fillRef idx="0">
+            <a:schemeClr val="accent1"/>
+          </a:fillRef>
+          <a:effectRef idx="0">
+            <a:schemeClr val="accent1"/>
+          </a:effectRef>
+          <a:fontRef idx="minor">
+            <a:schemeClr val="tx1"/>
+          </a:fontRef>
+        </p:style>
+      </p:cxnSp>
+      <p:sp>
+        <p:nvSpPr>
+          <p:cNvPr id="14" name="TextBox 13">
+            <a:extLst>
+              <a:ext uri="{FF2B5EF4-FFF2-40B4-BE49-F238E27FC236}">
+                <a16:creationId xmlns:a16="http://schemas.microsoft.com/office/drawing/2014/main" id="{1D0FE940-F7E0-3B4F-7403-CC75B39B043D}"/>
+              </a:ext>
+            </a:extLst>
+          </p:cNvPr>
+          <p:cNvSpPr txBox="1"/>
+          <p:nvPr/>
+        </p:nvSpPr>
+        <p:spPr>
+          <a:xfrm>
+            <a:off x="524903" y="3557547"/>
+            <a:ext cx="1502806" cy="276999"/>
+          </a:xfrm>
+          <a:prstGeom prst="rect">
+            <a:avLst/>
+          </a:prstGeom>
+          <a:noFill/>
+        </p:spPr>
+        <p:txBody>
+          <a:bodyPr wrap="square" rtlCol="0">
+            <a:spAutoFit/>
+          </a:bodyPr>
+          <a:lstStyle/>
+          <a:p>
+            <a:r>
+              <a:rPr lang="en-US" sz="1200" dirty="0" err="1">
+                <a:solidFill>
+                  <a:srgbClr val="FF99FF"/>
+                </a:solidFill>
+              </a:rPr>
+              <a:t>tooth_width</a:t>
+            </a:r>
+            <a:endParaRPr lang="en-US" sz="1200" dirty="0">
+              <a:solidFill>
+                <a:srgbClr val="FF99FF"/>
+              </a:solidFill>
+            </a:endParaRPr>
+          </a:p>
+        </p:txBody>
+      </p:sp>
+      <p:cxnSp>
+        <p:nvCxnSpPr>
+          <p:cNvPr id="15" name="Straight Arrow Connector 14">
+            <a:extLst>
+              <a:ext uri="{FF2B5EF4-FFF2-40B4-BE49-F238E27FC236}">
+                <a16:creationId xmlns:a16="http://schemas.microsoft.com/office/drawing/2014/main" id="{8BCEC469-2040-5FD7-E9F9-E95B9C44F00D}"/>
+              </a:ext>
+            </a:extLst>
+          </p:cNvPr>
+          <p:cNvCxnSpPr>
+            <a:cxnSpLocks/>
+          </p:cNvCxnSpPr>
+          <p:nvPr/>
+        </p:nvCxnSpPr>
+        <p:spPr>
+          <a:xfrm>
+            <a:off x="2117695" y="4674618"/>
+            <a:ext cx="461453" cy="0"/>
+          </a:xfrm>
+          <a:prstGeom prst="straightConnector1">
+            <a:avLst/>
+          </a:prstGeom>
+          <a:ln w="19050">
+            <a:solidFill>
+              <a:srgbClr val="FF09A7"/>
+            </a:solidFill>
+            <a:headEnd type="triangle"/>
+            <a:tailEnd type="triangle"/>
+          </a:ln>
+        </p:spPr>
+        <p:style>
+          <a:lnRef idx="1">
+            <a:schemeClr val="accent1"/>
+          </a:lnRef>
+          <a:fillRef idx="0">
+            <a:schemeClr val="accent1"/>
+          </a:fillRef>
+          <a:effectRef idx="0">
+            <a:schemeClr val="accent1"/>
+          </a:effectRef>
+          <a:fontRef idx="minor">
+            <a:schemeClr val="tx1"/>
+          </a:fontRef>
+        </p:style>
+      </p:cxnSp>
+      <p:sp>
+        <p:nvSpPr>
+          <p:cNvPr id="16" name="TextBox 15">
+            <a:extLst>
+              <a:ext uri="{FF2B5EF4-FFF2-40B4-BE49-F238E27FC236}">
+                <a16:creationId xmlns:a16="http://schemas.microsoft.com/office/drawing/2014/main" id="{391D8CDC-22CF-44CC-CEDA-ECD8D9E84D3E}"/>
+              </a:ext>
+            </a:extLst>
+          </p:cNvPr>
+          <p:cNvSpPr txBox="1"/>
+          <p:nvPr/>
+        </p:nvSpPr>
+        <p:spPr>
+          <a:xfrm>
+            <a:off x="2089120" y="4711944"/>
+            <a:ext cx="1502806" cy="276999"/>
+          </a:xfrm>
+          <a:prstGeom prst="rect">
+            <a:avLst/>
+          </a:prstGeom>
+          <a:noFill/>
+        </p:spPr>
+        <p:txBody>
+          <a:bodyPr wrap="square" rtlCol="0">
+            <a:spAutoFit/>
+          </a:bodyPr>
+          <a:lstStyle/>
+          <a:p>
+            <a:r>
+              <a:rPr lang="en-US" sz="1200" dirty="0" err="1">
+                <a:solidFill>
+                  <a:srgbClr val="FF99FF"/>
+                </a:solidFill>
+              </a:rPr>
+              <a:t>tooth_spacing</a:t>
+            </a:r>
+            <a:endParaRPr lang="en-US" sz="1200" dirty="0">
+              <a:solidFill>
+                <a:srgbClr val="FF99FF"/>
+              </a:solidFill>
+            </a:endParaRPr>
+          </a:p>
+        </p:txBody>
+      </p:sp>
+      <p:cxnSp>
+        <p:nvCxnSpPr>
+          <p:cNvPr id="17" name="Straight Arrow Connector 16">
+            <a:extLst>
+              <a:ext uri="{FF2B5EF4-FFF2-40B4-BE49-F238E27FC236}">
+                <a16:creationId xmlns:a16="http://schemas.microsoft.com/office/drawing/2014/main" id="{7FEA5788-F7AB-02FA-9DA5-D1E4FC2E9A3D}"/>
+              </a:ext>
+            </a:extLst>
+          </p:cNvPr>
+          <p:cNvCxnSpPr>
+            <a:cxnSpLocks/>
+          </p:cNvCxnSpPr>
+          <p:nvPr/>
+        </p:nvCxnSpPr>
+        <p:spPr>
+          <a:xfrm>
+            <a:off x="1714500" y="4276725"/>
+            <a:ext cx="0" cy="942975"/>
+          </a:xfrm>
+          <a:prstGeom prst="straightConnector1">
+            <a:avLst/>
+          </a:prstGeom>
+          <a:ln w="19050">
+            <a:solidFill>
+              <a:srgbClr val="FF09A7"/>
+            </a:solidFill>
+            <a:headEnd type="triangle"/>
+            <a:tailEnd type="triangle"/>
+          </a:ln>
+        </p:spPr>
+        <p:style>
+          <a:lnRef idx="1">
+            <a:schemeClr val="accent1"/>
+          </a:lnRef>
+          <a:fillRef idx="0">
+            <a:schemeClr val="accent1"/>
+          </a:fillRef>
+          <a:effectRef idx="0">
+            <a:schemeClr val="accent1"/>
+          </a:effectRef>
+          <a:fontRef idx="minor">
+            <a:schemeClr val="tx1"/>
+          </a:fontRef>
+        </p:style>
+      </p:cxnSp>
+      <p:sp>
+        <p:nvSpPr>
+          <p:cNvPr id="24" name="TextBox 23">
+            <a:extLst>
+              <a:ext uri="{FF2B5EF4-FFF2-40B4-BE49-F238E27FC236}">
+                <a16:creationId xmlns:a16="http://schemas.microsoft.com/office/drawing/2014/main" id="{9B78D930-F5A4-A276-F5A3-DC8E82CA8B67}"/>
+              </a:ext>
+            </a:extLst>
+          </p:cNvPr>
+          <p:cNvSpPr txBox="1"/>
+          <p:nvPr/>
+        </p:nvSpPr>
+        <p:spPr>
+          <a:xfrm rot="16200000">
+            <a:off x="1067668" y="4329797"/>
+            <a:ext cx="1502806" cy="276999"/>
+          </a:xfrm>
+          <a:prstGeom prst="rect">
+            <a:avLst/>
+          </a:prstGeom>
+          <a:noFill/>
+        </p:spPr>
+        <p:txBody>
+          <a:bodyPr wrap="square" rtlCol="0">
+            <a:spAutoFit/>
+          </a:bodyPr>
+          <a:lstStyle/>
+          <a:p>
+            <a:r>
+              <a:rPr lang="en-US" sz="1200" dirty="0" err="1">
+                <a:solidFill>
+                  <a:srgbClr val="FF99FF"/>
+                </a:solidFill>
+              </a:rPr>
+              <a:t>tooth_height</a:t>
+            </a:r>
+            <a:endParaRPr lang="en-US" sz="1200" dirty="0">
+              <a:solidFill>
+                <a:srgbClr val="FF99FF"/>
+              </a:solidFill>
+            </a:endParaRPr>
+          </a:p>
+        </p:txBody>
+      </p:sp>
+      <p:cxnSp>
+        <p:nvCxnSpPr>
+          <p:cNvPr id="25" name="Straight Arrow Connector 24">
+            <a:extLst>
+              <a:ext uri="{FF2B5EF4-FFF2-40B4-BE49-F238E27FC236}">
+                <a16:creationId xmlns:a16="http://schemas.microsoft.com/office/drawing/2014/main" id="{29C053EA-8DBF-18C5-5967-50F39DC1D0C5}"/>
+              </a:ext>
+            </a:extLst>
+          </p:cNvPr>
+          <p:cNvCxnSpPr>
+            <a:cxnSpLocks/>
+          </p:cNvCxnSpPr>
+          <p:nvPr/>
+        </p:nvCxnSpPr>
+        <p:spPr>
+          <a:xfrm>
+            <a:off x="5862456" y="2891571"/>
+            <a:ext cx="0" cy="942975"/>
+          </a:xfrm>
+          <a:prstGeom prst="straightConnector1">
+            <a:avLst/>
+          </a:prstGeom>
+          <a:ln w="19050">
+            <a:solidFill>
+              <a:srgbClr val="FF09A7"/>
+            </a:solidFill>
+            <a:headEnd type="triangle"/>
+            <a:tailEnd type="triangle"/>
+          </a:ln>
+        </p:spPr>
+        <p:style>
+          <a:lnRef idx="1">
+            <a:schemeClr val="accent1"/>
+          </a:lnRef>
+          <a:fillRef idx="0">
+            <a:schemeClr val="accent1"/>
+          </a:fillRef>
+          <a:effectRef idx="0">
+            <a:schemeClr val="accent1"/>
+          </a:effectRef>
+          <a:fontRef idx="minor">
+            <a:schemeClr val="tx1"/>
+          </a:fontRef>
+        </p:style>
+      </p:cxnSp>
+      <p:sp>
+        <p:nvSpPr>
+          <p:cNvPr id="26" name="TextBox 25">
+            <a:extLst>
+              <a:ext uri="{FF2B5EF4-FFF2-40B4-BE49-F238E27FC236}">
+                <a16:creationId xmlns:a16="http://schemas.microsoft.com/office/drawing/2014/main" id="{2A56FC0B-8C9F-AC97-1032-A1ABDCC19D40}"/>
+              </a:ext>
+            </a:extLst>
+          </p:cNvPr>
+          <p:cNvSpPr txBox="1"/>
+          <p:nvPr/>
+        </p:nvSpPr>
+        <p:spPr>
+          <a:xfrm rot="16200000">
+            <a:off x="5215624" y="2944643"/>
+            <a:ext cx="1502806" cy="276999"/>
+          </a:xfrm>
+          <a:prstGeom prst="rect">
+            <a:avLst/>
+          </a:prstGeom>
+          <a:noFill/>
+        </p:spPr>
+        <p:txBody>
+          <a:bodyPr wrap="square" rtlCol="0">
+            <a:spAutoFit/>
+          </a:bodyPr>
+          <a:lstStyle/>
+          <a:p>
+            <a:r>
+              <a:rPr lang="en-US" sz="1200" dirty="0" err="1">
+                <a:solidFill>
+                  <a:srgbClr val="FF99FF"/>
+                </a:solidFill>
+              </a:rPr>
+              <a:t>paddle_width</a:t>
+            </a:r>
+            <a:endParaRPr lang="en-US" sz="1200" dirty="0">
+              <a:solidFill>
+                <a:srgbClr val="FF99FF"/>
+              </a:solidFill>
+            </a:endParaRPr>
+          </a:p>
+        </p:txBody>
+      </p:sp>
+      <p:cxnSp>
+        <p:nvCxnSpPr>
+          <p:cNvPr id="27" name="Straight Arrow Connector 26">
+            <a:extLst>
+              <a:ext uri="{FF2B5EF4-FFF2-40B4-BE49-F238E27FC236}">
+                <a16:creationId xmlns:a16="http://schemas.microsoft.com/office/drawing/2014/main" id="{0F028EDA-2BD4-8E9D-BE18-065EB7CA4542}"/>
+              </a:ext>
+            </a:extLst>
+          </p:cNvPr>
+          <p:cNvCxnSpPr>
+            <a:cxnSpLocks/>
+          </p:cNvCxnSpPr>
+          <p:nvPr/>
+        </p:nvCxnSpPr>
+        <p:spPr>
+          <a:xfrm>
+            <a:off x="4058396" y="5971923"/>
+            <a:ext cx="1785756" cy="0"/>
+          </a:xfrm>
+          <a:prstGeom prst="straightConnector1">
+            <a:avLst/>
+          </a:prstGeom>
+          <a:ln w="19050">
+            <a:solidFill>
+              <a:srgbClr val="FF09A7"/>
+            </a:solidFill>
+            <a:headEnd type="triangle"/>
+            <a:tailEnd type="triangle"/>
+          </a:ln>
+        </p:spPr>
+        <p:style>
+          <a:lnRef idx="1">
+            <a:schemeClr val="accent1"/>
+          </a:lnRef>
+          <a:fillRef idx="0">
+            <a:schemeClr val="accent1"/>
+          </a:fillRef>
+          <a:effectRef idx="0">
+            <a:schemeClr val="accent1"/>
+          </a:effectRef>
+          <a:fontRef idx="minor">
+            <a:schemeClr val="tx1"/>
+          </a:fontRef>
+        </p:style>
+      </p:cxnSp>
+      <p:sp>
+        <p:nvSpPr>
+          <p:cNvPr id="28" name="TextBox 27">
+            <a:extLst>
+              <a:ext uri="{FF2B5EF4-FFF2-40B4-BE49-F238E27FC236}">
+                <a16:creationId xmlns:a16="http://schemas.microsoft.com/office/drawing/2014/main" id="{952A8841-9E7F-F8A5-E30A-C60E9D5ED397}"/>
+              </a:ext>
+            </a:extLst>
+          </p:cNvPr>
+          <p:cNvSpPr txBox="1"/>
+          <p:nvPr/>
+        </p:nvSpPr>
+        <p:spPr>
+          <a:xfrm>
+            <a:off x="4341346" y="5692003"/>
+            <a:ext cx="1502806" cy="276999"/>
+          </a:xfrm>
+          <a:prstGeom prst="rect">
+            <a:avLst/>
+          </a:prstGeom>
+          <a:noFill/>
+        </p:spPr>
+        <p:txBody>
+          <a:bodyPr wrap="square" rtlCol="0">
+            <a:spAutoFit/>
+          </a:bodyPr>
+          <a:lstStyle/>
+          <a:p>
+            <a:r>
+              <a:rPr lang="en-US" sz="1200" dirty="0">
+                <a:solidFill>
+                  <a:srgbClr val="FF99FF"/>
+                </a:solidFill>
+              </a:rPr>
+              <a:t>buffer (roughly)</a:t>
+            </a:r>
+          </a:p>
+        </p:txBody>
+      </p:sp>
+      <p:cxnSp>
+        <p:nvCxnSpPr>
+          <p:cNvPr id="31" name="Straight Arrow Connector 30">
+            <a:extLst>
+              <a:ext uri="{FF2B5EF4-FFF2-40B4-BE49-F238E27FC236}">
+                <a16:creationId xmlns:a16="http://schemas.microsoft.com/office/drawing/2014/main" id="{5DF9D29B-A8DC-6A08-2454-7E2FE7C06481}"/>
+              </a:ext>
+            </a:extLst>
+          </p:cNvPr>
+          <p:cNvCxnSpPr>
+            <a:cxnSpLocks/>
+          </p:cNvCxnSpPr>
+          <p:nvPr/>
+        </p:nvCxnSpPr>
+        <p:spPr>
+          <a:xfrm>
+            <a:off x="5382699" y="5219700"/>
+            <a:ext cx="472001" cy="0"/>
+          </a:xfrm>
+          <a:prstGeom prst="straightConnector1">
+            <a:avLst/>
+          </a:prstGeom>
+          <a:ln w="19050">
+            <a:solidFill>
+              <a:srgbClr val="FF09A7"/>
+            </a:solidFill>
+            <a:headEnd type="triangle"/>
+            <a:tailEnd type="triangle"/>
+          </a:ln>
+        </p:spPr>
+        <p:style>
+          <a:lnRef idx="1">
+            <a:schemeClr val="accent1"/>
+          </a:lnRef>
+          <a:fillRef idx="0">
+            <a:schemeClr val="accent1"/>
+          </a:fillRef>
+          <a:effectRef idx="0">
+            <a:schemeClr val="accent1"/>
+          </a:effectRef>
+          <a:fontRef idx="minor">
+            <a:schemeClr val="tx1"/>
+          </a:fontRef>
+        </p:style>
+      </p:cxnSp>
+      <p:sp>
+        <p:nvSpPr>
+          <p:cNvPr id="32" name="TextBox 31">
+            <a:extLst>
+              <a:ext uri="{FF2B5EF4-FFF2-40B4-BE49-F238E27FC236}">
+                <a16:creationId xmlns:a16="http://schemas.microsoft.com/office/drawing/2014/main" id="{16659007-4E0C-A682-93C3-DE9378A0B318}"/>
+              </a:ext>
+            </a:extLst>
+          </p:cNvPr>
+          <p:cNvSpPr txBox="1"/>
+          <p:nvPr/>
+        </p:nvSpPr>
+        <p:spPr>
+          <a:xfrm>
+            <a:off x="5155033" y="4912663"/>
+            <a:ext cx="1502806" cy="276999"/>
+          </a:xfrm>
+          <a:prstGeom prst="rect">
+            <a:avLst/>
+          </a:prstGeom>
+          <a:noFill/>
+        </p:spPr>
+        <p:txBody>
+          <a:bodyPr wrap="square" rtlCol="0">
+            <a:spAutoFit/>
+          </a:bodyPr>
+          <a:lstStyle/>
+          <a:p>
+            <a:r>
+              <a:rPr lang="en-US" sz="1200" dirty="0" err="1">
+                <a:solidFill>
+                  <a:srgbClr val="FF99FF"/>
+                </a:solidFill>
+              </a:rPr>
+              <a:t>pocket_offset</a:t>
+            </a:r>
+            <a:endParaRPr lang="en-US" sz="1200" dirty="0">
+              <a:solidFill>
+                <a:srgbClr val="FF99FF"/>
+              </a:solidFill>
+            </a:endParaRPr>
+          </a:p>
+        </p:txBody>
+      </p:sp>
+      <p:cxnSp>
+        <p:nvCxnSpPr>
+          <p:cNvPr id="33" name="Straight Arrow Connector 32">
+            <a:extLst>
+              <a:ext uri="{FF2B5EF4-FFF2-40B4-BE49-F238E27FC236}">
+                <a16:creationId xmlns:a16="http://schemas.microsoft.com/office/drawing/2014/main" id="{B247CA10-1EF8-E22E-57D4-4F8BA9F419B1}"/>
+              </a:ext>
+            </a:extLst>
+          </p:cNvPr>
+          <p:cNvCxnSpPr>
+            <a:cxnSpLocks/>
+          </p:cNvCxnSpPr>
+          <p:nvPr/>
+        </p:nvCxnSpPr>
+        <p:spPr>
+          <a:xfrm>
+            <a:off x="4464879" y="3356067"/>
+            <a:ext cx="0" cy="473075"/>
+          </a:xfrm>
+          <a:prstGeom prst="straightConnector1">
+            <a:avLst/>
+          </a:prstGeom>
+          <a:ln w="19050">
+            <a:solidFill>
+              <a:srgbClr val="FF09A7"/>
+            </a:solidFill>
+            <a:headEnd type="triangle"/>
+            <a:tailEnd type="triangle"/>
+          </a:ln>
+        </p:spPr>
+        <p:style>
+          <a:lnRef idx="1">
+            <a:schemeClr val="accent1"/>
+          </a:lnRef>
+          <a:fillRef idx="0">
+            <a:schemeClr val="accent1"/>
+          </a:fillRef>
+          <a:effectRef idx="0">
+            <a:schemeClr val="accent1"/>
+          </a:effectRef>
+          <a:fontRef idx="minor">
+            <a:schemeClr val="tx1"/>
+          </a:fontRef>
+        </p:style>
+      </p:cxnSp>
+      <p:sp>
+        <p:nvSpPr>
+          <p:cNvPr id="34" name="TextBox 33">
+            <a:extLst>
+              <a:ext uri="{FF2B5EF4-FFF2-40B4-BE49-F238E27FC236}">
+                <a16:creationId xmlns:a16="http://schemas.microsoft.com/office/drawing/2014/main" id="{C1270077-0FD2-E6C3-9E7E-8700E5F26583}"/>
+              </a:ext>
+            </a:extLst>
+          </p:cNvPr>
+          <p:cNvSpPr txBox="1"/>
+          <p:nvPr/>
+        </p:nvSpPr>
+        <p:spPr>
+          <a:xfrm rot="16200000">
+            <a:off x="3780352" y="3217567"/>
+            <a:ext cx="1058129" cy="276999"/>
+          </a:xfrm>
+          <a:prstGeom prst="rect">
+            <a:avLst/>
+          </a:prstGeom>
+          <a:noFill/>
+        </p:spPr>
+        <p:txBody>
+          <a:bodyPr wrap="square" rtlCol="0">
+            <a:spAutoFit/>
+          </a:bodyPr>
+          <a:lstStyle/>
+          <a:p>
+            <a:r>
+              <a:rPr lang="en-US" sz="1200" dirty="0" err="1">
+                <a:solidFill>
+                  <a:srgbClr val="FF99FF"/>
+                </a:solidFill>
+              </a:rPr>
+              <a:t>pocket_depth</a:t>
+            </a:r>
+            <a:endParaRPr lang="en-US" sz="1200" dirty="0">
+              <a:solidFill>
+                <a:srgbClr val="FF99FF"/>
+              </a:solidFill>
+            </a:endParaRPr>
+          </a:p>
+        </p:txBody>
+      </p:sp>
+      <p:cxnSp>
+        <p:nvCxnSpPr>
+          <p:cNvPr id="42" name="Straight Connector 41">
+            <a:extLst>
+              <a:ext uri="{FF2B5EF4-FFF2-40B4-BE49-F238E27FC236}">
+                <a16:creationId xmlns:a16="http://schemas.microsoft.com/office/drawing/2014/main" id="{F05602DE-6898-1B4F-5ACE-03EAD5E5070A}"/>
+              </a:ext>
+            </a:extLst>
+          </p:cNvPr>
+          <p:cNvCxnSpPr>
+            <a:cxnSpLocks/>
+          </p:cNvCxnSpPr>
+          <p:nvPr/>
+        </p:nvCxnSpPr>
+        <p:spPr>
+          <a:xfrm>
+            <a:off x="4058396" y="5219700"/>
+            <a:ext cx="0" cy="749302"/>
+          </a:xfrm>
+          <a:prstGeom prst="line">
+            <a:avLst/>
+          </a:prstGeom>
+          <a:ln w="9525">
+            <a:solidFill>
+              <a:srgbClr val="FF09A7"/>
+            </a:solidFill>
+          </a:ln>
+        </p:spPr>
+        <p:style>
+          <a:lnRef idx="1">
+            <a:schemeClr val="accent1"/>
+          </a:lnRef>
+          <a:fillRef idx="0">
+            <a:schemeClr val="accent1"/>
+          </a:fillRef>
+          <a:effectRef idx="0">
+            <a:schemeClr val="accent1"/>
+          </a:effectRef>
+          <a:fontRef idx="minor">
+            <a:schemeClr val="tx1"/>
+          </a:fontRef>
+        </p:style>
+      </p:cxnSp>
+      <p:cxnSp>
+        <p:nvCxnSpPr>
+          <p:cNvPr id="47" name="Straight Arrow Connector 46">
+            <a:extLst>
+              <a:ext uri="{FF2B5EF4-FFF2-40B4-BE49-F238E27FC236}">
+                <a16:creationId xmlns:a16="http://schemas.microsoft.com/office/drawing/2014/main" id="{0A6C5943-2D42-15CB-6292-51B461AD2364}"/>
+              </a:ext>
+            </a:extLst>
+          </p:cNvPr>
+          <p:cNvCxnSpPr>
+            <a:cxnSpLocks/>
+          </p:cNvCxnSpPr>
+          <p:nvPr/>
+        </p:nvCxnSpPr>
+        <p:spPr>
+          <a:xfrm>
+            <a:off x="4464785" y="3829142"/>
+            <a:ext cx="917914" cy="0"/>
+          </a:xfrm>
+          <a:prstGeom prst="straightConnector1">
+            <a:avLst/>
+          </a:prstGeom>
+          <a:ln w="19050">
+            <a:solidFill>
+              <a:srgbClr val="FF09A7"/>
+            </a:solidFill>
+            <a:headEnd type="triangle"/>
+            <a:tailEnd type="triangle"/>
+          </a:ln>
+        </p:spPr>
+        <p:style>
+          <a:lnRef idx="1">
+            <a:schemeClr val="accent1"/>
+          </a:lnRef>
+          <a:fillRef idx="0">
+            <a:schemeClr val="accent1"/>
+          </a:fillRef>
+          <a:effectRef idx="0">
+            <a:schemeClr val="accent1"/>
+          </a:effectRef>
+          <a:fontRef idx="minor">
+            <a:schemeClr val="tx1"/>
+          </a:fontRef>
+        </p:style>
+      </p:cxnSp>
+      <p:sp>
+        <p:nvSpPr>
+          <p:cNvPr id="48" name="TextBox 47">
+            <a:extLst>
+              <a:ext uri="{FF2B5EF4-FFF2-40B4-BE49-F238E27FC236}">
+                <a16:creationId xmlns:a16="http://schemas.microsoft.com/office/drawing/2014/main" id="{B82021D1-759F-EEFE-149D-AD84B015339D}"/>
+              </a:ext>
+            </a:extLst>
+          </p:cNvPr>
+          <p:cNvSpPr txBox="1"/>
+          <p:nvPr/>
+        </p:nvSpPr>
+        <p:spPr>
+          <a:xfrm>
+            <a:off x="4409799" y="3782183"/>
+            <a:ext cx="1502806" cy="276999"/>
+          </a:xfrm>
+          <a:prstGeom prst="rect">
+            <a:avLst/>
+          </a:prstGeom>
+          <a:noFill/>
+        </p:spPr>
+        <p:txBody>
+          <a:bodyPr wrap="square" rtlCol="0">
+            <a:spAutoFit/>
+          </a:bodyPr>
+          <a:lstStyle/>
+          <a:p>
+            <a:r>
+              <a:rPr lang="en-US" sz="1200" dirty="0" err="1">
+                <a:solidFill>
+                  <a:srgbClr val="FF99FF"/>
+                </a:solidFill>
+              </a:rPr>
+              <a:t>pocket_length</a:t>
+            </a:r>
+            <a:endParaRPr lang="en-US" sz="1200" dirty="0">
+              <a:solidFill>
+                <a:srgbClr val="FF99FF"/>
+              </a:solidFill>
+            </a:endParaRPr>
+          </a:p>
+        </p:txBody>
+      </p:sp>
+      <p:cxnSp>
+        <p:nvCxnSpPr>
+          <p:cNvPr id="50" name="Straight Connector 49">
+            <a:extLst>
+              <a:ext uri="{FF2B5EF4-FFF2-40B4-BE49-F238E27FC236}">
+                <a16:creationId xmlns:a16="http://schemas.microsoft.com/office/drawing/2014/main" id="{3E3770E4-34DF-BFCB-7557-A8824A003D5A}"/>
+              </a:ext>
+            </a:extLst>
+          </p:cNvPr>
+          <p:cNvCxnSpPr>
+            <a:cxnSpLocks/>
+          </p:cNvCxnSpPr>
+          <p:nvPr/>
+        </p:nvCxnSpPr>
+        <p:spPr>
+          <a:xfrm>
+            <a:off x="4464785" y="5219700"/>
+            <a:ext cx="262790" cy="0"/>
+          </a:xfrm>
+          <a:prstGeom prst="line">
+            <a:avLst/>
+          </a:prstGeom>
+          <a:ln w="9525">
+            <a:solidFill>
+              <a:srgbClr val="FF09A7"/>
+            </a:solidFill>
+          </a:ln>
+        </p:spPr>
+        <p:style>
+          <a:lnRef idx="1">
+            <a:schemeClr val="accent1"/>
+          </a:lnRef>
+          <a:fillRef idx="0">
+            <a:schemeClr val="accent1"/>
+          </a:fillRef>
+          <a:effectRef idx="0">
+            <a:schemeClr val="accent1"/>
+          </a:effectRef>
+          <a:fontRef idx="minor">
+            <a:schemeClr val="tx1"/>
+          </a:fontRef>
+        </p:style>
+      </p:cxnSp>
+      <p:sp>
+        <p:nvSpPr>
+          <p:cNvPr id="52" name="Arc 51">
+            <a:extLst>
+              <a:ext uri="{FF2B5EF4-FFF2-40B4-BE49-F238E27FC236}">
+                <a16:creationId xmlns:a16="http://schemas.microsoft.com/office/drawing/2014/main" id="{55B8067D-05E2-AFE5-87FF-4AD8232F4D53}"/>
+              </a:ext>
+            </a:extLst>
+          </p:cNvPr>
+          <p:cNvSpPr/>
+          <p:nvPr/>
+        </p:nvSpPr>
+        <p:spPr>
+          <a:xfrm rot="3600000">
+            <a:off x="4303017" y="5058579"/>
+            <a:ext cx="302730" cy="302730"/>
+          </a:xfrm>
+          <a:prstGeom prst="arc">
+            <a:avLst>
+              <a:gd name="adj1" fmla="val 18216814"/>
+              <a:gd name="adj2" fmla="val 0"/>
+            </a:avLst>
+          </a:prstGeom>
+          <a:ln w="9525">
+            <a:solidFill>
+              <a:srgbClr val="FF09A7"/>
+            </a:solidFill>
+          </a:ln>
+        </p:spPr>
+        <p:style>
+          <a:lnRef idx="1">
+            <a:schemeClr val="accent1"/>
+          </a:lnRef>
+          <a:fillRef idx="0">
+            <a:schemeClr val="accent1"/>
+          </a:fillRef>
+          <a:effectRef idx="0">
+            <a:schemeClr val="accent1"/>
+          </a:effectRef>
+          <a:fontRef idx="minor">
+            <a:schemeClr val="tx1"/>
+          </a:fontRef>
+        </p:style>
+        <p:txBody>
+          <a:bodyPr rtlCol="0" anchor="ctr"/>
+          <a:lstStyle/>
+          <a:p>
+            <a:pPr algn="ctr"/>
+            <a:endParaRPr lang="en-US" dirty="0"/>
+          </a:p>
+        </p:txBody>
+      </p:sp>
+      <p:sp>
+        <p:nvSpPr>
+          <p:cNvPr id="54" name="TextBox 53">
+            <a:extLst>
+              <a:ext uri="{FF2B5EF4-FFF2-40B4-BE49-F238E27FC236}">
+                <a16:creationId xmlns:a16="http://schemas.microsoft.com/office/drawing/2014/main" id="{8804EBE5-97CD-93A5-A2DD-65584AC9B767}"/>
+              </a:ext>
+            </a:extLst>
+          </p:cNvPr>
+          <p:cNvSpPr txBox="1"/>
+          <p:nvPr/>
+        </p:nvSpPr>
+        <p:spPr>
+          <a:xfrm>
+            <a:off x="5862456" y="5362954"/>
+            <a:ext cx="1502806" cy="276999"/>
+          </a:xfrm>
+          <a:prstGeom prst="rect">
+            <a:avLst/>
+          </a:prstGeom>
+          <a:noFill/>
+        </p:spPr>
+        <p:txBody>
+          <a:bodyPr wrap="square" rtlCol="0">
+            <a:spAutoFit/>
+          </a:bodyPr>
+          <a:lstStyle/>
+          <a:p>
+            <a:r>
+              <a:rPr lang="en-US" sz="1200" dirty="0" err="1">
+                <a:solidFill>
+                  <a:srgbClr val="FF99FF"/>
+                </a:solidFill>
+              </a:rPr>
+              <a:t>pocket_wall_angle</a:t>
+            </a:r>
+            <a:endParaRPr lang="en-US" sz="1200" dirty="0">
+              <a:solidFill>
+                <a:srgbClr val="FF99FF"/>
+              </a:solidFill>
+            </a:endParaRPr>
+          </a:p>
+        </p:txBody>
+      </p:sp>
+      <p:cxnSp>
+        <p:nvCxnSpPr>
+          <p:cNvPr id="55" name="Straight Connector 54">
+            <a:extLst>
+              <a:ext uri="{FF2B5EF4-FFF2-40B4-BE49-F238E27FC236}">
+                <a16:creationId xmlns:a16="http://schemas.microsoft.com/office/drawing/2014/main" id="{261913A4-25B6-E697-27B6-191EDD0BF4BF}"/>
+              </a:ext>
+            </a:extLst>
+          </p:cNvPr>
+          <p:cNvCxnSpPr>
+            <a:cxnSpLocks/>
+          </p:cNvCxnSpPr>
+          <p:nvPr/>
+        </p:nvCxnSpPr>
+        <p:spPr>
+          <a:xfrm>
+            <a:off x="4596180" y="5299167"/>
+            <a:ext cx="1333133" cy="225333"/>
+          </a:xfrm>
+          <a:prstGeom prst="line">
+            <a:avLst/>
+          </a:prstGeom>
+          <a:ln w="9525">
+            <a:solidFill>
+              <a:srgbClr val="FF09A7"/>
+            </a:solidFill>
+          </a:ln>
+        </p:spPr>
+        <p:style>
+          <a:lnRef idx="1">
+            <a:schemeClr val="accent1"/>
+          </a:lnRef>
+          <a:fillRef idx="0">
+            <a:schemeClr val="accent1"/>
+          </a:fillRef>
+          <a:effectRef idx="0">
+            <a:schemeClr val="accent1"/>
+          </a:effectRef>
+          <a:fontRef idx="minor">
+            <a:schemeClr val="tx1"/>
+          </a:fontRef>
+        </p:style>
+      </p:cxnSp>
+    </p:spTree>
+    <p:extLst>
+      <p:ext uri="{BB962C8B-B14F-4D97-AF65-F5344CB8AC3E}">
+        <p14:creationId xmlns:p14="http://schemas.microsoft.com/office/powerpoint/2010/main" val="2382867076"/>
       </p:ext>
     </p:extLst>
   </p:cSld>

--- a/docs/ComponentDocs.pptx
+++ b/docs/ComponentDocs.pptx
@@ -265,7 +265,7 @@
           <a:p>
             <a:fld id="{ACB15FA1-C85B-48BC-AF8B-E9DF226D558D}" type="datetimeFigureOut">
               <a:rPr lang="en-US" smtClean="0"/>
-              <a:t>1/4/2023</a:t>
+              <a:t>1/18/2023</a:t>
             </a:fld>
             <a:endParaRPr lang="en-US"/>
           </a:p>
@@ -463,7 +463,7 @@
           <a:p>
             <a:fld id="{ACB15FA1-C85B-48BC-AF8B-E9DF226D558D}" type="datetimeFigureOut">
               <a:rPr lang="en-US" smtClean="0"/>
-              <a:t>1/4/2023</a:t>
+              <a:t>1/18/2023</a:t>
             </a:fld>
             <a:endParaRPr lang="en-US"/>
           </a:p>
@@ -671,7 +671,7 @@
           <a:p>
             <a:fld id="{ACB15FA1-C85B-48BC-AF8B-E9DF226D558D}" type="datetimeFigureOut">
               <a:rPr lang="en-US" smtClean="0"/>
-              <a:t>1/4/2023</a:t>
+              <a:t>1/18/2023</a:t>
             </a:fld>
             <a:endParaRPr lang="en-US"/>
           </a:p>
@@ -869,7 +869,7 @@
           <a:p>
             <a:fld id="{ACB15FA1-C85B-48BC-AF8B-E9DF226D558D}" type="datetimeFigureOut">
               <a:rPr lang="en-US" smtClean="0"/>
-              <a:t>1/4/2023</a:t>
+              <a:t>1/18/2023</a:t>
             </a:fld>
             <a:endParaRPr lang="en-US"/>
           </a:p>
@@ -1144,7 +1144,7 @@
           <a:p>
             <a:fld id="{ACB15FA1-C85B-48BC-AF8B-E9DF226D558D}" type="datetimeFigureOut">
               <a:rPr lang="en-US" smtClean="0"/>
-              <a:t>1/4/2023</a:t>
+              <a:t>1/18/2023</a:t>
             </a:fld>
             <a:endParaRPr lang="en-US"/>
           </a:p>
@@ -1409,7 +1409,7 @@
           <a:p>
             <a:fld id="{ACB15FA1-C85B-48BC-AF8B-E9DF226D558D}" type="datetimeFigureOut">
               <a:rPr lang="en-US" smtClean="0"/>
-              <a:t>1/4/2023</a:t>
+              <a:t>1/18/2023</a:t>
             </a:fld>
             <a:endParaRPr lang="en-US"/>
           </a:p>
@@ -1821,7 +1821,7 @@
           <a:p>
             <a:fld id="{ACB15FA1-C85B-48BC-AF8B-E9DF226D558D}" type="datetimeFigureOut">
               <a:rPr lang="en-US" smtClean="0"/>
-              <a:t>1/4/2023</a:t>
+              <a:t>1/18/2023</a:t>
             </a:fld>
             <a:endParaRPr lang="en-US"/>
           </a:p>
@@ -1962,7 +1962,7 @@
           <a:p>
             <a:fld id="{ACB15FA1-C85B-48BC-AF8B-E9DF226D558D}" type="datetimeFigureOut">
               <a:rPr lang="en-US" smtClean="0"/>
-              <a:t>1/4/2023</a:t>
+              <a:t>1/18/2023</a:t>
             </a:fld>
             <a:endParaRPr lang="en-US"/>
           </a:p>
@@ -2075,7 +2075,7 @@
           <a:p>
             <a:fld id="{ACB15FA1-C85B-48BC-AF8B-E9DF226D558D}" type="datetimeFigureOut">
               <a:rPr lang="en-US" smtClean="0"/>
-              <a:t>1/4/2023</a:t>
+              <a:t>1/18/2023</a:t>
             </a:fld>
             <a:endParaRPr lang="en-US"/>
           </a:p>
@@ -2386,7 +2386,7 @@
           <a:p>
             <a:fld id="{ACB15FA1-C85B-48BC-AF8B-E9DF226D558D}" type="datetimeFigureOut">
               <a:rPr lang="en-US" smtClean="0"/>
-              <a:t>1/4/2023</a:t>
+              <a:t>1/18/2023</a:t>
             </a:fld>
             <a:endParaRPr lang="en-US"/>
           </a:p>
@@ -2674,7 +2674,7 @@
           <a:p>
             <a:fld id="{ACB15FA1-C85B-48BC-AF8B-E9DF226D558D}" type="datetimeFigureOut">
               <a:rPr lang="en-US" smtClean="0"/>
-              <a:t>1/4/2023</a:t>
+              <a:t>1/18/2023</a:t>
             </a:fld>
             <a:endParaRPr lang="en-US"/>
           </a:p>
@@ -2915,7 +2915,7 @@
           <a:p>
             <a:fld id="{ACB15FA1-C85B-48BC-AF8B-E9DF226D558D}" type="datetimeFigureOut">
               <a:rPr lang="en-US" smtClean="0"/>
-              <a:t>1/4/2023</a:t>
+              <a:t>1/18/2023</a:t>
             </a:fld>
             <a:endParaRPr lang="en-US"/>
           </a:p>
@@ -4405,8 +4405,8 @@
         </p:nvSpPr>
         <p:spPr>
           <a:xfrm>
-            <a:off x="10268125" y="1608353"/>
-            <a:ext cx="1647737" cy="3785652"/>
+            <a:off x="10112288" y="1608353"/>
+            <a:ext cx="1989223" cy="4708981"/>
           </a:xfrm>
           <a:prstGeom prst="rect">
             <a:avLst/>
@@ -4431,39 +4431,7 @@
             </a:pPr>
             <a:r>
               <a:rPr lang="en-US" sz="1200" dirty="0"/>
-              <a:t>If </a:t>
-            </a:r>
-            <a:r>
-              <a:rPr lang="en-US" sz="1200" dirty="0" err="1"/>
-              <a:t>startjunc</a:t>
-            </a:r>
-            <a:r>
-              <a:rPr lang="en-US" sz="1200" dirty="0"/>
-              <a:t> is passed, then the </a:t>
-            </a:r>
-            <a:r>
-              <a:rPr lang="en-US" sz="1200" dirty="0" err="1"/>
-              <a:t>Bondpad</a:t>
-            </a:r>
-            <a:r>
-              <a:rPr lang="en-US" sz="1200" dirty="0"/>
-              <a:t> will be drawn so that </a:t>
-            </a:r>
-            <a:r>
-              <a:rPr lang="en-US" sz="1200" dirty="0" err="1"/>
-              <a:t>startjunc</a:t>
-            </a:r>
-            <a:r>
-              <a:rPr lang="en-US" sz="1200" dirty="0"/>
-              <a:t> = </a:t>
-            </a:r>
-            <a:r>
-              <a:rPr lang="en-US" sz="1200" dirty="0" err="1"/>
-              <a:t>Bondpad.cxns</a:t>
-            </a:r>
-            <a:r>
-              <a:rPr lang="en-US" sz="1200" dirty="0"/>
-              <a:t>[‘out’]</a:t>
+              <a:t>‘spec’ has three options: ‘auto’, ‘start’, or ‘end’</a:t>
             </a:r>
           </a:p>
           <a:p>
@@ -4473,6 +4441,16 @@
             </a:pPr>
             <a:r>
               <a:rPr lang="en-US" sz="1200" dirty="0"/>
+              <a:t>If ‘spec’ is auto’:</a:t>
+            </a:r>
+          </a:p>
+          <a:p>
+            <a:pPr marL="628650" lvl="1" indent="-171450">
+              <a:buFontTx/>
+              <a:buChar char="-"/>
+            </a:pPr>
+            <a:r>
+              <a:rPr lang="en-US" sz="1200" dirty="0"/>
               <a:t>If </a:t>
             </a:r>
             <a:r>
@@ -4481,6 +4459,40 @@
             </a:r>
             <a:r>
               <a:rPr lang="en-US" sz="1200" dirty="0"/>
+              <a:t> is passed, then the </a:t>
+            </a:r>
+            <a:r>
+              <a:rPr lang="en-US" sz="1200" dirty="0" err="1"/>
+              <a:t>Bondpad</a:t>
+            </a:r>
+            <a:r>
+              <a:rPr lang="en-US" sz="1200" dirty="0"/>
+              <a:t> will be drawn backwards (so as to start a feedline from the </a:t>
+            </a:r>
+            <a:r>
+              <a:rPr lang="en-US" sz="1200" dirty="0" err="1"/>
+              <a:t>startjunc</a:t>
+            </a:r>
+            <a:r>
+              <a:rPr lang="en-US" sz="1200" dirty="0"/>
+              <a:t>)</a:t>
+            </a:r>
+          </a:p>
+          <a:p>
+            <a:pPr marL="628650" lvl="1" indent="-171450">
+              <a:buFontTx/>
+              <a:buChar char="-"/>
+            </a:pPr>
+            <a:r>
+              <a:rPr lang="en-US" sz="1200" dirty="0"/>
+              <a:t>If </a:t>
+            </a:r>
+            <a:r>
+              <a:rPr lang="en-US" sz="1200" dirty="0" err="1"/>
+              <a:t>startjunc</a:t>
+            </a:r>
+            <a:r>
+              <a:rPr lang="en-US" sz="1200" dirty="0"/>
               <a:t> is not passed (and </a:t>
             </a:r>
             <a:r>
@@ -4489,23 +4501,15 @@
             </a:r>
             <a:r>
               <a:rPr lang="en-US" sz="1200" dirty="0"/>
-              <a:t> is used instead), </a:t>
+              <a:t> is used instead), the </a:t>
             </a:r>
             <a:r>
               <a:rPr lang="en-US" sz="1200" dirty="0" err="1"/>
-              <a:t>Bondpad.cxns</a:t>
+              <a:t>Bondpad</a:t>
             </a:r>
             <a:r>
               <a:rPr lang="en-US" sz="1200" dirty="0"/>
-              <a:t>[‘out’] = </a:t>
-            </a:r>
-            <a:r>
-              <a:rPr lang="en-US" sz="1200" dirty="0" err="1"/>
-              <a:t>Chip.last.reverse</a:t>
-            </a:r>
-            <a:r>
-              <a:rPr lang="en-US" sz="1200" dirty="0"/>
-              <a:t>()</a:t>
+              <a:t> will be drawn forwards (so as to end a feedline).</a:t>
             </a:r>
           </a:p>
           <a:p>
@@ -4515,7 +4519,7 @@
             </a:pPr>
             <a:r>
               <a:rPr lang="en-US" sz="1200" dirty="0"/>
-              <a:t>In other words, the </a:t>
+              <a:t>If ‘spec’ is ‘start’, the </a:t>
             </a:r>
             <a:r>
               <a:rPr lang="en-US" sz="1200" dirty="0" err="1"/>
@@ -4523,15 +4527,25 @@
             </a:r>
             <a:r>
               <a:rPr lang="en-US" sz="1200" dirty="0"/>
-              <a:t> either starts or ends a transmission line, depending on whether or not </a:t>
+              <a:t> starts the feedline</a:t>
+            </a:r>
+          </a:p>
+          <a:p>
+            <a:pPr marL="171450" indent="-171450">
+              <a:buFontTx/>
+              <a:buChar char="-"/>
+            </a:pPr>
+            <a:r>
+              <a:rPr lang="en-US" sz="1200" dirty="0"/>
+              <a:t>If ‘spec’ is ‘end’, the </a:t>
             </a:r>
             <a:r>
               <a:rPr lang="en-US" sz="1200" dirty="0" err="1"/>
-              <a:t>startjunc</a:t>
+              <a:t>Bondpad</a:t>
             </a:r>
             <a:r>
               <a:rPr lang="en-US" sz="1200" dirty="0"/>
-              <a:t> is passed</a:t>
+              <a:t> ends the feedline</a:t>
             </a:r>
           </a:p>
         </p:txBody>
@@ -6551,7 +6565,7 @@
         <p:spPr>
           <a:xfrm>
             <a:off x="10233764" y="1526895"/>
-            <a:ext cx="1770882" cy="1384995"/>
+            <a:ext cx="1770882" cy="1569660"/>
           </a:xfrm>
           <a:prstGeom prst="rect">
             <a:avLst/>
@@ -6608,7 +6622,7 @@
             </a:r>
             <a:r>
               <a:rPr lang="en-US" sz="1200" dirty="0"/>
-              <a:t> is “up”.</a:t>
+              <a:t> is indicated by the blue arrows.</a:t>
             </a:r>
           </a:p>
         </p:txBody>

--- a/docs/ComponentDocs.pptx
+++ b/docs/ComponentDocs.pptx
@@ -10,8 +10,9 @@
     <p:sldId id="258" r:id="rId4"/>
     <p:sldId id="259" r:id="rId5"/>
     <p:sldId id="260" r:id="rId6"/>
-    <p:sldId id="261" r:id="rId7"/>
-    <p:sldId id="262" r:id="rId8"/>
+    <p:sldId id="263" r:id="rId7"/>
+    <p:sldId id="261" r:id="rId8"/>
+    <p:sldId id="262" r:id="rId9"/>
   </p:sldIdLst>
   <p:sldSz cx="12192000" cy="6858000"/>
   <p:notesSz cx="6858000" cy="9144000"/>
@@ -265,7 +266,7 @@
           <a:p>
             <a:fld id="{ACB15FA1-C85B-48BC-AF8B-E9DF226D558D}" type="datetimeFigureOut">
               <a:rPr lang="en-US" smtClean="0"/>
-              <a:t>1/18/2023</a:t>
+              <a:t>1/19/2023</a:t>
             </a:fld>
             <a:endParaRPr lang="en-US"/>
           </a:p>
@@ -463,7 +464,7 @@
           <a:p>
             <a:fld id="{ACB15FA1-C85B-48BC-AF8B-E9DF226D558D}" type="datetimeFigureOut">
               <a:rPr lang="en-US" smtClean="0"/>
-              <a:t>1/18/2023</a:t>
+              <a:t>1/19/2023</a:t>
             </a:fld>
             <a:endParaRPr lang="en-US"/>
           </a:p>
@@ -671,7 +672,7 @@
           <a:p>
             <a:fld id="{ACB15FA1-C85B-48BC-AF8B-E9DF226D558D}" type="datetimeFigureOut">
               <a:rPr lang="en-US" smtClean="0"/>
-              <a:t>1/18/2023</a:t>
+              <a:t>1/19/2023</a:t>
             </a:fld>
             <a:endParaRPr lang="en-US"/>
           </a:p>
@@ -869,7 +870,7 @@
           <a:p>
             <a:fld id="{ACB15FA1-C85B-48BC-AF8B-E9DF226D558D}" type="datetimeFigureOut">
               <a:rPr lang="en-US" smtClean="0"/>
-              <a:t>1/18/2023</a:t>
+              <a:t>1/19/2023</a:t>
             </a:fld>
             <a:endParaRPr lang="en-US"/>
           </a:p>
@@ -1144,7 +1145,7 @@
           <a:p>
             <a:fld id="{ACB15FA1-C85B-48BC-AF8B-E9DF226D558D}" type="datetimeFigureOut">
               <a:rPr lang="en-US" smtClean="0"/>
-              <a:t>1/18/2023</a:t>
+              <a:t>1/19/2023</a:t>
             </a:fld>
             <a:endParaRPr lang="en-US"/>
           </a:p>
@@ -1409,7 +1410,7 @@
           <a:p>
             <a:fld id="{ACB15FA1-C85B-48BC-AF8B-E9DF226D558D}" type="datetimeFigureOut">
               <a:rPr lang="en-US" smtClean="0"/>
-              <a:t>1/18/2023</a:t>
+              <a:t>1/19/2023</a:t>
             </a:fld>
             <a:endParaRPr lang="en-US"/>
           </a:p>
@@ -1821,7 +1822,7 @@
           <a:p>
             <a:fld id="{ACB15FA1-C85B-48BC-AF8B-E9DF226D558D}" type="datetimeFigureOut">
               <a:rPr lang="en-US" smtClean="0"/>
-              <a:t>1/18/2023</a:t>
+              <a:t>1/19/2023</a:t>
             </a:fld>
             <a:endParaRPr lang="en-US"/>
           </a:p>
@@ -1962,7 +1963,7 @@
           <a:p>
             <a:fld id="{ACB15FA1-C85B-48BC-AF8B-E9DF226D558D}" type="datetimeFigureOut">
               <a:rPr lang="en-US" smtClean="0"/>
-              <a:t>1/18/2023</a:t>
+              <a:t>1/19/2023</a:t>
             </a:fld>
             <a:endParaRPr lang="en-US"/>
           </a:p>
@@ -2075,7 +2076,7 @@
           <a:p>
             <a:fld id="{ACB15FA1-C85B-48BC-AF8B-E9DF226D558D}" type="datetimeFigureOut">
               <a:rPr lang="en-US" smtClean="0"/>
-              <a:t>1/18/2023</a:t>
+              <a:t>1/19/2023</a:t>
             </a:fld>
             <a:endParaRPr lang="en-US"/>
           </a:p>
@@ -2386,7 +2387,7 @@
           <a:p>
             <a:fld id="{ACB15FA1-C85B-48BC-AF8B-E9DF226D558D}" type="datetimeFigureOut">
               <a:rPr lang="en-US" smtClean="0"/>
-              <a:t>1/18/2023</a:t>
+              <a:t>1/19/2023</a:t>
             </a:fld>
             <a:endParaRPr lang="en-US"/>
           </a:p>
@@ -2674,7 +2675,7 @@
           <a:p>
             <a:fld id="{ACB15FA1-C85B-48BC-AF8B-E9DF226D558D}" type="datetimeFigureOut">
               <a:rPr lang="en-US" smtClean="0"/>
-              <a:t>1/18/2023</a:t>
+              <a:t>1/19/2023</a:t>
             </a:fld>
             <a:endParaRPr lang="en-US"/>
           </a:p>
@@ -2915,7 +2916,7 @@
           <a:p>
             <a:fld id="{ACB15FA1-C85B-48BC-AF8B-E9DF226D558D}" type="datetimeFigureOut">
               <a:rPr lang="en-US" smtClean="0"/>
-              <a:t>1/18/2023</a:t>
+              <a:t>1/19/2023</a:t>
             </a:fld>
             <a:endParaRPr lang="en-US"/>
           </a:p>
@@ -9482,6 +9483,882 @@
           <p:cNvPr id="2" name="Title 1">
             <a:extLst>
               <a:ext uri="{FF2B5EF4-FFF2-40B4-BE49-F238E27FC236}">
+                <a16:creationId xmlns:a16="http://schemas.microsoft.com/office/drawing/2014/main" id="{E5DF18A1-F3D6-0E63-623E-AA0590A7EBCC}"/>
+              </a:ext>
+            </a:extLst>
+          </p:cNvPr>
+          <p:cNvSpPr>
+            <a:spLocks noGrp="1"/>
+          </p:cNvSpPr>
+          <p:nvPr>
+            <p:ph type="title"/>
+          </p:nvPr>
+        </p:nvSpPr>
+        <p:spPr/>
+        <p:txBody>
+          <a:bodyPr/>
+          <a:lstStyle/>
+          <a:p>
+            <a:r>
+              <a:rPr lang="en-US" dirty="0" err="1"/>
+              <a:t>CustomQubit</a:t>
+            </a:r>
+            <a:endParaRPr lang="en-US" dirty="0"/>
+          </a:p>
+        </p:txBody>
+      </p:sp>
+      <p:pic>
+        <p:nvPicPr>
+          <p:cNvPr id="5" name="Content Placeholder 4">
+            <a:extLst>
+              <a:ext uri="{FF2B5EF4-FFF2-40B4-BE49-F238E27FC236}">
+                <a16:creationId xmlns:a16="http://schemas.microsoft.com/office/drawing/2014/main" id="{A3983154-E0A8-3C26-FCBD-7A757879B372}"/>
+              </a:ext>
+            </a:extLst>
+          </p:cNvPr>
+          <p:cNvPicPr>
+            <a:picLocks noGrp="1" noChangeAspect="1"/>
+          </p:cNvPicPr>
+          <p:nvPr>
+            <p:ph idx="1"/>
+          </p:nvPr>
+        </p:nvPicPr>
+        <p:blipFill rotWithShape="1">
+          <a:blip r:embed="rId2"/>
+          <a:srcRect t="10619"/>
+          <a:stretch/>
+        </p:blipFill>
+        <p:spPr>
+          <a:xfrm>
+            <a:off x="453606" y="1908401"/>
+            <a:ext cx="11284788" cy="3891507"/>
+          </a:xfrm>
+        </p:spPr>
+      </p:pic>
+      <p:cxnSp>
+        <p:nvCxnSpPr>
+          <p:cNvPr id="6" name="Straight Arrow Connector 5">
+            <a:extLst>
+              <a:ext uri="{FF2B5EF4-FFF2-40B4-BE49-F238E27FC236}">
+                <a16:creationId xmlns:a16="http://schemas.microsoft.com/office/drawing/2014/main" id="{1C1CEE3C-768B-8280-F04F-41CEF50D4F4D}"/>
+              </a:ext>
+            </a:extLst>
+          </p:cNvPr>
+          <p:cNvCxnSpPr>
+            <a:cxnSpLocks/>
+          </p:cNvCxnSpPr>
+          <p:nvPr/>
+        </p:nvCxnSpPr>
+        <p:spPr>
+          <a:xfrm>
+            <a:off x="10104573" y="3483429"/>
+            <a:ext cx="0" cy="1129225"/>
+          </a:xfrm>
+          <a:prstGeom prst="straightConnector1">
+            <a:avLst/>
+          </a:prstGeom>
+          <a:ln w="19050">
+            <a:solidFill>
+              <a:srgbClr val="FF09A7"/>
+            </a:solidFill>
+            <a:headEnd type="triangle"/>
+            <a:tailEnd type="triangle"/>
+          </a:ln>
+        </p:spPr>
+        <p:style>
+          <a:lnRef idx="1">
+            <a:schemeClr val="accent1"/>
+          </a:lnRef>
+          <a:fillRef idx="0">
+            <a:schemeClr val="accent1"/>
+          </a:fillRef>
+          <a:effectRef idx="0">
+            <a:schemeClr val="accent1"/>
+          </a:effectRef>
+          <a:fontRef idx="minor">
+            <a:schemeClr val="tx1"/>
+          </a:fontRef>
+        </p:style>
+      </p:cxnSp>
+      <p:sp>
+        <p:nvSpPr>
+          <p:cNvPr id="7" name="TextBox 6">
+            <a:extLst>
+              <a:ext uri="{FF2B5EF4-FFF2-40B4-BE49-F238E27FC236}">
+                <a16:creationId xmlns:a16="http://schemas.microsoft.com/office/drawing/2014/main" id="{BA7CC2BC-A015-03CB-E483-760DDF4B41D7}"/>
+              </a:ext>
+            </a:extLst>
+          </p:cNvPr>
+          <p:cNvSpPr txBox="1"/>
+          <p:nvPr/>
+        </p:nvSpPr>
+        <p:spPr>
+          <a:xfrm>
+            <a:off x="10057559" y="3933158"/>
+            <a:ext cx="1514986" cy="276999"/>
+          </a:xfrm>
+          <a:prstGeom prst="rect">
+            <a:avLst/>
+          </a:prstGeom>
+          <a:noFill/>
+        </p:spPr>
+        <p:txBody>
+          <a:bodyPr wrap="square" rtlCol="0">
+            <a:spAutoFit/>
+          </a:bodyPr>
+          <a:lstStyle/>
+          <a:p>
+            <a:r>
+              <a:rPr lang="en-US" sz="1200" dirty="0">
+                <a:solidFill>
+                  <a:srgbClr val="FF99FF"/>
+                </a:solidFill>
+              </a:rPr>
+              <a:t>height</a:t>
+            </a:r>
+          </a:p>
+        </p:txBody>
+      </p:sp>
+      <p:sp>
+        <p:nvSpPr>
+          <p:cNvPr id="9" name="Arc 8">
+            <a:extLst>
+              <a:ext uri="{FF2B5EF4-FFF2-40B4-BE49-F238E27FC236}">
+                <a16:creationId xmlns:a16="http://schemas.microsoft.com/office/drawing/2014/main" id="{63834A5D-E55A-E3B4-BCB7-DF30604CA7E6}"/>
+              </a:ext>
+            </a:extLst>
+          </p:cNvPr>
+          <p:cNvSpPr/>
+          <p:nvPr/>
+        </p:nvSpPr>
+        <p:spPr>
+          <a:xfrm>
+            <a:off x="902326" y="4268683"/>
+            <a:ext cx="622181" cy="649138"/>
+          </a:xfrm>
+          <a:prstGeom prst="arc">
+            <a:avLst>
+              <a:gd name="adj1" fmla="val 18216814"/>
+              <a:gd name="adj2" fmla="val 0"/>
+            </a:avLst>
+          </a:prstGeom>
+          <a:ln w="9525">
+            <a:solidFill>
+              <a:srgbClr val="FF09A7"/>
+            </a:solidFill>
+          </a:ln>
+        </p:spPr>
+        <p:style>
+          <a:lnRef idx="1">
+            <a:schemeClr val="accent1"/>
+          </a:lnRef>
+          <a:fillRef idx="0">
+            <a:schemeClr val="accent1"/>
+          </a:fillRef>
+          <a:effectRef idx="0">
+            <a:schemeClr val="accent1"/>
+          </a:effectRef>
+          <a:fontRef idx="minor">
+            <a:schemeClr val="tx1"/>
+          </a:fontRef>
+        </p:style>
+        <p:txBody>
+          <a:bodyPr rtlCol="0" anchor="ctr"/>
+          <a:lstStyle/>
+          <a:p>
+            <a:pPr algn="ctr"/>
+            <a:endParaRPr lang="en-US" dirty="0"/>
+          </a:p>
+        </p:txBody>
+      </p:sp>
+      <p:sp>
+        <p:nvSpPr>
+          <p:cNvPr id="10" name="TextBox 9">
+            <a:extLst>
+              <a:ext uri="{FF2B5EF4-FFF2-40B4-BE49-F238E27FC236}">
+                <a16:creationId xmlns:a16="http://schemas.microsoft.com/office/drawing/2014/main" id="{A0A96E5F-367F-BFE8-ED6E-288C45AFA909}"/>
+              </a:ext>
+            </a:extLst>
+          </p:cNvPr>
+          <p:cNvSpPr txBox="1"/>
+          <p:nvPr/>
+        </p:nvSpPr>
+        <p:spPr>
+          <a:xfrm>
+            <a:off x="1428143" y="4233348"/>
+            <a:ext cx="1514986" cy="276999"/>
+          </a:xfrm>
+          <a:prstGeom prst="rect">
+            <a:avLst/>
+          </a:prstGeom>
+          <a:noFill/>
+        </p:spPr>
+        <p:txBody>
+          <a:bodyPr wrap="square" rtlCol="0">
+            <a:spAutoFit/>
+          </a:bodyPr>
+          <a:lstStyle/>
+          <a:p>
+            <a:r>
+              <a:rPr lang="en-US" sz="1200" dirty="0" err="1">
+                <a:solidFill>
+                  <a:srgbClr val="FF99FF"/>
+                </a:solidFill>
+              </a:rPr>
+              <a:t>taper_angle</a:t>
+            </a:r>
+            <a:endParaRPr lang="en-US" sz="1200" dirty="0">
+              <a:solidFill>
+                <a:srgbClr val="FF99FF"/>
+              </a:solidFill>
+            </a:endParaRPr>
+          </a:p>
+        </p:txBody>
+      </p:sp>
+      <p:cxnSp>
+        <p:nvCxnSpPr>
+          <p:cNvPr id="13" name="Straight Connector 12">
+            <a:extLst>
+              <a:ext uri="{FF2B5EF4-FFF2-40B4-BE49-F238E27FC236}">
+                <a16:creationId xmlns:a16="http://schemas.microsoft.com/office/drawing/2014/main" id="{C05D3764-F36D-7275-8105-450ACBFC0D4C}"/>
+              </a:ext>
+            </a:extLst>
+          </p:cNvPr>
+          <p:cNvCxnSpPr>
+            <a:cxnSpLocks/>
+          </p:cNvCxnSpPr>
+          <p:nvPr/>
+        </p:nvCxnSpPr>
+        <p:spPr>
+          <a:xfrm>
+            <a:off x="924753" y="2577737"/>
+            <a:ext cx="0" cy="2026004"/>
+          </a:xfrm>
+          <a:prstGeom prst="line">
+            <a:avLst/>
+          </a:prstGeom>
+          <a:ln w="9525">
+            <a:solidFill>
+              <a:srgbClr val="FF09A7"/>
+            </a:solidFill>
+          </a:ln>
+        </p:spPr>
+        <p:style>
+          <a:lnRef idx="1">
+            <a:schemeClr val="accent1"/>
+          </a:lnRef>
+          <a:fillRef idx="0">
+            <a:schemeClr val="accent1"/>
+          </a:fillRef>
+          <a:effectRef idx="0">
+            <a:schemeClr val="accent1"/>
+          </a:effectRef>
+          <a:fontRef idx="minor">
+            <a:schemeClr val="tx1"/>
+          </a:fontRef>
+        </p:style>
+      </p:cxnSp>
+      <p:cxnSp>
+        <p:nvCxnSpPr>
+          <p:cNvPr id="14" name="Straight Arrow Connector 13">
+            <a:extLst>
+              <a:ext uri="{FF2B5EF4-FFF2-40B4-BE49-F238E27FC236}">
+                <a16:creationId xmlns:a16="http://schemas.microsoft.com/office/drawing/2014/main" id="{DA4237C5-3683-933A-C83D-98ABFE18DA91}"/>
+              </a:ext>
+            </a:extLst>
+          </p:cNvPr>
+          <p:cNvCxnSpPr>
+            <a:cxnSpLocks/>
+          </p:cNvCxnSpPr>
+          <p:nvPr/>
+        </p:nvCxnSpPr>
+        <p:spPr>
+          <a:xfrm>
+            <a:off x="924753" y="2577737"/>
+            <a:ext cx="280308" cy="0"/>
+          </a:xfrm>
+          <a:prstGeom prst="straightConnector1">
+            <a:avLst/>
+          </a:prstGeom>
+          <a:ln w="19050">
+            <a:solidFill>
+              <a:srgbClr val="FF09A7"/>
+            </a:solidFill>
+            <a:headEnd type="triangle"/>
+            <a:tailEnd type="triangle"/>
+          </a:ln>
+        </p:spPr>
+        <p:style>
+          <a:lnRef idx="1">
+            <a:schemeClr val="accent1"/>
+          </a:lnRef>
+          <a:fillRef idx="0">
+            <a:schemeClr val="accent1"/>
+          </a:fillRef>
+          <a:effectRef idx="0">
+            <a:schemeClr val="accent1"/>
+          </a:effectRef>
+          <a:fontRef idx="minor">
+            <a:schemeClr val="tx1"/>
+          </a:fontRef>
+        </p:style>
+      </p:cxnSp>
+      <p:sp>
+        <p:nvSpPr>
+          <p:cNvPr id="15" name="TextBox 14">
+            <a:extLst>
+              <a:ext uri="{FF2B5EF4-FFF2-40B4-BE49-F238E27FC236}">
+                <a16:creationId xmlns:a16="http://schemas.microsoft.com/office/drawing/2014/main" id="{579B6210-0C2E-7942-D7A2-887DADB39A37}"/>
+              </a:ext>
+            </a:extLst>
+          </p:cNvPr>
+          <p:cNvSpPr txBox="1"/>
+          <p:nvPr/>
+        </p:nvSpPr>
+        <p:spPr>
+          <a:xfrm>
+            <a:off x="801465" y="2302183"/>
+            <a:ext cx="1502806" cy="276999"/>
+          </a:xfrm>
+          <a:prstGeom prst="rect">
+            <a:avLst/>
+          </a:prstGeom>
+          <a:noFill/>
+        </p:spPr>
+        <p:txBody>
+          <a:bodyPr wrap="square" rtlCol="0">
+            <a:spAutoFit/>
+          </a:bodyPr>
+          <a:lstStyle/>
+          <a:p>
+            <a:r>
+              <a:rPr lang="en-US" sz="1200" dirty="0">
+                <a:solidFill>
+                  <a:srgbClr val="FF99FF"/>
+                </a:solidFill>
+              </a:rPr>
+              <a:t>offset</a:t>
+            </a:r>
+          </a:p>
+        </p:txBody>
+      </p:sp>
+      <p:cxnSp>
+        <p:nvCxnSpPr>
+          <p:cNvPr id="22" name="Straight Connector 21">
+            <a:extLst>
+              <a:ext uri="{FF2B5EF4-FFF2-40B4-BE49-F238E27FC236}">
+                <a16:creationId xmlns:a16="http://schemas.microsoft.com/office/drawing/2014/main" id="{F82B2381-41D9-8AA8-2008-FD3E86A001D7}"/>
+              </a:ext>
+            </a:extLst>
+          </p:cNvPr>
+          <p:cNvCxnSpPr>
+            <a:cxnSpLocks/>
+          </p:cNvCxnSpPr>
+          <p:nvPr/>
+        </p:nvCxnSpPr>
+        <p:spPr>
+          <a:xfrm>
+            <a:off x="1205061" y="2586650"/>
+            <a:ext cx="0" cy="2026004"/>
+          </a:xfrm>
+          <a:prstGeom prst="line">
+            <a:avLst/>
+          </a:prstGeom>
+          <a:ln w="9525">
+            <a:solidFill>
+              <a:srgbClr val="FF09A7"/>
+            </a:solidFill>
+          </a:ln>
+        </p:spPr>
+        <p:style>
+          <a:lnRef idx="1">
+            <a:schemeClr val="accent1"/>
+          </a:lnRef>
+          <a:fillRef idx="0">
+            <a:schemeClr val="accent1"/>
+          </a:fillRef>
+          <a:effectRef idx="0">
+            <a:schemeClr val="accent1"/>
+          </a:effectRef>
+          <a:fontRef idx="minor">
+            <a:schemeClr val="tx1"/>
+          </a:fontRef>
+        </p:style>
+      </p:cxnSp>
+      <p:cxnSp>
+        <p:nvCxnSpPr>
+          <p:cNvPr id="24" name="Straight Connector 23">
+            <a:extLst>
+              <a:ext uri="{FF2B5EF4-FFF2-40B4-BE49-F238E27FC236}">
+                <a16:creationId xmlns:a16="http://schemas.microsoft.com/office/drawing/2014/main" id="{56DB7CAD-19D6-BC29-C9CD-87FB812CED17}"/>
+              </a:ext>
+            </a:extLst>
+          </p:cNvPr>
+          <p:cNvCxnSpPr>
+            <a:cxnSpLocks/>
+          </p:cNvCxnSpPr>
+          <p:nvPr/>
+        </p:nvCxnSpPr>
+        <p:spPr>
+          <a:xfrm>
+            <a:off x="11088201" y="2586650"/>
+            <a:ext cx="0" cy="2026004"/>
+          </a:xfrm>
+          <a:prstGeom prst="line">
+            <a:avLst/>
+          </a:prstGeom>
+          <a:ln w="9525">
+            <a:solidFill>
+              <a:srgbClr val="FF09A7"/>
+            </a:solidFill>
+          </a:ln>
+        </p:spPr>
+        <p:style>
+          <a:lnRef idx="1">
+            <a:schemeClr val="accent1"/>
+          </a:lnRef>
+          <a:fillRef idx="0">
+            <a:schemeClr val="accent1"/>
+          </a:fillRef>
+          <a:effectRef idx="0">
+            <a:schemeClr val="accent1"/>
+          </a:effectRef>
+          <a:fontRef idx="minor">
+            <a:schemeClr val="tx1"/>
+          </a:fontRef>
+        </p:style>
+      </p:cxnSp>
+      <p:cxnSp>
+        <p:nvCxnSpPr>
+          <p:cNvPr id="25" name="Straight Arrow Connector 24">
+            <a:extLst>
+              <a:ext uri="{FF2B5EF4-FFF2-40B4-BE49-F238E27FC236}">
+                <a16:creationId xmlns:a16="http://schemas.microsoft.com/office/drawing/2014/main" id="{CF3F2E93-A3EC-A3E6-56F6-F42505868620}"/>
+              </a:ext>
+            </a:extLst>
+          </p:cNvPr>
+          <p:cNvCxnSpPr>
+            <a:cxnSpLocks/>
+          </p:cNvCxnSpPr>
+          <p:nvPr/>
+        </p:nvCxnSpPr>
+        <p:spPr>
+          <a:xfrm>
+            <a:off x="1205061" y="2577737"/>
+            <a:ext cx="9883140" cy="0"/>
+          </a:xfrm>
+          <a:prstGeom prst="straightConnector1">
+            <a:avLst/>
+          </a:prstGeom>
+          <a:ln w="19050">
+            <a:solidFill>
+              <a:srgbClr val="FF09A7"/>
+            </a:solidFill>
+            <a:headEnd type="triangle"/>
+            <a:tailEnd type="triangle"/>
+          </a:ln>
+        </p:spPr>
+        <p:style>
+          <a:lnRef idx="1">
+            <a:schemeClr val="accent1"/>
+          </a:lnRef>
+          <a:fillRef idx="0">
+            <a:schemeClr val="accent1"/>
+          </a:fillRef>
+          <a:effectRef idx="0">
+            <a:schemeClr val="accent1"/>
+          </a:effectRef>
+          <a:fontRef idx="minor">
+            <a:schemeClr val="tx1"/>
+          </a:fontRef>
+        </p:style>
+      </p:cxnSp>
+      <p:sp>
+        <p:nvSpPr>
+          <p:cNvPr id="28" name="TextBox 27">
+            <a:extLst>
+              <a:ext uri="{FF2B5EF4-FFF2-40B4-BE49-F238E27FC236}">
+                <a16:creationId xmlns:a16="http://schemas.microsoft.com/office/drawing/2014/main" id="{0A90C881-ADF7-D097-AEEF-70F2323A1F46}"/>
+              </a:ext>
+            </a:extLst>
+          </p:cNvPr>
+          <p:cNvSpPr txBox="1"/>
+          <p:nvPr/>
+        </p:nvSpPr>
+        <p:spPr>
+          <a:xfrm>
+            <a:off x="5807805" y="2302183"/>
+            <a:ext cx="1502806" cy="276999"/>
+          </a:xfrm>
+          <a:prstGeom prst="rect">
+            <a:avLst/>
+          </a:prstGeom>
+          <a:noFill/>
+        </p:spPr>
+        <p:txBody>
+          <a:bodyPr wrap="square" rtlCol="0">
+            <a:spAutoFit/>
+          </a:bodyPr>
+          <a:lstStyle/>
+          <a:p>
+            <a:r>
+              <a:rPr lang="en-US" sz="1200" dirty="0">
+                <a:solidFill>
+                  <a:srgbClr val="FF99FF"/>
+                </a:solidFill>
+              </a:rPr>
+              <a:t>length</a:t>
+            </a:r>
+          </a:p>
+        </p:txBody>
+      </p:sp>
+      <p:cxnSp>
+        <p:nvCxnSpPr>
+          <p:cNvPr id="29" name="Straight Connector 28">
+            <a:extLst>
+              <a:ext uri="{FF2B5EF4-FFF2-40B4-BE49-F238E27FC236}">
+                <a16:creationId xmlns:a16="http://schemas.microsoft.com/office/drawing/2014/main" id="{BB2EA16E-7F0A-591B-B5EF-3950CEEB1B36}"/>
+              </a:ext>
+            </a:extLst>
+          </p:cNvPr>
+          <p:cNvCxnSpPr>
+            <a:cxnSpLocks/>
+          </p:cNvCxnSpPr>
+          <p:nvPr/>
+        </p:nvCxnSpPr>
+        <p:spPr>
+          <a:xfrm>
+            <a:off x="710406" y="4612654"/>
+            <a:ext cx="861115" cy="0"/>
+          </a:xfrm>
+          <a:prstGeom prst="line">
+            <a:avLst/>
+          </a:prstGeom>
+          <a:ln w="9525">
+            <a:solidFill>
+              <a:srgbClr val="FF09A7"/>
+            </a:solidFill>
+          </a:ln>
+        </p:spPr>
+        <p:style>
+          <a:lnRef idx="1">
+            <a:schemeClr val="accent1"/>
+          </a:lnRef>
+          <a:fillRef idx="0">
+            <a:schemeClr val="accent1"/>
+          </a:fillRef>
+          <a:effectRef idx="0">
+            <a:schemeClr val="accent1"/>
+          </a:effectRef>
+          <a:fontRef idx="minor">
+            <a:schemeClr val="tx1"/>
+          </a:fontRef>
+        </p:style>
+      </p:cxnSp>
+      <p:cxnSp>
+        <p:nvCxnSpPr>
+          <p:cNvPr id="30" name="Straight Arrow Connector 29">
+            <a:extLst>
+              <a:ext uri="{FF2B5EF4-FFF2-40B4-BE49-F238E27FC236}">
+                <a16:creationId xmlns:a16="http://schemas.microsoft.com/office/drawing/2014/main" id="{DF168942-09F3-7C04-AD0C-BEB3CF1E53EB}"/>
+              </a:ext>
+            </a:extLst>
+          </p:cNvPr>
+          <p:cNvCxnSpPr>
+            <a:cxnSpLocks/>
+          </p:cNvCxnSpPr>
+          <p:nvPr/>
+        </p:nvCxnSpPr>
+        <p:spPr>
+          <a:xfrm flipV="1">
+            <a:off x="710406" y="4596461"/>
+            <a:ext cx="0" cy="137636"/>
+          </a:xfrm>
+          <a:prstGeom prst="straightConnector1">
+            <a:avLst/>
+          </a:prstGeom>
+          <a:ln w="19050">
+            <a:solidFill>
+              <a:srgbClr val="FF09A7"/>
+            </a:solidFill>
+            <a:headEnd type="triangle"/>
+            <a:tailEnd type="triangle"/>
+          </a:ln>
+        </p:spPr>
+        <p:style>
+          <a:lnRef idx="1">
+            <a:schemeClr val="accent1"/>
+          </a:lnRef>
+          <a:fillRef idx="0">
+            <a:schemeClr val="accent1"/>
+          </a:fillRef>
+          <a:effectRef idx="0">
+            <a:schemeClr val="accent1"/>
+          </a:effectRef>
+          <a:fontRef idx="minor">
+            <a:schemeClr val="tx1"/>
+          </a:fontRef>
+        </p:style>
+      </p:cxnSp>
+      <p:sp>
+        <p:nvSpPr>
+          <p:cNvPr id="31" name="TextBox 30">
+            <a:extLst>
+              <a:ext uri="{FF2B5EF4-FFF2-40B4-BE49-F238E27FC236}">
+                <a16:creationId xmlns:a16="http://schemas.microsoft.com/office/drawing/2014/main" id="{775F9E92-2793-F769-BABF-41ED2C0C8FBA}"/>
+              </a:ext>
+            </a:extLst>
+          </p:cNvPr>
+          <p:cNvSpPr txBox="1"/>
+          <p:nvPr/>
+        </p:nvSpPr>
+        <p:spPr>
+          <a:xfrm rot="16200000">
+            <a:off x="207378" y="4501558"/>
+            <a:ext cx="721764" cy="276999"/>
+          </a:xfrm>
+          <a:prstGeom prst="rect">
+            <a:avLst/>
+          </a:prstGeom>
+          <a:noFill/>
+        </p:spPr>
+        <p:txBody>
+          <a:bodyPr wrap="square" rtlCol="0">
+            <a:spAutoFit/>
+          </a:bodyPr>
+          <a:lstStyle/>
+          <a:p>
+            <a:pPr>
+              <a:tabLst>
+                <a:tab pos="628650" algn="l"/>
+              </a:tabLst>
+            </a:pPr>
+            <a:r>
+              <a:rPr lang="en-US" sz="1200" dirty="0" err="1">
+                <a:solidFill>
+                  <a:srgbClr val="FF99FF"/>
+                </a:solidFill>
+              </a:rPr>
+              <a:t>pin_gap</a:t>
+            </a:r>
+            <a:endParaRPr lang="en-US" sz="1200" dirty="0">
+              <a:solidFill>
+                <a:srgbClr val="FF99FF"/>
+              </a:solidFill>
+            </a:endParaRPr>
+          </a:p>
+        </p:txBody>
+      </p:sp>
+      <p:cxnSp>
+        <p:nvCxnSpPr>
+          <p:cNvPr id="32" name="Straight Connector 31">
+            <a:extLst>
+              <a:ext uri="{FF2B5EF4-FFF2-40B4-BE49-F238E27FC236}">
+                <a16:creationId xmlns:a16="http://schemas.microsoft.com/office/drawing/2014/main" id="{63FF8C54-EF82-6519-CDCD-862B82CDCF73}"/>
+              </a:ext>
+            </a:extLst>
+          </p:cNvPr>
+          <p:cNvCxnSpPr>
+            <a:cxnSpLocks/>
+          </p:cNvCxnSpPr>
+          <p:nvPr/>
+        </p:nvCxnSpPr>
+        <p:spPr>
+          <a:xfrm>
+            <a:off x="706760" y="4729335"/>
+            <a:ext cx="861115" cy="0"/>
+          </a:xfrm>
+          <a:prstGeom prst="line">
+            <a:avLst/>
+          </a:prstGeom>
+          <a:ln w="9525">
+            <a:solidFill>
+              <a:srgbClr val="FF09A7"/>
+            </a:solidFill>
+          </a:ln>
+        </p:spPr>
+        <p:style>
+          <a:lnRef idx="1">
+            <a:schemeClr val="accent1"/>
+          </a:lnRef>
+          <a:fillRef idx="0">
+            <a:schemeClr val="accent1"/>
+          </a:fillRef>
+          <a:effectRef idx="0">
+            <a:schemeClr val="accent1"/>
+          </a:effectRef>
+          <a:fontRef idx="minor">
+            <a:schemeClr val="tx1"/>
+          </a:fontRef>
+        </p:style>
+      </p:cxnSp>
+      <p:cxnSp>
+        <p:nvCxnSpPr>
+          <p:cNvPr id="33" name="Straight Connector 32">
+            <a:extLst>
+              <a:ext uri="{FF2B5EF4-FFF2-40B4-BE49-F238E27FC236}">
+                <a16:creationId xmlns:a16="http://schemas.microsoft.com/office/drawing/2014/main" id="{1CB7FD3E-D79C-3E72-DC67-8D973701457F}"/>
+              </a:ext>
+            </a:extLst>
+          </p:cNvPr>
+          <p:cNvCxnSpPr>
+            <a:cxnSpLocks/>
+          </p:cNvCxnSpPr>
+          <p:nvPr/>
+        </p:nvCxnSpPr>
+        <p:spPr>
+          <a:xfrm>
+            <a:off x="2279481" y="3175000"/>
+            <a:ext cx="0" cy="1437654"/>
+          </a:xfrm>
+          <a:prstGeom prst="line">
+            <a:avLst/>
+          </a:prstGeom>
+          <a:ln w="9525">
+            <a:solidFill>
+              <a:srgbClr val="FF09A7"/>
+            </a:solidFill>
+          </a:ln>
+        </p:spPr>
+        <p:style>
+          <a:lnRef idx="1">
+            <a:schemeClr val="accent1"/>
+          </a:lnRef>
+          <a:fillRef idx="0">
+            <a:schemeClr val="accent1"/>
+          </a:fillRef>
+          <a:effectRef idx="0">
+            <a:schemeClr val="accent1"/>
+          </a:effectRef>
+          <a:fontRef idx="minor">
+            <a:schemeClr val="tx1"/>
+          </a:fontRef>
+        </p:style>
+      </p:cxnSp>
+      <p:cxnSp>
+        <p:nvCxnSpPr>
+          <p:cNvPr id="35" name="Straight Arrow Connector 34">
+            <a:extLst>
+              <a:ext uri="{FF2B5EF4-FFF2-40B4-BE49-F238E27FC236}">
+                <a16:creationId xmlns:a16="http://schemas.microsoft.com/office/drawing/2014/main" id="{1B33FF8E-AE2C-C7CE-BCDC-B58345769A1E}"/>
+              </a:ext>
+            </a:extLst>
+          </p:cNvPr>
+          <p:cNvCxnSpPr>
+            <a:cxnSpLocks/>
+          </p:cNvCxnSpPr>
+          <p:nvPr/>
+        </p:nvCxnSpPr>
+        <p:spPr>
+          <a:xfrm>
+            <a:off x="1206500" y="3175000"/>
+            <a:ext cx="1072981" cy="0"/>
+          </a:xfrm>
+          <a:prstGeom prst="straightConnector1">
+            <a:avLst/>
+          </a:prstGeom>
+          <a:ln w="19050">
+            <a:solidFill>
+              <a:srgbClr val="FF09A7"/>
+            </a:solidFill>
+            <a:headEnd type="triangle"/>
+            <a:tailEnd type="triangle"/>
+          </a:ln>
+        </p:spPr>
+        <p:style>
+          <a:lnRef idx="1">
+            <a:schemeClr val="accent1"/>
+          </a:lnRef>
+          <a:fillRef idx="0">
+            <a:schemeClr val="accent1"/>
+          </a:fillRef>
+          <a:effectRef idx="0">
+            <a:schemeClr val="accent1"/>
+          </a:effectRef>
+          <a:fontRef idx="minor">
+            <a:schemeClr val="tx1"/>
+          </a:fontRef>
+        </p:style>
+      </p:cxnSp>
+      <p:sp>
+        <p:nvSpPr>
+          <p:cNvPr id="37" name="TextBox 36">
+            <a:extLst>
+              <a:ext uri="{FF2B5EF4-FFF2-40B4-BE49-F238E27FC236}">
+                <a16:creationId xmlns:a16="http://schemas.microsoft.com/office/drawing/2014/main" id="{F8E77F18-5BDE-A9A4-0426-95F88E38D9BE}"/>
+              </a:ext>
+            </a:extLst>
+          </p:cNvPr>
+          <p:cNvSpPr txBox="1"/>
+          <p:nvPr/>
+        </p:nvSpPr>
+        <p:spPr>
+          <a:xfrm>
+            <a:off x="1205056" y="2898963"/>
+            <a:ext cx="1502806" cy="276999"/>
+          </a:xfrm>
+          <a:prstGeom prst="rect">
+            <a:avLst/>
+          </a:prstGeom>
+          <a:noFill/>
+        </p:spPr>
+        <p:txBody>
+          <a:bodyPr wrap="square" rtlCol="0">
+            <a:spAutoFit/>
+          </a:bodyPr>
+          <a:lstStyle/>
+          <a:p>
+            <a:r>
+              <a:rPr lang="en-US" sz="1200" dirty="0" err="1">
+                <a:solidFill>
+                  <a:srgbClr val="FF99FF"/>
+                </a:solidFill>
+              </a:rPr>
+              <a:t>import_offset</a:t>
+            </a:r>
+            <a:endParaRPr lang="en-US" sz="1200" dirty="0">
+              <a:solidFill>
+                <a:srgbClr val="FF99FF"/>
+              </a:solidFill>
+            </a:endParaRPr>
+          </a:p>
+        </p:txBody>
+      </p:sp>
+    </p:spTree>
+    <p:extLst>
+      <p:ext uri="{BB962C8B-B14F-4D97-AF65-F5344CB8AC3E}">
+        <p14:creationId xmlns:p14="http://schemas.microsoft.com/office/powerpoint/2010/main" val="803320973"/>
+      </p:ext>
+    </p:extLst>
+  </p:cSld>
+  <p:clrMapOvr>
+    <a:masterClrMapping/>
+  </p:clrMapOvr>
+</p:sld>
+</file>
+
+<file path=ppt/slides/slide7.xml><?xml version="1.0" encoding="utf-8"?>
+<p:sld xmlns:a="http://schemas.openxmlformats.org/drawingml/2006/main" xmlns:r="http://schemas.openxmlformats.org/officeDocument/2006/relationships" xmlns:p="http://schemas.openxmlformats.org/presentationml/2006/main">
+  <p:cSld>
+    <p:spTree>
+      <p:nvGrpSpPr>
+        <p:cNvPr id="1" name=""/>
+        <p:cNvGrpSpPr/>
+        <p:nvPr/>
+      </p:nvGrpSpPr>
+      <p:grpSpPr>
+        <a:xfrm>
+          <a:off x="0" y="0"/>
+          <a:ext cx="0" cy="0"/>
+          <a:chOff x="0" y="0"/>
+          <a:chExt cx="0" cy="0"/>
+        </a:xfrm>
+      </p:grpSpPr>
+      <p:sp>
+        <p:nvSpPr>
+          <p:cNvPr id="2" name="Title 1">
+            <a:extLst>
+              <a:ext uri="{FF2B5EF4-FFF2-40B4-BE49-F238E27FC236}">
                 <a16:creationId xmlns:a16="http://schemas.microsoft.com/office/drawing/2014/main" id="{71B7646F-BD1B-E503-5535-D2313E2A5D99}"/>
               </a:ext>
             </a:extLst>
@@ -10446,7 +11323,7 @@
 </p:sld>
 </file>
 
-<file path=ppt/slides/slide7.xml><?xml version="1.0" encoding="utf-8"?>
+<file path=ppt/slides/slide8.xml><?xml version="1.0" encoding="utf-8"?>
 <p:sld xmlns:a="http://schemas.openxmlformats.org/drawingml/2006/main" xmlns:r="http://schemas.openxmlformats.org/officeDocument/2006/relationships" xmlns:p="http://schemas.openxmlformats.org/presentationml/2006/main">
   <p:cSld>
     <p:spTree>
